--- a/doc/pict/Floorplan_picts.pptx
+++ b/doc/pict/Floorplan_picts.pptx
@@ -5,18 +5,19 @@
     <p:sldMasterId id="2147483648" r:id="rId1"/>
   </p:sldMasterIdLst>
   <p:notesMasterIdLst>
-    <p:notesMasterId r:id="rId8"/>
+    <p:notesMasterId r:id="rId9"/>
   </p:notesMasterIdLst>
   <p:handoutMasterIdLst>
-    <p:handoutMasterId r:id="rId9"/>
+    <p:handoutMasterId r:id="rId10"/>
   </p:handoutMasterIdLst>
   <p:sldIdLst>
     <p:sldId id="613" r:id="rId2"/>
-    <p:sldId id="608" r:id="rId3"/>
-    <p:sldId id="611" r:id="rId4"/>
-    <p:sldId id="609" r:id="rId5"/>
-    <p:sldId id="610" r:id="rId6"/>
-    <p:sldId id="612" r:id="rId7"/>
+    <p:sldId id="614" r:id="rId3"/>
+    <p:sldId id="608" r:id="rId4"/>
+    <p:sldId id="611" r:id="rId5"/>
+    <p:sldId id="609" r:id="rId6"/>
+    <p:sldId id="610" r:id="rId7"/>
+    <p:sldId id="612" r:id="rId8"/>
   </p:sldIdLst>
   <p:sldSz cx="9144000" cy="6858000" type="screen4x3"/>
   <p:notesSz cx="7315200" cy="9601200"/>
@@ -5646,7 +5647,7 @@
           <a:p>
             <a:fld id="{847A9C85-7208-4140-9A1B-482E74B6EC70}" type="datetimeFigureOut">
               <a:rPr lang="en-US" smtClean="0"/>
-              <a:t>7/3/2022</a:t>
+              <a:t>12/1/2025</a:t>
             </a:fld>
             <a:endParaRPr lang="en-US"/>
           </a:p>
@@ -5806,7 +5807,7 @@
           <a:p>
             <a:fld id="{9EAA3D3F-CA47-4B9D-B6BA-678D85410C0A}" type="datetimeFigureOut">
               <a:rPr lang="en-US" smtClean="0"/>
-              <a:t>7/3/2022</a:t>
+              <a:t>12/1/2025</a:t>
             </a:fld>
             <a:endParaRPr lang="en-US"/>
           </a:p>
@@ -11406,6 +11407,398 @@
       </p:grpSpPr>
       <p:sp>
         <p:nvSpPr>
+          <p:cNvPr id="45" name="TextBox 44">
+            <a:extLst>
+              <a:ext uri="{FF2B5EF4-FFF2-40B4-BE49-F238E27FC236}">
+                <a16:creationId xmlns:a16="http://schemas.microsoft.com/office/drawing/2014/main" id="{FAC5583C-257F-4DAE-B16A-D0F162EB5D9C}"/>
+              </a:ext>
+            </a:extLst>
+          </p:cNvPr>
+          <p:cNvSpPr txBox="1"/>
+          <p:nvPr/>
+        </p:nvSpPr>
+        <p:spPr>
+          <a:xfrm>
+            <a:off x="3401875" y="609600"/>
+            <a:ext cx="816249" cy="369332"/>
+          </a:xfrm>
+          <a:prstGeom prst="rect">
+            <a:avLst/>
+          </a:prstGeom>
+          <a:noFill/>
+        </p:spPr>
+        <p:txBody>
+          <a:bodyPr wrap="none" rtlCol="0">
+            <a:spAutoFit/>
+          </a:bodyPr>
+          <a:lstStyle/>
+          <a:p>
+            <a:r>
+              <a:rPr lang="en-US" dirty="0"/>
+              <a:t>CPUPC</a:t>
+            </a:r>
+          </a:p>
+        </p:txBody>
+      </p:sp>
+      <p:grpSp>
+        <p:nvGrpSpPr>
+          <p:cNvPr id="8" name="Group 7">
+            <a:extLst>
+              <a:ext uri="{FF2B5EF4-FFF2-40B4-BE49-F238E27FC236}">
+                <a16:creationId xmlns:a16="http://schemas.microsoft.com/office/drawing/2014/main" id="{BFCA1EDF-14A9-4AF2-99B7-66E7BC41DF01}"/>
+              </a:ext>
+            </a:extLst>
+          </p:cNvPr>
+          <p:cNvGrpSpPr/>
+          <p:nvPr/>
+        </p:nvGrpSpPr>
+        <p:grpSpPr>
+          <a:xfrm>
+            <a:off x="3059289" y="1628418"/>
+            <a:ext cx="1659467" cy="914402"/>
+            <a:chOff x="3059289" y="1628418"/>
+            <a:chExt cx="1659467" cy="914402"/>
+          </a:xfrm>
+        </p:grpSpPr>
+        <p:pic>
+          <p:nvPicPr>
+            <p:cNvPr id="2" name="Picture 1">
+              <a:extLst>
+                <a:ext uri="{FF2B5EF4-FFF2-40B4-BE49-F238E27FC236}">
+                  <a16:creationId xmlns:a16="http://schemas.microsoft.com/office/drawing/2014/main" id="{779ED73B-E096-4679-ADE1-F7E42B7FD3CB}"/>
+                </a:ext>
+              </a:extLst>
+            </p:cNvPr>
+            <p:cNvPicPr>
+              <a:picLocks noChangeAspect="1"/>
+            </p:cNvPicPr>
+            <p:nvPr/>
+          </p:nvPicPr>
+          <p:blipFill>
+            <a:blip r:embed="rId2"/>
+            <a:stretch>
+              <a:fillRect/>
+            </a:stretch>
+          </p:blipFill>
+          <p:spPr>
+            <a:xfrm>
+              <a:off x="3804357" y="1628421"/>
+              <a:ext cx="914399" cy="914399"/>
+            </a:xfrm>
+            <a:prstGeom prst="rect">
+              <a:avLst/>
+            </a:prstGeom>
+          </p:spPr>
+        </p:pic>
+        <p:sp>
+          <p:nvSpPr>
+            <p:cNvPr id="48" name="Rectangle 47">
+              <a:extLst>
+                <a:ext uri="{FF2B5EF4-FFF2-40B4-BE49-F238E27FC236}">
+                  <a16:creationId xmlns:a16="http://schemas.microsoft.com/office/drawing/2014/main" id="{2D09A22F-3CE6-4A90-A255-3CC7562EA7C3}"/>
+                </a:ext>
+              </a:extLst>
+            </p:cNvPr>
+            <p:cNvSpPr/>
+            <p:nvPr/>
+          </p:nvSpPr>
+          <p:spPr>
+            <a:xfrm>
+              <a:off x="3801533" y="1628420"/>
+              <a:ext cx="381000" cy="428979"/>
+            </a:xfrm>
+            <a:prstGeom prst="rect">
+              <a:avLst/>
+            </a:prstGeom>
+            <a:solidFill>
+              <a:srgbClr val="007BC0"/>
+            </a:solidFill>
+            <a:ln w="12700">
+              <a:solidFill>
+                <a:schemeClr val="tx1"/>
+              </a:solidFill>
+            </a:ln>
+          </p:spPr>
+          <p:style>
+            <a:lnRef idx="2">
+              <a:schemeClr val="accent1">
+                <a:shade val="50000"/>
+              </a:schemeClr>
+            </a:lnRef>
+            <a:fillRef idx="1">
+              <a:schemeClr val="accent1"/>
+            </a:fillRef>
+            <a:effectRef idx="0">
+              <a:schemeClr val="accent1"/>
+            </a:effectRef>
+            <a:fontRef idx="minor">
+              <a:schemeClr val="lt1"/>
+            </a:fontRef>
+          </p:style>
+          <p:txBody>
+            <a:bodyPr rtlCol="0" anchor="ctr"/>
+            <a:lstStyle/>
+            <a:p>
+              <a:pPr algn="ctr"/>
+              <a:endParaRPr lang="en-US"/>
+            </a:p>
+          </p:txBody>
+        </p:sp>
+        <p:sp>
+          <p:nvSpPr>
+            <p:cNvPr id="49" name="Rectangle 48">
+              <a:extLst>
+                <a:ext uri="{FF2B5EF4-FFF2-40B4-BE49-F238E27FC236}">
+                  <a16:creationId xmlns:a16="http://schemas.microsoft.com/office/drawing/2014/main" id="{D608BCAC-03FF-4A3F-9A4C-3EBDBFE8AD54}"/>
+                </a:ext>
+              </a:extLst>
+            </p:cNvPr>
+            <p:cNvSpPr/>
+            <p:nvPr/>
+          </p:nvSpPr>
+          <p:spPr>
+            <a:xfrm>
+              <a:off x="3581400" y="1628420"/>
+              <a:ext cx="228600" cy="886180"/>
+            </a:xfrm>
+            <a:prstGeom prst="rect">
+              <a:avLst/>
+            </a:prstGeom>
+            <a:solidFill>
+              <a:srgbClr val="007BC0"/>
+            </a:solidFill>
+            <a:ln w="12700">
+              <a:solidFill>
+                <a:schemeClr val="tx1"/>
+              </a:solidFill>
+            </a:ln>
+          </p:spPr>
+          <p:style>
+            <a:lnRef idx="2">
+              <a:schemeClr val="accent1">
+                <a:shade val="50000"/>
+              </a:schemeClr>
+            </a:lnRef>
+            <a:fillRef idx="1">
+              <a:schemeClr val="accent1"/>
+            </a:fillRef>
+            <a:effectRef idx="0">
+              <a:schemeClr val="accent1"/>
+            </a:effectRef>
+            <a:fontRef idx="minor">
+              <a:schemeClr val="lt1"/>
+            </a:fontRef>
+          </p:style>
+          <p:txBody>
+            <a:bodyPr rtlCol="0" anchor="ctr"/>
+            <a:lstStyle/>
+            <a:p>
+              <a:pPr algn="ctr"/>
+              <a:endParaRPr lang="en-US"/>
+            </a:p>
+          </p:txBody>
+        </p:sp>
+        <p:sp>
+          <p:nvSpPr>
+            <p:cNvPr id="5" name="Rectangle 4">
+              <a:extLst>
+                <a:ext uri="{FF2B5EF4-FFF2-40B4-BE49-F238E27FC236}">
+                  <a16:creationId xmlns:a16="http://schemas.microsoft.com/office/drawing/2014/main" id="{ED99E54C-641C-4BE4-976D-BBD81C560AFF}"/>
+                </a:ext>
+              </a:extLst>
+            </p:cNvPr>
+            <p:cNvSpPr/>
+            <p:nvPr/>
+          </p:nvSpPr>
+          <p:spPr>
+            <a:xfrm>
+              <a:off x="3285067" y="1628418"/>
+              <a:ext cx="296333" cy="200381"/>
+            </a:xfrm>
+            <a:prstGeom prst="rect">
+              <a:avLst/>
+            </a:prstGeom>
+            <a:solidFill>
+              <a:schemeClr val="bg1">
+                <a:lumMod val="50000"/>
+              </a:schemeClr>
+            </a:solidFill>
+            <a:ln w="12700">
+              <a:solidFill>
+                <a:schemeClr val="tx1"/>
+              </a:solidFill>
+            </a:ln>
+          </p:spPr>
+          <p:style>
+            <a:lnRef idx="2">
+              <a:schemeClr val="accent1">
+                <a:shade val="50000"/>
+              </a:schemeClr>
+            </a:lnRef>
+            <a:fillRef idx="1">
+              <a:schemeClr val="accent1"/>
+            </a:fillRef>
+            <a:effectRef idx="0">
+              <a:schemeClr val="accent1"/>
+            </a:effectRef>
+            <a:fontRef idx="minor">
+              <a:schemeClr val="lt1"/>
+            </a:fontRef>
+          </p:style>
+          <p:txBody>
+            <a:bodyPr rtlCol="0" anchor="ctr"/>
+            <a:lstStyle/>
+            <a:p>
+              <a:pPr algn="ctr"/>
+              <a:endParaRPr lang="en-US"/>
+            </a:p>
+          </p:txBody>
+        </p:sp>
+        <p:sp>
+          <p:nvSpPr>
+            <p:cNvPr id="4" name="Rectangle 3">
+              <a:extLst>
+                <a:ext uri="{FF2B5EF4-FFF2-40B4-BE49-F238E27FC236}">
+                  <a16:creationId xmlns:a16="http://schemas.microsoft.com/office/drawing/2014/main" id="{B9BE69C9-EA26-45E8-94D9-1A24ABEB567C}"/>
+                </a:ext>
+              </a:extLst>
+            </p:cNvPr>
+            <p:cNvSpPr/>
+            <p:nvPr/>
+          </p:nvSpPr>
+          <p:spPr>
+            <a:xfrm>
+              <a:off x="3059289" y="1628418"/>
+              <a:ext cx="228600" cy="886182"/>
+            </a:xfrm>
+            <a:prstGeom prst="rect">
+              <a:avLst/>
+            </a:prstGeom>
+            <a:solidFill>
+              <a:schemeClr val="bg1">
+                <a:lumMod val="50000"/>
+              </a:schemeClr>
+            </a:solidFill>
+            <a:ln w="12700">
+              <a:solidFill>
+                <a:schemeClr val="tx1"/>
+              </a:solidFill>
+            </a:ln>
+          </p:spPr>
+          <p:style>
+            <a:lnRef idx="2">
+              <a:schemeClr val="accent1">
+                <a:shade val="50000"/>
+              </a:schemeClr>
+            </a:lnRef>
+            <a:fillRef idx="1">
+              <a:schemeClr val="accent1"/>
+            </a:fillRef>
+            <a:effectRef idx="0">
+              <a:schemeClr val="accent1"/>
+            </a:effectRef>
+            <a:fontRef idx="minor">
+              <a:schemeClr val="lt1"/>
+            </a:fontRef>
+          </p:style>
+          <p:txBody>
+            <a:bodyPr rtlCol="0" anchor="ctr"/>
+            <a:lstStyle/>
+            <a:p>
+              <a:pPr algn="ctr"/>
+              <a:endParaRPr lang="en-US"/>
+            </a:p>
+          </p:txBody>
+        </p:sp>
+        <p:sp>
+          <p:nvSpPr>
+            <p:cNvPr id="50" name="Rectangle 49">
+              <a:extLst>
+                <a:ext uri="{FF2B5EF4-FFF2-40B4-BE49-F238E27FC236}">
+                  <a16:creationId xmlns:a16="http://schemas.microsoft.com/office/drawing/2014/main" id="{296EE97D-8FA8-4702-B73E-390323CE3F71}"/>
+                </a:ext>
+              </a:extLst>
+            </p:cNvPr>
+            <p:cNvSpPr/>
+            <p:nvPr/>
+          </p:nvSpPr>
+          <p:spPr>
+            <a:xfrm>
+              <a:off x="3287889" y="2313000"/>
+              <a:ext cx="296333" cy="201600"/>
+            </a:xfrm>
+            <a:prstGeom prst="rect">
+              <a:avLst/>
+            </a:prstGeom>
+            <a:solidFill>
+              <a:schemeClr val="bg1">
+                <a:lumMod val="50000"/>
+              </a:schemeClr>
+            </a:solidFill>
+            <a:ln w="12700">
+              <a:solidFill>
+                <a:schemeClr val="tx1"/>
+              </a:solidFill>
+            </a:ln>
+          </p:spPr>
+          <p:style>
+            <a:lnRef idx="2">
+              <a:schemeClr val="accent1">
+                <a:shade val="50000"/>
+              </a:schemeClr>
+            </a:lnRef>
+            <a:fillRef idx="1">
+              <a:schemeClr val="accent1"/>
+            </a:fillRef>
+            <a:effectRef idx="0">
+              <a:schemeClr val="accent1"/>
+            </a:effectRef>
+            <a:fontRef idx="minor">
+              <a:schemeClr val="lt1"/>
+            </a:fontRef>
+          </p:style>
+          <p:txBody>
+            <a:bodyPr rtlCol="0" anchor="ctr"/>
+            <a:lstStyle/>
+            <a:p>
+              <a:pPr algn="ctr"/>
+              <a:endParaRPr lang="en-US"/>
+            </a:p>
+          </p:txBody>
+        </p:sp>
+      </p:grpSp>
+    </p:spTree>
+    <p:extLst>
+      <p:ext uri="{BB962C8B-B14F-4D97-AF65-F5344CB8AC3E}">
+        <p14:creationId xmlns:p14="http://schemas.microsoft.com/office/powerpoint/2010/main" val="2116297323"/>
+      </p:ext>
+    </p:extLst>
+  </p:cSld>
+  <p:clrMapOvr>
+    <a:masterClrMapping/>
+  </p:clrMapOvr>
+</p:sld>
+</file>
+
+<file path=ppt/slides/slide3.xml><?xml version="1.0" encoding="utf-8"?>
+<p:sld xmlns:a="http://schemas.openxmlformats.org/drawingml/2006/main" xmlns:r="http://schemas.openxmlformats.org/officeDocument/2006/relationships" xmlns:p="http://schemas.openxmlformats.org/presentationml/2006/main">
+  <p:cSld>
+    <p:spTree>
+      <p:nvGrpSpPr>
+        <p:cNvPr id="1" name=""/>
+        <p:cNvGrpSpPr/>
+        <p:nvPr/>
+      </p:nvGrpSpPr>
+      <p:grpSpPr>
+        <a:xfrm>
+          <a:off x="0" y="0"/>
+          <a:ext cx="0" cy="0"/>
+          <a:chOff x="0" y="0"/>
+          <a:chExt cx="0" cy="0"/>
+        </a:xfrm>
+      </p:grpSpPr>
+      <p:sp>
+        <p:nvSpPr>
           <p:cNvPr id="4" name="Date Placeholder 3"/>
           <p:cNvSpPr>
             <a:spLocks noGrp="1"/>
@@ -11465,7 +11858,7 @@
           <a:p>
             <a:fld id="{B6F15528-21DE-4FAA-801E-634DDDAF4B2B}" type="slidenum">
               <a:rPr lang="en-US" smtClean="0"/>
-              <a:t>2</a:t>
+              <a:t>3</a:t>
             </a:fld>
             <a:endParaRPr lang="en-US"/>
           </a:p>
@@ -13878,7 +14271,7 @@
 </p:sld>
 </file>
 
-<file path=ppt/slides/slide3.xml><?xml version="1.0" encoding="utf-8"?>
+<file path=ppt/slides/slide4.xml><?xml version="1.0" encoding="utf-8"?>
 <p:sld xmlns:a="http://schemas.openxmlformats.org/drawingml/2006/main" xmlns:r="http://schemas.openxmlformats.org/officeDocument/2006/relationships" xmlns:p="http://schemas.openxmlformats.org/presentationml/2006/main">
   <p:cSld>
     <p:spTree>
@@ -13974,7 +14367,7 @@
           <a:p>
             <a:fld id="{B6F15528-21DE-4FAA-801E-634DDDAF4B2B}" type="slidenum">
               <a:rPr lang="en-US" smtClean="0"/>
-              <a:t>3</a:t>
+              <a:t>4</a:t>
             </a:fld>
             <a:endParaRPr lang="en-US"/>
           </a:p>
@@ -16087,7 +16480,7 @@
 </p:sld>
 </file>
 
-<file path=ppt/slides/slide4.xml><?xml version="1.0" encoding="utf-8"?>
+<file path=ppt/slides/slide5.xml><?xml version="1.0" encoding="utf-8"?>
 <p:sld xmlns:a="http://schemas.openxmlformats.org/drawingml/2006/main" xmlns:r="http://schemas.openxmlformats.org/officeDocument/2006/relationships" xmlns:p="http://schemas.openxmlformats.org/presentationml/2006/main">
   <p:cSld>
     <p:spTree>
@@ -16165,7 +16558,7 @@
           <a:p>
             <a:fld id="{B6F15528-21DE-4FAA-801E-634DDDAF4B2B}" type="slidenum">
               <a:rPr lang="en-US" smtClean="0"/>
-              <a:t>4</a:t>
+              <a:t>5</a:t>
             </a:fld>
             <a:endParaRPr lang="en-US"/>
           </a:p>
@@ -17411,7 +17804,7 @@
 </p:sld>
 </file>
 
-<file path=ppt/slides/slide5.xml><?xml version="1.0" encoding="utf-8"?>
+<file path=ppt/slides/slide6.xml><?xml version="1.0" encoding="utf-8"?>
 <p:sld xmlns:a="http://schemas.openxmlformats.org/drawingml/2006/main" xmlns:r="http://schemas.openxmlformats.org/officeDocument/2006/relationships" xmlns:p="http://schemas.openxmlformats.org/presentationml/2006/main">
   <p:cSld>
     <p:spTree>
@@ -17489,7 +17882,7 @@
           <a:p>
             <a:fld id="{B6F15528-21DE-4FAA-801E-634DDDAF4B2B}" type="slidenum">
               <a:rPr lang="en-US" smtClean="0"/>
-              <a:t>5</a:t>
+              <a:t>6</a:t>
             </a:fld>
             <a:endParaRPr lang="en-US"/>
           </a:p>
@@ -18169,7 +18562,7 @@
 </p:sld>
 </file>
 
-<file path=ppt/slides/slide6.xml><?xml version="1.0" encoding="utf-8"?>
+<file path=ppt/slides/slide7.xml><?xml version="1.0" encoding="utf-8"?>
 <p:sld xmlns:a="http://schemas.openxmlformats.org/drawingml/2006/main" xmlns:r="http://schemas.openxmlformats.org/officeDocument/2006/relationships" xmlns:p="http://schemas.openxmlformats.org/presentationml/2006/main">
   <p:cSld>
     <p:spTree>
@@ -18265,7 +18658,7 @@
           <a:p>
             <a:fld id="{B6F15528-21DE-4FAA-801E-634DDDAF4B2B}" type="slidenum">
               <a:rPr lang="en-US" smtClean="0"/>
-              <a:t>6</a:t>
+              <a:t>7</a:t>
             </a:fld>
             <a:endParaRPr lang="en-US"/>
           </a:p>

--- a/doc/pict/Floorplan_picts.pptx
+++ b/doc/pict/Floorplan_picts.pptx
@@ -11440,12 +11440,81 @@
           </a:p>
         </p:txBody>
       </p:sp>
+      <p:pic>
+        <p:nvPicPr>
+          <p:cNvPr id="2" name="Picture 1">
+            <a:extLst>
+              <a:ext uri="{FF2B5EF4-FFF2-40B4-BE49-F238E27FC236}">
+                <a16:creationId xmlns:a16="http://schemas.microsoft.com/office/drawing/2014/main" id="{779ED73B-E096-4679-ADE1-F7E42B7FD3CB}"/>
+              </a:ext>
+            </a:extLst>
+          </p:cNvPr>
+          <p:cNvPicPr>
+            <a:picLocks noChangeAspect="1"/>
+          </p:cNvPicPr>
+          <p:nvPr/>
+        </p:nvPicPr>
+        <p:blipFill>
+          <a:blip r:embed="rId2"/>
+          <a:stretch>
+            <a:fillRect/>
+          </a:stretch>
+        </p:blipFill>
+        <p:spPr>
+          <a:xfrm>
+            <a:off x="5581652" y="1628418"/>
+            <a:ext cx="914399" cy="914399"/>
+          </a:xfrm>
+          <a:prstGeom prst="rect">
+            <a:avLst/>
+          </a:prstGeom>
+          <a:ln>
+            <a:noFill/>
+          </a:ln>
+        </p:spPr>
+      </p:pic>
+      <p:sp>
+        <p:nvSpPr>
+          <p:cNvPr id="6" name="TextBox 5">
+            <a:extLst>
+              <a:ext uri="{FF2B5EF4-FFF2-40B4-BE49-F238E27FC236}">
+                <a16:creationId xmlns:a16="http://schemas.microsoft.com/office/drawing/2014/main" id="{BD613F73-6C3A-4410-AB0A-28695DF9F0D2}"/>
+              </a:ext>
+            </a:extLst>
+          </p:cNvPr>
+          <p:cNvSpPr txBox="1"/>
+          <p:nvPr/>
+        </p:nvSpPr>
+        <p:spPr>
+          <a:xfrm>
+            <a:off x="3438250" y="1009461"/>
+            <a:ext cx="816249" cy="369332"/>
+          </a:xfrm>
+          <a:prstGeom prst="rect">
+            <a:avLst/>
+          </a:prstGeom>
+          <a:noFill/>
+        </p:spPr>
+        <p:txBody>
+          <a:bodyPr wrap="none" rtlCol="0">
+            <a:spAutoFit/>
+          </a:bodyPr>
+          <a:lstStyle/>
+          <a:p>
+            <a:r>
+              <a:rPr lang="en-US" dirty="0"/>
+              <a:t>CPUPC</a:t>
+            </a:r>
+            <a:endParaRPr lang="ca-ES" dirty="0"/>
+          </a:p>
+        </p:txBody>
+      </p:sp>
       <p:grpSp>
         <p:nvGrpSpPr>
-          <p:cNvPr id="8" name="Group 7">
+          <p:cNvPr id="37" name="Group 36">
             <a:extLst>
               <a:ext uri="{FF2B5EF4-FFF2-40B4-BE49-F238E27FC236}">
-                <a16:creationId xmlns:a16="http://schemas.microsoft.com/office/drawing/2014/main" id="{BFCA1EDF-14A9-4AF2-99B7-66E7BC41DF01}"/>
+                <a16:creationId xmlns:a16="http://schemas.microsoft.com/office/drawing/2014/main" id="{948E7801-648E-4F60-A4AA-7B4AA2DDD360}"/>
               </a:ext>
             </a:extLst>
           </p:cNvPr>
@@ -11455,47 +11524,323 @@
         <p:grpSpPr>
           <a:xfrm>
             <a:off x="3059289" y="1628418"/>
-            <a:ext cx="1659467" cy="914402"/>
+            <a:ext cx="1707021" cy="886182"/>
             <a:chOff x="3059289" y="1628418"/>
-            <a:chExt cx="1659467" cy="914402"/>
+            <a:chExt cx="1707021" cy="886182"/>
           </a:xfrm>
         </p:grpSpPr>
-        <p:pic>
-          <p:nvPicPr>
-            <p:cNvPr id="2" name="Picture 1">
+        <p:grpSp>
+          <p:nvGrpSpPr>
+            <p:cNvPr id="35" name="Group 34">
               <a:extLst>
                 <a:ext uri="{FF2B5EF4-FFF2-40B4-BE49-F238E27FC236}">
-                  <a16:creationId xmlns:a16="http://schemas.microsoft.com/office/drawing/2014/main" id="{779ED73B-E096-4679-ADE1-F7E42B7FD3CB}"/>
+                  <a16:creationId xmlns:a16="http://schemas.microsoft.com/office/drawing/2014/main" id="{AF46396F-2C6E-4DBE-91B9-F80FA4411E71}"/>
                 </a:ext>
               </a:extLst>
             </p:cNvPr>
-            <p:cNvPicPr>
-              <a:picLocks noChangeAspect="1"/>
-            </p:cNvPicPr>
+            <p:cNvGrpSpPr/>
             <p:nvPr/>
-          </p:nvPicPr>
-          <p:blipFill>
-            <a:blip r:embed="rId2"/>
-            <a:stretch>
-              <a:fillRect/>
-            </a:stretch>
-          </p:blipFill>
-          <p:spPr>
+          </p:nvGrpSpPr>
+          <p:grpSpPr>
             <a:xfrm>
-              <a:off x="3804357" y="1628421"/>
-              <a:ext cx="914399" cy="914399"/>
+              <a:off x="3558540" y="1628420"/>
+              <a:ext cx="516466" cy="886180"/>
+              <a:chOff x="3558540" y="1628420"/>
+              <a:chExt cx="516466" cy="886180"/>
             </a:xfrm>
-            <a:prstGeom prst="rect">
-              <a:avLst/>
-            </a:prstGeom>
-          </p:spPr>
-        </p:pic>
+          </p:grpSpPr>
+          <p:sp>
+            <p:nvSpPr>
+              <p:cNvPr id="48" name="Rectangle 47">
+                <a:extLst>
+                  <a:ext uri="{FF2B5EF4-FFF2-40B4-BE49-F238E27FC236}">
+                    <a16:creationId xmlns:a16="http://schemas.microsoft.com/office/drawing/2014/main" id="{2D09A22F-3CE6-4A90-A255-3CC7562EA7C3}"/>
+                  </a:ext>
+                </a:extLst>
+              </p:cNvPr>
+              <p:cNvSpPr/>
+              <p:nvPr/>
+            </p:nvSpPr>
+            <p:spPr>
+              <a:xfrm>
+                <a:off x="3778673" y="1628420"/>
+                <a:ext cx="296333" cy="505180"/>
+              </a:xfrm>
+              <a:prstGeom prst="rect">
+                <a:avLst/>
+              </a:prstGeom>
+              <a:solidFill>
+                <a:schemeClr val="bg1">
+                  <a:lumMod val="50000"/>
+                </a:schemeClr>
+              </a:solidFill>
+              <a:ln w="12700">
+                <a:noFill/>
+              </a:ln>
+            </p:spPr>
+            <p:style>
+              <a:lnRef idx="2">
+                <a:schemeClr val="accent1">
+                  <a:shade val="50000"/>
+                </a:schemeClr>
+              </a:lnRef>
+              <a:fillRef idx="1">
+                <a:schemeClr val="accent1"/>
+              </a:fillRef>
+              <a:effectRef idx="0">
+                <a:schemeClr val="accent1"/>
+              </a:effectRef>
+              <a:fontRef idx="minor">
+                <a:schemeClr val="lt1"/>
+              </a:fontRef>
+            </p:style>
+            <p:txBody>
+              <a:bodyPr rtlCol="0" anchor="ctr"/>
+              <a:lstStyle/>
+              <a:p>
+                <a:pPr algn="ctr"/>
+                <a:endParaRPr lang="en-US"/>
+              </a:p>
+            </p:txBody>
+          </p:sp>
+          <p:sp>
+            <p:nvSpPr>
+              <p:cNvPr id="49" name="Rectangle 48">
+                <a:extLst>
+                  <a:ext uri="{FF2B5EF4-FFF2-40B4-BE49-F238E27FC236}">
+                    <a16:creationId xmlns:a16="http://schemas.microsoft.com/office/drawing/2014/main" id="{D608BCAC-03FF-4A3F-9A4C-3EBDBFE8AD54}"/>
+                  </a:ext>
+                </a:extLst>
+              </p:cNvPr>
+              <p:cNvSpPr/>
+              <p:nvPr/>
+            </p:nvSpPr>
+            <p:spPr>
+              <a:xfrm>
+                <a:off x="3558540" y="1628420"/>
+                <a:ext cx="228600" cy="886180"/>
+              </a:xfrm>
+              <a:prstGeom prst="rect">
+                <a:avLst/>
+              </a:prstGeom>
+              <a:solidFill>
+                <a:schemeClr val="bg1">
+                  <a:lumMod val="50000"/>
+                </a:schemeClr>
+              </a:solidFill>
+              <a:ln w="12700">
+                <a:noFill/>
+              </a:ln>
+            </p:spPr>
+            <p:style>
+              <a:lnRef idx="2">
+                <a:schemeClr val="accent1">
+                  <a:shade val="50000"/>
+                </a:schemeClr>
+              </a:lnRef>
+              <a:fillRef idx="1">
+                <a:schemeClr val="accent1"/>
+              </a:fillRef>
+              <a:effectRef idx="0">
+                <a:schemeClr val="accent1"/>
+              </a:effectRef>
+              <a:fontRef idx="minor">
+                <a:schemeClr val="lt1"/>
+              </a:fontRef>
+            </p:style>
+            <p:txBody>
+              <a:bodyPr rtlCol="0" anchor="ctr"/>
+              <a:lstStyle/>
+              <a:p>
+                <a:pPr algn="ctr"/>
+                <a:endParaRPr lang="en-US"/>
+              </a:p>
+            </p:txBody>
+          </p:sp>
+        </p:grpSp>
+        <p:grpSp>
+          <p:nvGrpSpPr>
+            <p:cNvPr id="36" name="Group 35">
+              <a:extLst>
+                <a:ext uri="{FF2B5EF4-FFF2-40B4-BE49-F238E27FC236}">
+                  <a16:creationId xmlns:a16="http://schemas.microsoft.com/office/drawing/2014/main" id="{87EE6CBC-05A5-4D5E-9CB5-D75A9F28EEFE}"/>
+                </a:ext>
+              </a:extLst>
+            </p:cNvPr>
+            <p:cNvGrpSpPr/>
+            <p:nvPr/>
+          </p:nvGrpSpPr>
+          <p:grpSpPr>
+            <a:xfrm>
+              <a:off x="3059289" y="1628418"/>
+              <a:ext cx="503061" cy="886182"/>
+              <a:chOff x="3059289" y="1628418"/>
+              <a:chExt cx="503061" cy="886182"/>
+            </a:xfrm>
+          </p:grpSpPr>
+          <p:sp>
+            <p:nvSpPr>
+              <p:cNvPr id="5" name="Rectangle 4">
+                <a:extLst>
+                  <a:ext uri="{FF2B5EF4-FFF2-40B4-BE49-F238E27FC236}">
+                    <a16:creationId xmlns:a16="http://schemas.microsoft.com/office/drawing/2014/main" id="{ED99E54C-641C-4BE4-976D-BBD81C560AFF}"/>
+                  </a:ext>
+                </a:extLst>
+              </p:cNvPr>
+              <p:cNvSpPr/>
+              <p:nvPr/>
+            </p:nvSpPr>
+            <p:spPr>
+              <a:xfrm>
+                <a:off x="3285067" y="1628418"/>
+                <a:ext cx="277283" cy="200381"/>
+              </a:xfrm>
+              <a:prstGeom prst="rect">
+                <a:avLst/>
+              </a:prstGeom>
+              <a:solidFill>
+                <a:srgbClr val="007BC0"/>
+              </a:solidFill>
+              <a:ln w="12700">
+                <a:noFill/>
+              </a:ln>
+            </p:spPr>
+            <p:style>
+              <a:lnRef idx="2">
+                <a:schemeClr val="accent1">
+                  <a:shade val="50000"/>
+                </a:schemeClr>
+              </a:lnRef>
+              <a:fillRef idx="1">
+                <a:schemeClr val="accent1"/>
+              </a:fillRef>
+              <a:effectRef idx="0">
+                <a:schemeClr val="accent1"/>
+              </a:effectRef>
+              <a:fontRef idx="minor">
+                <a:schemeClr val="lt1"/>
+              </a:fontRef>
+            </p:style>
+            <p:txBody>
+              <a:bodyPr rtlCol="0" anchor="ctr"/>
+              <a:lstStyle/>
+              <a:p>
+                <a:pPr algn="ctr"/>
+                <a:endParaRPr lang="en-US"/>
+              </a:p>
+            </p:txBody>
+          </p:sp>
+          <p:sp>
+            <p:nvSpPr>
+              <p:cNvPr id="4" name="Rectangle 3">
+                <a:extLst>
+                  <a:ext uri="{FF2B5EF4-FFF2-40B4-BE49-F238E27FC236}">
+                    <a16:creationId xmlns:a16="http://schemas.microsoft.com/office/drawing/2014/main" id="{B9BE69C9-EA26-45E8-94D9-1A24ABEB567C}"/>
+                  </a:ext>
+                </a:extLst>
+              </p:cNvPr>
+              <p:cNvSpPr/>
+              <p:nvPr/>
+            </p:nvSpPr>
+            <p:spPr>
+              <a:xfrm>
+                <a:off x="3059289" y="1628418"/>
+                <a:ext cx="228600" cy="886182"/>
+              </a:xfrm>
+              <a:prstGeom prst="rect">
+                <a:avLst/>
+              </a:prstGeom>
+              <a:solidFill>
+                <a:srgbClr val="007BC0"/>
+              </a:solidFill>
+              <a:ln w="12700">
+                <a:noFill/>
+              </a:ln>
+            </p:spPr>
+            <p:style>
+              <a:lnRef idx="2">
+                <a:schemeClr val="accent1">
+                  <a:shade val="50000"/>
+                </a:schemeClr>
+              </a:lnRef>
+              <a:fillRef idx="1">
+                <a:schemeClr val="accent1"/>
+              </a:fillRef>
+              <a:effectRef idx="0">
+                <a:schemeClr val="accent1"/>
+              </a:effectRef>
+              <a:fontRef idx="minor">
+                <a:schemeClr val="lt1"/>
+              </a:fontRef>
+            </p:style>
+            <p:txBody>
+              <a:bodyPr rtlCol="0" anchor="ctr"/>
+              <a:lstStyle/>
+              <a:p>
+                <a:pPr algn="ctr"/>
+                <a:endParaRPr lang="en-US"/>
+              </a:p>
+            </p:txBody>
+          </p:sp>
+          <p:sp>
+            <p:nvSpPr>
+              <p:cNvPr id="50" name="Rectangle 49">
+                <a:extLst>
+                  <a:ext uri="{FF2B5EF4-FFF2-40B4-BE49-F238E27FC236}">
+                    <a16:creationId xmlns:a16="http://schemas.microsoft.com/office/drawing/2014/main" id="{296EE97D-8FA8-4702-B73E-390323CE3F71}"/>
+                  </a:ext>
+                </a:extLst>
+              </p:cNvPr>
+              <p:cNvSpPr/>
+              <p:nvPr/>
+            </p:nvSpPr>
+            <p:spPr>
+              <a:xfrm>
+                <a:off x="3287889" y="2313000"/>
+                <a:ext cx="274461" cy="201600"/>
+              </a:xfrm>
+              <a:prstGeom prst="rect">
+                <a:avLst/>
+              </a:prstGeom>
+              <a:solidFill>
+                <a:srgbClr val="007BC0"/>
+              </a:solidFill>
+              <a:ln w="12700">
+                <a:noFill/>
+              </a:ln>
+            </p:spPr>
+            <p:style>
+              <a:lnRef idx="2">
+                <a:schemeClr val="accent1">
+                  <a:shade val="50000"/>
+                </a:schemeClr>
+              </a:lnRef>
+              <a:fillRef idx="1">
+                <a:schemeClr val="accent1"/>
+              </a:fillRef>
+              <a:effectRef idx="0">
+                <a:schemeClr val="accent1"/>
+              </a:effectRef>
+              <a:fontRef idx="minor">
+                <a:schemeClr val="lt1"/>
+              </a:fontRef>
+            </p:style>
+            <p:txBody>
+              <a:bodyPr rtlCol="0" anchor="ctr"/>
+              <a:lstStyle/>
+              <a:p>
+                <a:pPr algn="ctr"/>
+                <a:endParaRPr lang="en-US"/>
+              </a:p>
+            </p:txBody>
+          </p:sp>
+        </p:grpSp>
         <p:sp>
           <p:nvSpPr>
-            <p:cNvPr id="48" name="Rectangle 47">
+            <p:cNvPr id="3" name="Rectangle 2">
               <a:extLst>
                 <a:ext uri="{FF2B5EF4-FFF2-40B4-BE49-F238E27FC236}">
-                  <a16:creationId xmlns:a16="http://schemas.microsoft.com/office/drawing/2014/main" id="{2D09A22F-3CE6-4A90-A255-3CC7562EA7C3}"/>
+                  <a16:creationId xmlns:a16="http://schemas.microsoft.com/office/drawing/2014/main" id="{CA185018-640F-4E6F-ADEE-85667A8E56EB}"/>
                 </a:ext>
               </a:extLst>
             </p:cNvPr>
@@ -11504,8 +11849,8 @@
           </p:nvSpPr>
           <p:spPr>
             <a:xfrm>
-              <a:off x="3801533" y="1628420"/>
-              <a:ext cx="381000" cy="428979"/>
+              <a:off x="4072043" y="1628418"/>
+              <a:ext cx="694267" cy="886179"/>
             </a:xfrm>
             <a:prstGeom prst="rect">
               <a:avLst/>
@@ -11513,10 +11858,8 @@
             <a:solidFill>
               <a:srgbClr val="007BC0"/>
             </a:solidFill>
-            <a:ln w="12700">
-              <a:solidFill>
-                <a:schemeClr val="tx1"/>
-              </a:solidFill>
+            <a:ln>
+              <a:noFill/>
             </a:ln>
           </p:spPr>
           <p:style>
@@ -11540,16 +11883,16 @@
             <a:lstStyle/>
             <a:p>
               <a:pPr algn="ctr"/>
-              <a:endParaRPr lang="en-US"/>
+              <a:endParaRPr lang="ca-ES"/>
             </a:p>
           </p:txBody>
         </p:sp>
         <p:sp>
           <p:nvSpPr>
-            <p:cNvPr id="49" name="Rectangle 48">
+            <p:cNvPr id="21" name="Rectangle 20">
               <a:extLst>
                 <a:ext uri="{FF2B5EF4-FFF2-40B4-BE49-F238E27FC236}">
-                  <a16:creationId xmlns:a16="http://schemas.microsoft.com/office/drawing/2014/main" id="{D608BCAC-03FF-4A3F-9A4C-3EBDBFE8AD54}"/>
+                  <a16:creationId xmlns:a16="http://schemas.microsoft.com/office/drawing/2014/main" id="{7F884D54-A5A4-4098-90CD-735308E675D2}"/>
                 </a:ext>
               </a:extLst>
             </p:cNvPr>
@@ -11558,19 +11901,17 @@
           </p:nvSpPr>
           <p:spPr>
             <a:xfrm>
-              <a:off x="3581400" y="1628420"/>
-              <a:ext cx="228600" cy="886180"/>
+              <a:off x="4212776" y="1720800"/>
+              <a:ext cx="108000" cy="108000"/>
             </a:xfrm>
             <a:prstGeom prst="rect">
               <a:avLst/>
             </a:prstGeom>
             <a:solidFill>
-              <a:srgbClr val="007BC0"/>
+              <a:schemeClr val="bg1"/>
             </a:solidFill>
-            <a:ln w="12700">
-              <a:solidFill>
-                <a:schemeClr val="tx1"/>
-              </a:solidFill>
+            <a:ln>
+              <a:noFill/>
             </a:ln>
           </p:spPr>
           <p:style>
@@ -11594,16 +11935,16 @@
             <a:lstStyle/>
             <a:p>
               <a:pPr algn="ctr"/>
-              <a:endParaRPr lang="en-US"/>
+              <a:endParaRPr lang="ca-ES"/>
             </a:p>
           </p:txBody>
         </p:sp>
         <p:sp>
           <p:nvSpPr>
-            <p:cNvPr id="5" name="Rectangle 4">
+            <p:cNvPr id="26" name="Rectangle 25">
               <a:extLst>
                 <a:ext uri="{FF2B5EF4-FFF2-40B4-BE49-F238E27FC236}">
-                  <a16:creationId xmlns:a16="http://schemas.microsoft.com/office/drawing/2014/main" id="{ED99E54C-641C-4BE4-976D-BBD81C560AFF}"/>
+                  <a16:creationId xmlns:a16="http://schemas.microsoft.com/office/drawing/2014/main" id="{31076842-719C-4D5B-BD39-F262000A0C0E}"/>
                 </a:ext>
               </a:extLst>
             </p:cNvPr>
@@ -11612,21 +11953,17 @@
           </p:nvSpPr>
           <p:spPr>
             <a:xfrm>
-              <a:off x="3285067" y="1628418"/>
-              <a:ext cx="296333" cy="200381"/>
+              <a:off x="4365176" y="1720800"/>
+              <a:ext cx="108000" cy="108000"/>
             </a:xfrm>
             <a:prstGeom prst="rect">
               <a:avLst/>
             </a:prstGeom>
             <a:solidFill>
-              <a:schemeClr val="bg1">
-                <a:lumMod val="50000"/>
-              </a:schemeClr>
+              <a:schemeClr val="bg1"/>
             </a:solidFill>
-            <a:ln w="12700">
-              <a:solidFill>
-                <a:schemeClr val="tx1"/>
-              </a:solidFill>
+            <a:ln>
+              <a:noFill/>
             </a:ln>
           </p:spPr>
           <p:style>
@@ -11650,16 +11987,16 @@
             <a:lstStyle/>
             <a:p>
               <a:pPr algn="ctr"/>
-              <a:endParaRPr lang="en-US"/>
+              <a:endParaRPr lang="ca-ES"/>
             </a:p>
           </p:txBody>
         </p:sp>
         <p:sp>
           <p:nvSpPr>
-            <p:cNvPr id="4" name="Rectangle 3">
+            <p:cNvPr id="27" name="Rectangle 26">
               <a:extLst>
                 <a:ext uri="{FF2B5EF4-FFF2-40B4-BE49-F238E27FC236}">
-                  <a16:creationId xmlns:a16="http://schemas.microsoft.com/office/drawing/2014/main" id="{B9BE69C9-EA26-45E8-94D9-1A24ABEB567C}"/>
+                  <a16:creationId xmlns:a16="http://schemas.microsoft.com/office/drawing/2014/main" id="{C6E716BA-BD8F-4D4D-AAF7-6925A3700A09}"/>
                 </a:ext>
               </a:extLst>
             </p:cNvPr>
@@ -11668,21 +12005,17 @@
           </p:nvSpPr>
           <p:spPr>
             <a:xfrm>
-              <a:off x="3059289" y="1628418"/>
-              <a:ext cx="228600" cy="886182"/>
+              <a:off x="4517576" y="1720800"/>
+              <a:ext cx="108000" cy="108000"/>
             </a:xfrm>
             <a:prstGeom prst="rect">
               <a:avLst/>
             </a:prstGeom>
             <a:solidFill>
-              <a:schemeClr val="bg1">
-                <a:lumMod val="50000"/>
-              </a:schemeClr>
+              <a:schemeClr val="bg1"/>
             </a:solidFill>
-            <a:ln w="12700">
-              <a:solidFill>
-                <a:schemeClr val="tx1"/>
-              </a:solidFill>
+            <a:ln>
+              <a:noFill/>
             </a:ln>
           </p:spPr>
           <p:style>
@@ -11706,16 +12039,16 @@
             <a:lstStyle/>
             <a:p>
               <a:pPr algn="ctr"/>
-              <a:endParaRPr lang="en-US"/>
+              <a:endParaRPr lang="ca-ES"/>
             </a:p>
           </p:txBody>
         </p:sp>
         <p:sp>
           <p:nvSpPr>
-            <p:cNvPr id="50" name="Rectangle 49">
+            <p:cNvPr id="28" name="Rectangle 27">
               <a:extLst>
                 <a:ext uri="{FF2B5EF4-FFF2-40B4-BE49-F238E27FC236}">
-                  <a16:creationId xmlns:a16="http://schemas.microsoft.com/office/drawing/2014/main" id="{296EE97D-8FA8-4702-B73E-390323CE3F71}"/>
+                  <a16:creationId xmlns:a16="http://schemas.microsoft.com/office/drawing/2014/main" id="{597115C3-3A86-48C4-9335-ED79082373A7}"/>
                 </a:ext>
               </a:extLst>
             </p:cNvPr>
@@ -11724,21 +12057,17 @@
           </p:nvSpPr>
           <p:spPr>
             <a:xfrm>
-              <a:off x="3287889" y="2313000"/>
-              <a:ext cx="296333" cy="201600"/>
+              <a:off x="4212776" y="1873200"/>
+              <a:ext cx="108000" cy="108000"/>
             </a:xfrm>
             <a:prstGeom prst="rect">
               <a:avLst/>
             </a:prstGeom>
             <a:solidFill>
-              <a:schemeClr val="bg1">
-                <a:lumMod val="50000"/>
-              </a:schemeClr>
+              <a:schemeClr val="bg1"/>
             </a:solidFill>
-            <a:ln w="12700">
-              <a:solidFill>
-                <a:schemeClr val="tx1"/>
-              </a:solidFill>
+            <a:ln>
+              <a:noFill/>
             </a:ln>
           </p:spPr>
           <p:style>
@@ -11762,7 +12091,846 @@
             <a:lstStyle/>
             <a:p>
               <a:pPr algn="ctr"/>
-              <a:endParaRPr lang="en-US"/>
+              <a:endParaRPr lang="ca-ES"/>
+            </a:p>
+          </p:txBody>
+        </p:sp>
+        <p:sp>
+          <p:nvSpPr>
+            <p:cNvPr id="29" name="Rectangle 28">
+              <a:extLst>
+                <a:ext uri="{FF2B5EF4-FFF2-40B4-BE49-F238E27FC236}">
+                  <a16:creationId xmlns:a16="http://schemas.microsoft.com/office/drawing/2014/main" id="{E807D26D-8273-427F-8E1E-91CE1AB738A2}"/>
+                </a:ext>
+              </a:extLst>
+            </p:cNvPr>
+            <p:cNvSpPr/>
+            <p:nvPr/>
+          </p:nvSpPr>
+          <p:spPr>
+            <a:xfrm>
+              <a:off x="4365176" y="1873200"/>
+              <a:ext cx="108000" cy="108000"/>
+            </a:xfrm>
+            <a:prstGeom prst="rect">
+              <a:avLst/>
+            </a:prstGeom>
+            <a:solidFill>
+              <a:schemeClr val="bg1"/>
+            </a:solidFill>
+            <a:ln>
+              <a:noFill/>
+            </a:ln>
+          </p:spPr>
+          <p:style>
+            <a:lnRef idx="2">
+              <a:schemeClr val="accent1">
+                <a:shade val="50000"/>
+              </a:schemeClr>
+            </a:lnRef>
+            <a:fillRef idx="1">
+              <a:schemeClr val="accent1"/>
+            </a:fillRef>
+            <a:effectRef idx="0">
+              <a:schemeClr val="accent1"/>
+            </a:effectRef>
+            <a:fontRef idx="minor">
+              <a:schemeClr val="lt1"/>
+            </a:fontRef>
+          </p:style>
+          <p:txBody>
+            <a:bodyPr rtlCol="0" anchor="ctr"/>
+            <a:lstStyle/>
+            <a:p>
+              <a:pPr algn="ctr"/>
+              <a:endParaRPr lang="ca-ES"/>
+            </a:p>
+          </p:txBody>
+        </p:sp>
+        <p:sp>
+          <p:nvSpPr>
+            <p:cNvPr id="30" name="Rectangle 29">
+              <a:extLst>
+                <a:ext uri="{FF2B5EF4-FFF2-40B4-BE49-F238E27FC236}">
+                  <a16:creationId xmlns:a16="http://schemas.microsoft.com/office/drawing/2014/main" id="{5175DC92-51EC-47C3-B880-63FE2DA07FC0}"/>
+                </a:ext>
+              </a:extLst>
+            </p:cNvPr>
+            <p:cNvSpPr/>
+            <p:nvPr/>
+          </p:nvSpPr>
+          <p:spPr>
+            <a:xfrm>
+              <a:off x="4517576" y="1873200"/>
+              <a:ext cx="108000" cy="108000"/>
+            </a:xfrm>
+            <a:prstGeom prst="rect">
+              <a:avLst/>
+            </a:prstGeom>
+            <a:solidFill>
+              <a:schemeClr val="bg1"/>
+            </a:solidFill>
+            <a:ln>
+              <a:noFill/>
+            </a:ln>
+          </p:spPr>
+          <p:style>
+            <a:lnRef idx="2">
+              <a:schemeClr val="accent1">
+                <a:shade val="50000"/>
+              </a:schemeClr>
+            </a:lnRef>
+            <a:fillRef idx="1">
+              <a:schemeClr val="accent1"/>
+            </a:fillRef>
+            <a:effectRef idx="0">
+              <a:schemeClr val="accent1"/>
+            </a:effectRef>
+            <a:fontRef idx="minor">
+              <a:schemeClr val="lt1"/>
+            </a:fontRef>
+          </p:style>
+          <p:txBody>
+            <a:bodyPr rtlCol="0" anchor="ctr"/>
+            <a:lstStyle/>
+            <a:p>
+              <a:pPr algn="ctr"/>
+              <a:endParaRPr lang="ca-ES"/>
+            </a:p>
+          </p:txBody>
+        </p:sp>
+        <p:sp>
+          <p:nvSpPr>
+            <p:cNvPr id="31" name="Rectangle 30">
+              <a:extLst>
+                <a:ext uri="{FF2B5EF4-FFF2-40B4-BE49-F238E27FC236}">
+                  <a16:creationId xmlns:a16="http://schemas.microsoft.com/office/drawing/2014/main" id="{CA5726CE-3C24-45B5-94E4-987701207EF4}"/>
+                </a:ext>
+              </a:extLst>
+            </p:cNvPr>
+            <p:cNvSpPr/>
+            <p:nvPr/>
+          </p:nvSpPr>
+          <p:spPr>
+            <a:xfrm>
+              <a:off x="4212776" y="2025600"/>
+              <a:ext cx="108000" cy="108000"/>
+            </a:xfrm>
+            <a:prstGeom prst="rect">
+              <a:avLst/>
+            </a:prstGeom>
+            <a:solidFill>
+              <a:schemeClr val="bg1"/>
+            </a:solidFill>
+            <a:ln>
+              <a:noFill/>
+            </a:ln>
+          </p:spPr>
+          <p:style>
+            <a:lnRef idx="2">
+              <a:schemeClr val="accent1">
+                <a:shade val="50000"/>
+              </a:schemeClr>
+            </a:lnRef>
+            <a:fillRef idx="1">
+              <a:schemeClr val="accent1"/>
+            </a:fillRef>
+            <a:effectRef idx="0">
+              <a:schemeClr val="accent1"/>
+            </a:effectRef>
+            <a:fontRef idx="minor">
+              <a:schemeClr val="lt1"/>
+            </a:fontRef>
+          </p:style>
+          <p:txBody>
+            <a:bodyPr rtlCol="0" anchor="ctr"/>
+            <a:lstStyle/>
+            <a:p>
+              <a:pPr algn="ctr"/>
+              <a:endParaRPr lang="ca-ES"/>
+            </a:p>
+          </p:txBody>
+        </p:sp>
+        <p:sp>
+          <p:nvSpPr>
+            <p:cNvPr id="32" name="Rectangle 31">
+              <a:extLst>
+                <a:ext uri="{FF2B5EF4-FFF2-40B4-BE49-F238E27FC236}">
+                  <a16:creationId xmlns:a16="http://schemas.microsoft.com/office/drawing/2014/main" id="{9F3C86E7-B649-40BF-AD99-5C7B97B17DA5}"/>
+                </a:ext>
+              </a:extLst>
+            </p:cNvPr>
+            <p:cNvSpPr/>
+            <p:nvPr/>
+          </p:nvSpPr>
+          <p:spPr>
+            <a:xfrm>
+              <a:off x="4365176" y="2025600"/>
+              <a:ext cx="108000" cy="108000"/>
+            </a:xfrm>
+            <a:prstGeom prst="rect">
+              <a:avLst/>
+            </a:prstGeom>
+            <a:solidFill>
+              <a:schemeClr val="bg1"/>
+            </a:solidFill>
+            <a:ln>
+              <a:noFill/>
+            </a:ln>
+          </p:spPr>
+          <p:style>
+            <a:lnRef idx="2">
+              <a:schemeClr val="accent1">
+                <a:shade val="50000"/>
+              </a:schemeClr>
+            </a:lnRef>
+            <a:fillRef idx="1">
+              <a:schemeClr val="accent1"/>
+            </a:fillRef>
+            <a:effectRef idx="0">
+              <a:schemeClr val="accent1"/>
+            </a:effectRef>
+            <a:fontRef idx="minor">
+              <a:schemeClr val="lt1"/>
+            </a:fontRef>
+          </p:style>
+          <p:txBody>
+            <a:bodyPr rtlCol="0" anchor="ctr"/>
+            <a:lstStyle/>
+            <a:p>
+              <a:pPr algn="ctr"/>
+              <a:endParaRPr lang="ca-ES"/>
+            </a:p>
+          </p:txBody>
+        </p:sp>
+        <p:sp>
+          <p:nvSpPr>
+            <p:cNvPr id="33" name="Rectangle 32">
+              <a:extLst>
+                <a:ext uri="{FF2B5EF4-FFF2-40B4-BE49-F238E27FC236}">
+                  <a16:creationId xmlns:a16="http://schemas.microsoft.com/office/drawing/2014/main" id="{45CA792C-E69B-4CCE-AB82-C892DA0E1B32}"/>
+                </a:ext>
+              </a:extLst>
+            </p:cNvPr>
+            <p:cNvSpPr/>
+            <p:nvPr/>
+          </p:nvSpPr>
+          <p:spPr>
+            <a:xfrm>
+              <a:off x="4517576" y="2025600"/>
+              <a:ext cx="108000" cy="108000"/>
+            </a:xfrm>
+            <a:prstGeom prst="rect">
+              <a:avLst/>
+            </a:prstGeom>
+            <a:solidFill>
+              <a:schemeClr val="bg1"/>
+            </a:solidFill>
+            <a:ln>
+              <a:noFill/>
+            </a:ln>
+          </p:spPr>
+          <p:style>
+            <a:lnRef idx="2">
+              <a:schemeClr val="accent1">
+                <a:shade val="50000"/>
+              </a:schemeClr>
+            </a:lnRef>
+            <a:fillRef idx="1">
+              <a:schemeClr val="accent1"/>
+            </a:fillRef>
+            <a:effectRef idx="0">
+              <a:schemeClr val="accent1"/>
+            </a:effectRef>
+            <a:fontRef idx="minor">
+              <a:schemeClr val="lt1"/>
+            </a:fontRef>
+          </p:style>
+          <p:txBody>
+            <a:bodyPr rtlCol="0" anchor="ctr"/>
+            <a:lstStyle/>
+            <a:p>
+              <a:pPr algn="ctr"/>
+              <a:endParaRPr lang="ca-ES"/>
+            </a:p>
+          </p:txBody>
+        </p:sp>
+        <p:grpSp>
+          <p:nvGrpSpPr>
+            <p:cNvPr id="24" name="Group 23">
+              <a:extLst>
+                <a:ext uri="{FF2B5EF4-FFF2-40B4-BE49-F238E27FC236}">
+                  <a16:creationId xmlns:a16="http://schemas.microsoft.com/office/drawing/2014/main" id="{2052B23B-DA14-4223-9046-2A93C1991EBC}"/>
+                </a:ext>
+              </a:extLst>
+            </p:cNvPr>
+            <p:cNvGrpSpPr/>
+            <p:nvPr/>
+          </p:nvGrpSpPr>
+          <p:grpSpPr>
+            <a:xfrm>
+              <a:off x="4208748" y="2247900"/>
+              <a:ext cx="420857" cy="228600"/>
+              <a:chOff x="4383553" y="2247900"/>
+              <a:chExt cx="420857" cy="228600"/>
+            </a:xfrm>
+          </p:grpSpPr>
+          <p:sp>
+            <p:nvSpPr>
+              <p:cNvPr id="7" name="Rectangle 6">
+                <a:extLst>
+                  <a:ext uri="{FF2B5EF4-FFF2-40B4-BE49-F238E27FC236}">
+                    <a16:creationId xmlns:a16="http://schemas.microsoft.com/office/drawing/2014/main" id="{F1D6AB26-A0B5-4B03-89C8-E774549D62BE}"/>
+                  </a:ext>
+                </a:extLst>
+              </p:cNvPr>
+              <p:cNvSpPr/>
+              <p:nvPr/>
+            </p:nvSpPr>
+            <p:spPr>
+              <a:xfrm>
+                <a:off x="4383553" y="2247900"/>
+                <a:ext cx="77956" cy="228600"/>
+              </a:xfrm>
+              <a:prstGeom prst="rect">
+                <a:avLst/>
+              </a:prstGeom>
+              <a:solidFill>
+                <a:schemeClr val="bg1"/>
+              </a:solidFill>
+              <a:ln>
+                <a:noFill/>
+              </a:ln>
+            </p:spPr>
+            <p:style>
+              <a:lnRef idx="2">
+                <a:schemeClr val="accent1">
+                  <a:shade val="50000"/>
+                </a:schemeClr>
+              </a:lnRef>
+              <a:fillRef idx="1">
+                <a:schemeClr val="accent1"/>
+              </a:fillRef>
+              <a:effectRef idx="0">
+                <a:schemeClr val="accent1"/>
+              </a:effectRef>
+              <a:fontRef idx="minor">
+                <a:schemeClr val="lt1"/>
+              </a:fontRef>
+            </p:style>
+            <p:txBody>
+              <a:bodyPr rtlCol="0" anchor="ctr"/>
+              <a:lstStyle/>
+              <a:p>
+                <a:pPr algn="ctr"/>
+                <a:endParaRPr lang="ca-ES"/>
+              </a:p>
+            </p:txBody>
+          </p:sp>
+          <p:sp>
+            <p:nvSpPr>
+              <p:cNvPr id="13" name="Rectangle 12">
+                <a:extLst>
+                  <a:ext uri="{FF2B5EF4-FFF2-40B4-BE49-F238E27FC236}">
+                    <a16:creationId xmlns:a16="http://schemas.microsoft.com/office/drawing/2014/main" id="{A644A704-0CBD-40F8-8EB0-CC87F5482B6E}"/>
+                  </a:ext>
+                </a:extLst>
+              </p:cNvPr>
+              <p:cNvSpPr/>
+              <p:nvPr/>
+            </p:nvSpPr>
+            <p:spPr>
+              <a:xfrm>
+                <a:off x="4498762" y="2247900"/>
+                <a:ext cx="84667" cy="228600"/>
+              </a:xfrm>
+              <a:prstGeom prst="rect">
+                <a:avLst/>
+              </a:prstGeom>
+              <a:solidFill>
+                <a:schemeClr val="bg1"/>
+              </a:solidFill>
+              <a:ln>
+                <a:noFill/>
+              </a:ln>
+            </p:spPr>
+            <p:style>
+              <a:lnRef idx="2">
+                <a:schemeClr val="accent1">
+                  <a:shade val="50000"/>
+                </a:schemeClr>
+              </a:lnRef>
+              <a:fillRef idx="1">
+                <a:schemeClr val="accent1"/>
+              </a:fillRef>
+              <a:effectRef idx="0">
+                <a:schemeClr val="accent1"/>
+              </a:effectRef>
+              <a:fontRef idx="minor">
+                <a:schemeClr val="lt1"/>
+              </a:fontRef>
+            </p:style>
+            <p:txBody>
+              <a:bodyPr rtlCol="0" anchor="ctr"/>
+              <a:lstStyle/>
+              <a:p>
+                <a:pPr algn="ctr"/>
+                <a:endParaRPr lang="ca-ES"/>
+              </a:p>
+            </p:txBody>
+          </p:sp>
+          <p:sp>
+            <p:nvSpPr>
+              <p:cNvPr id="14" name="Rectangle 13">
+                <a:extLst>
+                  <a:ext uri="{FF2B5EF4-FFF2-40B4-BE49-F238E27FC236}">
+                    <a16:creationId xmlns:a16="http://schemas.microsoft.com/office/drawing/2014/main" id="{1499B7A6-32C9-40D1-9301-1E52131A4DC3}"/>
+                  </a:ext>
+                </a:extLst>
+              </p:cNvPr>
+              <p:cNvSpPr/>
+              <p:nvPr/>
+            </p:nvSpPr>
+            <p:spPr>
+              <a:xfrm>
+                <a:off x="4385308" y="2400298"/>
+                <a:ext cx="198122" cy="76201"/>
+              </a:xfrm>
+              <a:prstGeom prst="rect">
+                <a:avLst/>
+              </a:prstGeom>
+              <a:solidFill>
+                <a:schemeClr val="bg1"/>
+              </a:solidFill>
+              <a:ln>
+                <a:noFill/>
+              </a:ln>
+            </p:spPr>
+            <p:style>
+              <a:lnRef idx="2">
+                <a:schemeClr val="accent1">
+                  <a:shade val="50000"/>
+                </a:schemeClr>
+              </a:lnRef>
+              <a:fillRef idx="1">
+                <a:schemeClr val="accent1"/>
+              </a:fillRef>
+              <a:effectRef idx="0">
+                <a:schemeClr val="accent1"/>
+              </a:effectRef>
+              <a:fontRef idx="minor">
+                <a:schemeClr val="lt1"/>
+              </a:fontRef>
+            </p:style>
+            <p:txBody>
+              <a:bodyPr rtlCol="0" anchor="ctr"/>
+              <a:lstStyle/>
+              <a:p>
+                <a:pPr algn="ctr"/>
+                <a:endParaRPr lang="ca-ES"/>
+              </a:p>
+            </p:txBody>
+          </p:sp>
+          <p:grpSp>
+            <p:nvGrpSpPr>
+              <p:cNvPr id="10" name="Group 9">
+                <a:extLst>
+                  <a:ext uri="{FF2B5EF4-FFF2-40B4-BE49-F238E27FC236}">
+                    <a16:creationId xmlns:a16="http://schemas.microsoft.com/office/drawing/2014/main" id="{BE43652A-2FB1-4D33-A723-C26EBFD47F16}"/>
+                  </a:ext>
+                </a:extLst>
+              </p:cNvPr>
+              <p:cNvGrpSpPr/>
+              <p:nvPr/>
+            </p:nvGrpSpPr>
+            <p:grpSpPr>
+              <a:xfrm>
+                <a:off x="4514426" y="2247900"/>
+                <a:ext cx="152401" cy="228600"/>
+                <a:chOff x="3505200" y="3200400"/>
+                <a:chExt cx="152401" cy="228600"/>
+              </a:xfrm>
+              <a:solidFill>
+                <a:schemeClr val="bg1"/>
+              </a:solidFill>
+            </p:grpSpPr>
+            <p:sp>
+              <p:nvSpPr>
+                <p:cNvPr id="15" name="Rectangle 14">
+                  <a:extLst>
+                    <a:ext uri="{FF2B5EF4-FFF2-40B4-BE49-F238E27FC236}">
+                      <a16:creationId xmlns:a16="http://schemas.microsoft.com/office/drawing/2014/main" id="{C8077E3E-E57D-4F2C-BF2E-A80BCE4AE557}"/>
+                    </a:ext>
+                  </a:extLst>
+                </p:cNvPr>
+                <p:cNvSpPr/>
+                <p:nvPr/>
+              </p:nvSpPr>
+              <p:spPr>
+                <a:xfrm>
+                  <a:off x="3505200" y="3200400"/>
+                  <a:ext cx="84667" cy="228600"/>
+                </a:xfrm>
+                <a:prstGeom prst="rect">
+                  <a:avLst/>
+                </a:prstGeom>
+                <a:grpFill/>
+                <a:ln>
+                  <a:noFill/>
+                </a:ln>
+              </p:spPr>
+              <p:style>
+                <a:lnRef idx="2">
+                  <a:schemeClr val="accent1">
+                    <a:shade val="50000"/>
+                  </a:schemeClr>
+                </a:lnRef>
+                <a:fillRef idx="1">
+                  <a:schemeClr val="accent1"/>
+                </a:fillRef>
+                <a:effectRef idx="0">
+                  <a:schemeClr val="accent1"/>
+                </a:effectRef>
+                <a:fontRef idx="minor">
+                  <a:schemeClr val="lt1"/>
+                </a:fontRef>
+              </p:style>
+              <p:txBody>
+                <a:bodyPr rtlCol="0" anchor="ctr"/>
+                <a:lstStyle/>
+                <a:p>
+                  <a:pPr algn="ctr"/>
+                  <a:endParaRPr lang="ca-ES"/>
+                </a:p>
+              </p:txBody>
+            </p:sp>
+            <p:sp>
+              <p:nvSpPr>
+                <p:cNvPr id="16" name="Rectangle 15">
+                  <a:extLst>
+                    <a:ext uri="{FF2B5EF4-FFF2-40B4-BE49-F238E27FC236}">
+                      <a16:creationId xmlns:a16="http://schemas.microsoft.com/office/drawing/2014/main" id="{731244E5-F6E9-44E9-8BC1-9DA20CC2F961}"/>
+                    </a:ext>
+                  </a:extLst>
+                </p:cNvPr>
+                <p:cNvSpPr/>
+                <p:nvPr/>
+              </p:nvSpPr>
+              <p:spPr>
+                <a:xfrm>
+                  <a:off x="3505201" y="3200400"/>
+                  <a:ext cx="152400" cy="152398"/>
+                </a:xfrm>
+                <a:prstGeom prst="rect">
+                  <a:avLst/>
+                </a:prstGeom>
+                <a:grpFill/>
+                <a:ln>
+                  <a:noFill/>
+                </a:ln>
+              </p:spPr>
+              <p:style>
+                <a:lnRef idx="2">
+                  <a:schemeClr val="accent1">
+                    <a:shade val="50000"/>
+                  </a:schemeClr>
+                </a:lnRef>
+                <a:fillRef idx="1">
+                  <a:schemeClr val="accent1"/>
+                </a:fillRef>
+                <a:effectRef idx="0">
+                  <a:schemeClr val="accent1"/>
+                </a:effectRef>
+                <a:fontRef idx="minor">
+                  <a:schemeClr val="lt1"/>
+                </a:fontRef>
+              </p:style>
+              <p:txBody>
+                <a:bodyPr rtlCol="0" anchor="ctr"/>
+                <a:lstStyle/>
+                <a:p>
+                  <a:pPr algn="ctr"/>
+                  <a:endParaRPr lang="ca-ES"/>
+                </a:p>
+              </p:txBody>
+            </p:sp>
+          </p:grpSp>
+          <p:grpSp>
+            <p:nvGrpSpPr>
+              <p:cNvPr id="11" name="Group 10">
+                <a:extLst>
+                  <a:ext uri="{FF2B5EF4-FFF2-40B4-BE49-F238E27FC236}">
+                    <a16:creationId xmlns:a16="http://schemas.microsoft.com/office/drawing/2014/main" id="{6080A7AA-1330-4DE3-9CD3-D69EF646B1E6}"/>
+                  </a:ext>
+                </a:extLst>
+              </p:cNvPr>
+              <p:cNvGrpSpPr/>
+              <p:nvPr/>
+            </p:nvGrpSpPr>
+            <p:grpSpPr>
+              <a:xfrm>
+                <a:off x="4652010" y="2247900"/>
+                <a:ext cx="152400" cy="228600"/>
+                <a:chOff x="3725333" y="3200400"/>
+                <a:chExt cx="152400" cy="228600"/>
+              </a:xfrm>
+              <a:solidFill>
+                <a:schemeClr val="bg1"/>
+              </a:solidFill>
+            </p:grpSpPr>
+            <p:sp>
+              <p:nvSpPr>
+                <p:cNvPr id="18" name="Rectangle 17">
+                  <a:extLst>
+                    <a:ext uri="{FF2B5EF4-FFF2-40B4-BE49-F238E27FC236}">
+                      <a16:creationId xmlns:a16="http://schemas.microsoft.com/office/drawing/2014/main" id="{A4BDC302-ED8E-4848-A807-E02BC9958A69}"/>
+                    </a:ext>
+                  </a:extLst>
+                </p:cNvPr>
+                <p:cNvSpPr/>
+                <p:nvPr/>
+              </p:nvSpPr>
+              <p:spPr>
+                <a:xfrm>
+                  <a:off x="3725333" y="3200400"/>
+                  <a:ext cx="84667" cy="228600"/>
+                </a:xfrm>
+                <a:prstGeom prst="rect">
+                  <a:avLst/>
+                </a:prstGeom>
+                <a:grpFill/>
+                <a:ln>
+                  <a:noFill/>
+                </a:ln>
+              </p:spPr>
+              <p:style>
+                <a:lnRef idx="2">
+                  <a:schemeClr val="accent1">
+                    <a:shade val="50000"/>
+                  </a:schemeClr>
+                </a:lnRef>
+                <a:fillRef idx="1">
+                  <a:schemeClr val="accent1"/>
+                </a:fillRef>
+                <a:effectRef idx="0">
+                  <a:schemeClr val="accent1"/>
+                </a:effectRef>
+                <a:fontRef idx="minor">
+                  <a:schemeClr val="lt1"/>
+                </a:fontRef>
+              </p:style>
+              <p:txBody>
+                <a:bodyPr rtlCol="0" anchor="ctr"/>
+                <a:lstStyle/>
+                <a:p>
+                  <a:pPr algn="ctr"/>
+                  <a:endParaRPr lang="ca-ES"/>
+                </a:p>
+              </p:txBody>
+            </p:sp>
+            <p:sp>
+              <p:nvSpPr>
+                <p:cNvPr id="19" name="Rectangle 18">
+                  <a:extLst>
+                    <a:ext uri="{FF2B5EF4-FFF2-40B4-BE49-F238E27FC236}">
+                      <a16:creationId xmlns:a16="http://schemas.microsoft.com/office/drawing/2014/main" id="{B845BFF8-AA9F-4F51-AC8A-0276DA4796C6}"/>
+                    </a:ext>
+                  </a:extLst>
+                </p:cNvPr>
+                <p:cNvSpPr/>
+                <p:nvPr/>
+              </p:nvSpPr>
+              <p:spPr>
+                <a:xfrm>
+                  <a:off x="3727089" y="3200400"/>
+                  <a:ext cx="150643" cy="76199"/>
+                </a:xfrm>
+                <a:prstGeom prst="rect">
+                  <a:avLst/>
+                </a:prstGeom>
+                <a:grpFill/>
+                <a:ln>
+                  <a:noFill/>
+                </a:ln>
+              </p:spPr>
+              <p:style>
+                <a:lnRef idx="2">
+                  <a:schemeClr val="accent1">
+                    <a:shade val="50000"/>
+                  </a:schemeClr>
+                </a:lnRef>
+                <a:fillRef idx="1">
+                  <a:schemeClr val="accent1"/>
+                </a:fillRef>
+                <a:effectRef idx="0">
+                  <a:schemeClr val="accent1"/>
+                </a:effectRef>
+                <a:fontRef idx="minor">
+                  <a:schemeClr val="lt1"/>
+                </a:fontRef>
+              </p:style>
+              <p:txBody>
+                <a:bodyPr rtlCol="0" anchor="ctr"/>
+                <a:lstStyle/>
+                <a:p>
+                  <a:pPr algn="ctr"/>
+                  <a:endParaRPr lang="ca-ES"/>
+                </a:p>
+              </p:txBody>
+            </p:sp>
+            <p:sp>
+              <p:nvSpPr>
+                <p:cNvPr id="20" name="Rectangle 19">
+                  <a:extLst>
+                    <a:ext uri="{FF2B5EF4-FFF2-40B4-BE49-F238E27FC236}">
+                      <a16:creationId xmlns:a16="http://schemas.microsoft.com/office/drawing/2014/main" id="{50398C1E-843D-4283-ABB5-7A83E62049A4}"/>
+                    </a:ext>
+                  </a:extLst>
+                </p:cNvPr>
+                <p:cNvSpPr/>
+                <p:nvPr/>
+              </p:nvSpPr>
+              <p:spPr>
+                <a:xfrm>
+                  <a:off x="3733801" y="3352798"/>
+                  <a:ext cx="143932" cy="76201"/>
+                </a:xfrm>
+                <a:prstGeom prst="rect">
+                  <a:avLst/>
+                </a:prstGeom>
+                <a:grpFill/>
+                <a:ln>
+                  <a:noFill/>
+                </a:ln>
+              </p:spPr>
+              <p:style>
+                <a:lnRef idx="2">
+                  <a:schemeClr val="accent1">
+                    <a:shade val="50000"/>
+                  </a:schemeClr>
+                </a:lnRef>
+                <a:fillRef idx="1">
+                  <a:schemeClr val="accent1"/>
+                </a:fillRef>
+                <a:effectRef idx="0">
+                  <a:schemeClr val="accent1"/>
+                </a:effectRef>
+                <a:fontRef idx="minor">
+                  <a:schemeClr val="lt1"/>
+                </a:fontRef>
+              </p:style>
+              <p:txBody>
+                <a:bodyPr rtlCol="0" anchor="ctr"/>
+                <a:lstStyle/>
+                <a:p>
+                  <a:pPr algn="ctr"/>
+                  <a:endParaRPr lang="ca-ES"/>
+                </a:p>
+              </p:txBody>
+            </p:sp>
+          </p:grpSp>
+          <p:sp>
+            <p:nvSpPr>
+              <p:cNvPr id="23" name="Rectangle 22">
+                <a:extLst>
+                  <a:ext uri="{FF2B5EF4-FFF2-40B4-BE49-F238E27FC236}">
+                    <a16:creationId xmlns:a16="http://schemas.microsoft.com/office/drawing/2014/main" id="{BF2918B7-ED38-44EA-8FC6-391BC542C652}"/>
+                  </a:ext>
+                </a:extLst>
+              </p:cNvPr>
+              <p:cNvSpPr/>
+              <p:nvPr/>
+            </p:nvSpPr>
+            <p:spPr>
+              <a:xfrm>
+                <a:off x="4592305" y="2285999"/>
+                <a:ext cx="59705" cy="45719"/>
+              </a:xfrm>
+              <a:prstGeom prst="rect">
+                <a:avLst/>
+              </a:prstGeom>
+              <a:solidFill>
+                <a:srgbClr val="007BC0"/>
+              </a:solidFill>
+              <a:ln>
+                <a:noFill/>
+              </a:ln>
+            </p:spPr>
+            <p:style>
+              <a:lnRef idx="2">
+                <a:schemeClr val="accent1">
+                  <a:shade val="50000"/>
+                </a:schemeClr>
+              </a:lnRef>
+              <a:fillRef idx="1">
+                <a:schemeClr val="accent1"/>
+              </a:fillRef>
+              <a:effectRef idx="0">
+                <a:schemeClr val="accent1"/>
+              </a:effectRef>
+              <a:fontRef idx="minor">
+                <a:schemeClr val="lt1"/>
+              </a:fontRef>
+            </p:style>
+            <p:txBody>
+              <a:bodyPr rtlCol="0" anchor="ctr"/>
+              <a:lstStyle/>
+              <a:p>
+                <a:pPr algn="ctr"/>
+                <a:endParaRPr lang="ca-ES"/>
+              </a:p>
+            </p:txBody>
+          </p:sp>
+        </p:grpSp>
+        <p:sp>
+          <p:nvSpPr>
+            <p:cNvPr id="39" name="Rectangle 38">
+              <a:extLst>
+                <a:ext uri="{FF2B5EF4-FFF2-40B4-BE49-F238E27FC236}">
+                  <a16:creationId xmlns:a16="http://schemas.microsoft.com/office/drawing/2014/main" id="{C68B6732-BCEB-405A-BC39-3D7D5926BE26}"/>
+                </a:ext>
+              </a:extLst>
+            </p:cNvPr>
+            <p:cNvSpPr/>
+            <p:nvPr/>
+          </p:nvSpPr>
+          <p:spPr>
+            <a:xfrm>
+              <a:off x="3778673" y="1873200"/>
+              <a:ext cx="108000" cy="108000"/>
+            </a:xfrm>
+            <a:prstGeom prst="rect">
+              <a:avLst/>
+            </a:prstGeom>
+            <a:solidFill>
+              <a:schemeClr val="bg1"/>
+            </a:solidFill>
+            <a:ln>
+              <a:noFill/>
+            </a:ln>
+          </p:spPr>
+          <p:style>
+            <a:lnRef idx="2">
+              <a:schemeClr val="accent1">
+                <a:shade val="50000"/>
+              </a:schemeClr>
+            </a:lnRef>
+            <a:fillRef idx="1">
+              <a:schemeClr val="accent1"/>
+            </a:fillRef>
+            <a:effectRef idx="0">
+              <a:schemeClr val="accent1"/>
+            </a:effectRef>
+            <a:fontRef idx="minor">
+              <a:schemeClr val="lt1"/>
+            </a:fontRef>
+          </p:style>
+          <p:txBody>
+            <a:bodyPr rtlCol="0" anchor="ctr"/>
+            <a:lstStyle/>
+            <a:p>
+              <a:pPr algn="ctr"/>
+              <a:endParaRPr lang="ca-ES"/>
             </a:p>
           </p:txBody>
         </p:sp>

--- a/doc/pict/Floorplan_picts.pptx
+++ b/doc/pict/Floorplan_picts.pptx
@@ -5,19 +5,20 @@
     <p:sldMasterId id="2147483648" r:id="rId1"/>
   </p:sldMasterIdLst>
   <p:notesMasterIdLst>
-    <p:notesMasterId r:id="rId9"/>
+    <p:notesMasterId r:id="rId10"/>
   </p:notesMasterIdLst>
   <p:handoutMasterIdLst>
-    <p:handoutMasterId r:id="rId10"/>
+    <p:handoutMasterId r:id="rId11"/>
   </p:handoutMasterIdLst>
   <p:sldIdLst>
-    <p:sldId id="613" r:id="rId2"/>
-    <p:sldId id="614" r:id="rId3"/>
-    <p:sldId id="608" r:id="rId4"/>
-    <p:sldId id="611" r:id="rId5"/>
-    <p:sldId id="609" r:id="rId6"/>
-    <p:sldId id="610" r:id="rId7"/>
-    <p:sldId id="612" r:id="rId8"/>
+    <p:sldId id="615" r:id="rId2"/>
+    <p:sldId id="613" r:id="rId3"/>
+    <p:sldId id="614" r:id="rId4"/>
+    <p:sldId id="608" r:id="rId5"/>
+    <p:sldId id="611" r:id="rId6"/>
+    <p:sldId id="609" r:id="rId7"/>
+    <p:sldId id="610" r:id="rId8"/>
+    <p:sldId id="612" r:id="rId9"/>
   </p:sldIdLst>
   <p:sldSz cx="9144000" cy="6858000" type="screen4x3"/>
   <p:notesSz cx="7315200" cy="9601200"/>
@@ -5647,7 +5648,7 @@
           <a:p>
             <a:fld id="{847A9C85-7208-4140-9A1B-482E74B6EC70}" type="datetimeFigureOut">
               <a:rPr lang="en-US" smtClean="0"/>
-              <a:t>12/1/2025</a:t>
+              <a:t>12/10/2025</a:t>
             </a:fld>
             <a:endParaRPr lang="en-US"/>
           </a:p>
@@ -5807,7 +5808,7 @@
           <a:p>
             <a:fld id="{9EAA3D3F-CA47-4B9D-B6BA-678D85410C0A}" type="datetimeFigureOut">
               <a:rPr lang="en-US" smtClean="0"/>
-              <a:t>12/1/2025</a:t>
+              <a:t>12/10/2025</a:t>
             </a:fld>
             <a:endParaRPr lang="en-US"/>
           </a:p>
@@ -9783,6 +9784,2140 @@
           <a:chExt cx="0" cy="0"/>
         </a:xfrm>
       </p:grpSpPr>
+      <p:sp>
+        <p:nvSpPr>
+          <p:cNvPr id="2" name="Date Placeholder 1">
+            <a:extLst>
+              <a:ext uri="{FF2B5EF4-FFF2-40B4-BE49-F238E27FC236}">
+                <a16:creationId xmlns:a16="http://schemas.microsoft.com/office/drawing/2014/main" id="{DD7A7F64-03E7-4BEB-A7A7-85134C39852F}"/>
+              </a:ext>
+            </a:extLst>
+          </p:cNvPr>
+          <p:cNvSpPr>
+            <a:spLocks noGrp="1"/>
+          </p:cNvSpPr>
+          <p:nvPr>
+            <p:ph type="dt" sz="half" idx="10"/>
+          </p:nvPr>
+        </p:nvSpPr>
+        <p:spPr/>
+        <p:txBody>
+          <a:bodyPr/>
+          <a:lstStyle/>
+          <a:p>
+            <a:r>
+              <a:rPr lang="en-US"/>
+              <a:t>Whiteboard</a:t>
+            </a:r>
+          </a:p>
+        </p:txBody>
+      </p:sp>
+      <p:sp>
+        <p:nvSpPr>
+          <p:cNvPr id="3" name="Footer Placeholder 2">
+            <a:extLst>
+              <a:ext uri="{FF2B5EF4-FFF2-40B4-BE49-F238E27FC236}">
+                <a16:creationId xmlns:a16="http://schemas.microsoft.com/office/drawing/2014/main" id="{BC6886A6-EB9A-4DD1-9DEA-FF446AD18F4F}"/>
+              </a:ext>
+            </a:extLst>
+          </p:cNvPr>
+          <p:cNvSpPr>
+            <a:spLocks noGrp="1"/>
+          </p:cNvSpPr>
+          <p:nvPr>
+            <p:ph type="ftr" sz="quarter" idx="11"/>
+          </p:nvPr>
+        </p:nvSpPr>
+        <p:spPr/>
+        <p:txBody>
+          <a:bodyPr/>
+          <a:lstStyle/>
+          <a:p>
+            <a:r>
+              <a:rPr lang="en-US"/>
+              <a:t>JC</a:t>
+            </a:r>
+          </a:p>
+        </p:txBody>
+      </p:sp>
+      <p:sp>
+        <p:nvSpPr>
+          <p:cNvPr id="4" name="Slide Number Placeholder 3">
+            <a:extLst>
+              <a:ext uri="{FF2B5EF4-FFF2-40B4-BE49-F238E27FC236}">
+                <a16:creationId xmlns:a16="http://schemas.microsoft.com/office/drawing/2014/main" id="{6DF70A80-E282-4E08-ADFF-E1AE18DE1364}"/>
+              </a:ext>
+            </a:extLst>
+          </p:cNvPr>
+          <p:cNvSpPr>
+            <a:spLocks noGrp="1"/>
+          </p:cNvSpPr>
+          <p:nvPr>
+            <p:ph type="sldNum" sz="quarter" idx="12"/>
+          </p:nvPr>
+        </p:nvSpPr>
+        <p:spPr/>
+        <p:txBody>
+          <a:bodyPr/>
+          <a:lstStyle/>
+          <a:p>
+            <a:fld id="{B6F15528-21DE-4FAA-801E-634DDDAF4B2B}" type="slidenum">
+              <a:rPr lang="en-US" smtClean="0"/>
+              <a:t>1</a:t>
+            </a:fld>
+            <a:endParaRPr lang="en-US"/>
+          </a:p>
+        </p:txBody>
+      </p:sp>
+      <p:grpSp>
+        <p:nvGrpSpPr>
+          <p:cNvPr id="103" name="Group 102">
+            <a:extLst>
+              <a:ext uri="{FF2B5EF4-FFF2-40B4-BE49-F238E27FC236}">
+                <a16:creationId xmlns:a16="http://schemas.microsoft.com/office/drawing/2014/main" id="{49974393-BFC5-4372-9A33-41C9ECB465DF}"/>
+              </a:ext>
+            </a:extLst>
+          </p:cNvPr>
+          <p:cNvGrpSpPr/>
+          <p:nvPr/>
+        </p:nvGrpSpPr>
+        <p:grpSpPr>
+          <a:xfrm>
+            <a:off x="381003" y="2057400"/>
+            <a:ext cx="8534397" cy="1600200"/>
+            <a:chOff x="381003" y="2057400"/>
+            <a:chExt cx="8534397" cy="1600200"/>
+          </a:xfrm>
+        </p:grpSpPr>
+        <p:sp>
+          <p:nvSpPr>
+            <p:cNvPr id="101" name="Rectangle 100">
+              <a:extLst>
+                <a:ext uri="{FF2B5EF4-FFF2-40B4-BE49-F238E27FC236}">
+                  <a16:creationId xmlns:a16="http://schemas.microsoft.com/office/drawing/2014/main" id="{E02ECED5-1543-46E2-B23F-DF8EAD3F5274}"/>
+                </a:ext>
+              </a:extLst>
+            </p:cNvPr>
+            <p:cNvSpPr/>
+            <p:nvPr/>
+          </p:nvSpPr>
+          <p:spPr>
+            <a:xfrm>
+              <a:off x="381003" y="2057400"/>
+              <a:ext cx="1245970" cy="1586702"/>
+            </a:xfrm>
+            <a:prstGeom prst="rect">
+              <a:avLst/>
+            </a:prstGeom>
+            <a:solidFill>
+              <a:schemeClr val="accent3">
+                <a:lumMod val="40000"/>
+                <a:lumOff val="60000"/>
+              </a:schemeClr>
+            </a:solidFill>
+            <a:ln>
+              <a:noFill/>
+            </a:ln>
+          </p:spPr>
+          <p:style>
+            <a:lnRef idx="2">
+              <a:schemeClr val="accent1">
+                <a:shade val="50000"/>
+              </a:schemeClr>
+            </a:lnRef>
+            <a:fillRef idx="1">
+              <a:schemeClr val="accent1"/>
+            </a:fillRef>
+            <a:effectRef idx="0">
+              <a:schemeClr val="accent1"/>
+            </a:effectRef>
+            <a:fontRef idx="minor">
+              <a:schemeClr val="lt1"/>
+            </a:fontRef>
+          </p:style>
+          <p:txBody>
+            <a:bodyPr rtlCol="0" anchor="ctr"/>
+            <a:lstStyle/>
+            <a:p>
+              <a:pPr algn="ctr"/>
+              <a:endParaRPr lang="ca-ES"/>
+            </a:p>
+          </p:txBody>
+        </p:sp>
+        <p:sp>
+          <p:nvSpPr>
+            <p:cNvPr id="42" name="Rectangle 41">
+              <a:extLst>
+                <a:ext uri="{FF2B5EF4-FFF2-40B4-BE49-F238E27FC236}">
+                  <a16:creationId xmlns:a16="http://schemas.microsoft.com/office/drawing/2014/main" id="{C314C2EA-50B3-47D3-97EF-F03AF1BDB7FB}"/>
+                </a:ext>
+              </a:extLst>
+            </p:cNvPr>
+            <p:cNvSpPr/>
+            <p:nvPr/>
+          </p:nvSpPr>
+          <p:spPr>
+            <a:xfrm>
+              <a:off x="4758468" y="2057400"/>
+              <a:ext cx="4156932" cy="1600200"/>
+            </a:xfrm>
+            <a:prstGeom prst="rect">
+              <a:avLst/>
+            </a:prstGeom>
+            <a:solidFill>
+              <a:schemeClr val="accent1">
+                <a:lumMod val="20000"/>
+                <a:lumOff val="80000"/>
+              </a:schemeClr>
+            </a:solidFill>
+            <a:ln>
+              <a:noFill/>
+            </a:ln>
+          </p:spPr>
+          <p:style>
+            <a:lnRef idx="2">
+              <a:schemeClr val="accent1">
+                <a:shade val="50000"/>
+              </a:schemeClr>
+            </a:lnRef>
+            <a:fillRef idx="1">
+              <a:schemeClr val="accent1"/>
+            </a:fillRef>
+            <a:effectRef idx="0">
+              <a:schemeClr val="accent1"/>
+            </a:effectRef>
+            <a:fontRef idx="minor">
+              <a:schemeClr val="lt1"/>
+            </a:fontRef>
+          </p:style>
+          <p:txBody>
+            <a:bodyPr rtlCol="0" anchor="ctr"/>
+            <a:lstStyle/>
+            <a:p>
+              <a:pPr algn="ctr"/>
+              <a:endParaRPr lang="ca-ES"/>
+            </a:p>
+          </p:txBody>
+        </p:sp>
+        <p:sp>
+          <p:nvSpPr>
+            <p:cNvPr id="43" name="Rectangle 42">
+              <a:extLst>
+                <a:ext uri="{FF2B5EF4-FFF2-40B4-BE49-F238E27FC236}">
+                  <a16:creationId xmlns:a16="http://schemas.microsoft.com/office/drawing/2014/main" id="{535DFD4D-B6C7-4461-89B6-1FEBBC1F971C}"/>
+                </a:ext>
+              </a:extLst>
+            </p:cNvPr>
+            <p:cNvSpPr/>
+            <p:nvPr/>
+          </p:nvSpPr>
+          <p:spPr>
+            <a:xfrm>
+              <a:off x="1616605" y="2057400"/>
+              <a:ext cx="3184024" cy="1600200"/>
+            </a:xfrm>
+            <a:prstGeom prst="rect">
+              <a:avLst/>
+            </a:prstGeom>
+            <a:solidFill>
+              <a:schemeClr val="accent6">
+                <a:lumMod val="20000"/>
+                <a:lumOff val="80000"/>
+              </a:schemeClr>
+            </a:solidFill>
+            <a:ln>
+              <a:noFill/>
+            </a:ln>
+          </p:spPr>
+          <p:style>
+            <a:lnRef idx="2">
+              <a:schemeClr val="accent1">
+                <a:shade val="50000"/>
+              </a:schemeClr>
+            </a:lnRef>
+            <a:fillRef idx="1">
+              <a:schemeClr val="accent1"/>
+            </a:fillRef>
+            <a:effectRef idx="0">
+              <a:schemeClr val="accent1"/>
+            </a:effectRef>
+            <a:fontRef idx="minor">
+              <a:schemeClr val="lt1"/>
+            </a:fontRef>
+          </p:style>
+          <p:txBody>
+            <a:bodyPr rtlCol="0" anchor="ctr"/>
+            <a:lstStyle/>
+            <a:p>
+              <a:pPr algn="ctr"/>
+              <a:endParaRPr lang="ca-ES"/>
+            </a:p>
+          </p:txBody>
+        </p:sp>
+        <p:grpSp>
+          <p:nvGrpSpPr>
+            <p:cNvPr id="44" name="Group 43">
+              <a:extLst>
+                <a:ext uri="{FF2B5EF4-FFF2-40B4-BE49-F238E27FC236}">
+                  <a16:creationId xmlns:a16="http://schemas.microsoft.com/office/drawing/2014/main" id="{77F12D4F-FA43-4D81-BE21-0DB2A88243A3}"/>
+                </a:ext>
+              </a:extLst>
+            </p:cNvPr>
+            <p:cNvGrpSpPr/>
+            <p:nvPr/>
+          </p:nvGrpSpPr>
+          <p:grpSpPr>
+            <a:xfrm>
+              <a:off x="457203" y="2754638"/>
+              <a:ext cx="990600" cy="574936"/>
+              <a:chOff x="685800" y="1981200"/>
+              <a:chExt cx="990600" cy="574936"/>
+            </a:xfrm>
+          </p:grpSpPr>
+          <p:sp>
+            <p:nvSpPr>
+              <p:cNvPr id="83" name="Rectangle 82">
+                <a:extLst>
+                  <a:ext uri="{FF2B5EF4-FFF2-40B4-BE49-F238E27FC236}">
+                    <a16:creationId xmlns:a16="http://schemas.microsoft.com/office/drawing/2014/main" id="{05884420-EC23-40F4-95A3-F99F426ABEFD}"/>
+                  </a:ext>
+                </a:extLst>
+              </p:cNvPr>
+              <p:cNvSpPr/>
+              <p:nvPr/>
+            </p:nvSpPr>
+            <p:spPr>
+              <a:xfrm>
+                <a:off x="685800" y="1981200"/>
+                <a:ext cx="990600" cy="212725"/>
+              </a:xfrm>
+              <a:prstGeom prst="rect">
+                <a:avLst/>
+              </a:prstGeom>
+              <a:solidFill>
+                <a:schemeClr val="bg1">
+                  <a:lumMod val="85000"/>
+                </a:schemeClr>
+              </a:solidFill>
+              <a:ln w="19050">
+                <a:solidFill>
+                  <a:schemeClr val="tx1"/>
+                </a:solidFill>
+              </a:ln>
+            </p:spPr>
+            <p:style>
+              <a:lnRef idx="2">
+                <a:schemeClr val="accent1">
+                  <a:shade val="50000"/>
+                </a:schemeClr>
+              </a:lnRef>
+              <a:fillRef idx="1">
+                <a:schemeClr val="accent1"/>
+              </a:fillRef>
+              <a:effectRef idx="0">
+                <a:schemeClr val="accent1"/>
+              </a:effectRef>
+              <a:fontRef idx="minor">
+                <a:schemeClr val="lt1"/>
+              </a:fontRef>
+            </p:style>
+            <p:txBody>
+              <a:bodyPr lIns="0" rIns="0" rtlCol="0" anchor="ctr"/>
+              <a:lstStyle/>
+              <a:p>
+                <a:pPr algn="ctr"/>
+                <a:r>
+                  <a:rPr lang="en-US" sz="1100" b="1" dirty="0">
+                    <a:solidFill>
+                      <a:schemeClr val="tx1"/>
+                    </a:solidFill>
+                  </a:rPr>
+                  <a:t>Point Placement</a:t>
+                </a:r>
+                <a:r>
+                  <a:rPr lang="en-US" sz="1100" dirty="0">
+                    <a:solidFill>
+                      <a:schemeClr val="tx1"/>
+                    </a:solidFill>
+                  </a:rPr>
+                  <a:t> </a:t>
+                </a:r>
+                <a:endParaRPr lang="ca-ES" sz="1100" dirty="0">
+                  <a:solidFill>
+                    <a:schemeClr val="tx1"/>
+                  </a:solidFill>
+                </a:endParaRPr>
+              </a:p>
+            </p:txBody>
+          </p:sp>
+          <p:sp>
+            <p:nvSpPr>
+              <p:cNvPr id="84" name="Rectangle 83">
+                <a:extLst>
+                  <a:ext uri="{FF2B5EF4-FFF2-40B4-BE49-F238E27FC236}">
+                    <a16:creationId xmlns:a16="http://schemas.microsoft.com/office/drawing/2014/main" id="{11BC5ED5-A740-4870-A84D-3FB8D043396E}"/>
+                  </a:ext>
+                </a:extLst>
+              </p:cNvPr>
+              <p:cNvSpPr/>
+              <p:nvPr/>
+            </p:nvSpPr>
+            <p:spPr>
+              <a:xfrm>
+                <a:off x="685800" y="2191011"/>
+                <a:ext cx="990600" cy="365125"/>
+              </a:xfrm>
+              <a:prstGeom prst="rect">
+                <a:avLst/>
+              </a:prstGeom>
+              <a:solidFill>
+                <a:schemeClr val="bg1"/>
+              </a:solidFill>
+              <a:ln w="19050">
+                <a:solidFill>
+                  <a:schemeClr val="tx1"/>
+                </a:solidFill>
+              </a:ln>
+            </p:spPr>
+            <p:style>
+              <a:lnRef idx="2">
+                <a:schemeClr val="accent1">
+                  <a:shade val="50000"/>
+                </a:schemeClr>
+              </a:lnRef>
+              <a:fillRef idx="1">
+                <a:schemeClr val="accent1"/>
+              </a:fillRef>
+              <a:effectRef idx="0">
+                <a:schemeClr val="accent1"/>
+              </a:effectRef>
+              <a:fontRef idx="minor">
+                <a:schemeClr val="lt1"/>
+              </a:fontRef>
+            </p:style>
+            <p:txBody>
+              <a:bodyPr rtlCol="0" anchor="ctr"/>
+              <a:lstStyle/>
+              <a:p>
+                <a:pPr algn="ctr"/>
+                <a:r>
+                  <a:rPr lang="en-US" sz="1000" i="1" dirty="0">
+                    <a:solidFill>
+                      <a:schemeClr val="tx1"/>
+                    </a:solidFill>
+                  </a:rPr>
+                  <a:t>Quadratic Programming </a:t>
+                </a:r>
+                <a:endParaRPr lang="ca-ES" sz="1000" i="1" dirty="0">
+                  <a:solidFill>
+                    <a:schemeClr val="tx1"/>
+                  </a:solidFill>
+                </a:endParaRPr>
+              </a:p>
+            </p:txBody>
+          </p:sp>
+        </p:grpSp>
+        <p:grpSp>
+          <p:nvGrpSpPr>
+            <p:cNvPr id="46" name="Group 45">
+              <a:extLst>
+                <a:ext uri="{FF2B5EF4-FFF2-40B4-BE49-F238E27FC236}">
+                  <a16:creationId xmlns:a16="http://schemas.microsoft.com/office/drawing/2014/main" id="{92C46DD0-2B63-41C6-9579-4F641D4FAA9E}"/>
+                </a:ext>
+              </a:extLst>
+            </p:cNvPr>
+            <p:cNvGrpSpPr/>
+            <p:nvPr/>
+          </p:nvGrpSpPr>
+          <p:grpSpPr>
+            <a:xfrm>
+              <a:off x="1847061" y="2909950"/>
+              <a:ext cx="1079279" cy="419624"/>
+              <a:chOff x="1892495" y="1939664"/>
+              <a:chExt cx="1079279" cy="419624"/>
+            </a:xfrm>
+          </p:grpSpPr>
+          <p:sp>
+            <p:nvSpPr>
+              <p:cNvPr id="81" name="Rectangle 80">
+                <a:extLst>
+                  <a:ext uri="{FF2B5EF4-FFF2-40B4-BE49-F238E27FC236}">
+                    <a16:creationId xmlns:a16="http://schemas.microsoft.com/office/drawing/2014/main" id="{C3C7FBC2-3633-41A4-8F28-432EC5084508}"/>
+                  </a:ext>
+                </a:extLst>
+              </p:cNvPr>
+              <p:cNvSpPr/>
+              <p:nvPr/>
+            </p:nvSpPr>
+            <p:spPr>
+              <a:xfrm>
+                <a:off x="1892495" y="1939664"/>
+                <a:ext cx="1079279" cy="212725"/>
+              </a:xfrm>
+              <a:prstGeom prst="rect">
+                <a:avLst/>
+              </a:prstGeom>
+              <a:solidFill>
+                <a:schemeClr val="bg1">
+                  <a:lumMod val="85000"/>
+                </a:schemeClr>
+              </a:solidFill>
+              <a:ln w="19050">
+                <a:solidFill>
+                  <a:schemeClr val="tx1"/>
+                </a:solidFill>
+              </a:ln>
+            </p:spPr>
+            <p:style>
+              <a:lnRef idx="2">
+                <a:schemeClr val="accent1">
+                  <a:shade val="50000"/>
+                </a:schemeClr>
+              </a:lnRef>
+              <a:fillRef idx="1">
+                <a:schemeClr val="accent1"/>
+              </a:fillRef>
+              <a:effectRef idx="0">
+                <a:schemeClr val="accent1"/>
+              </a:effectRef>
+              <a:fontRef idx="minor">
+                <a:schemeClr val="lt1"/>
+              </a:fontRef>
+            </p:style>
+            <p:txBody>
+              <a:bodyPr rtlCol="0" anchor="ctr"/>
+              <a:lstStyle/>
+              <a:p>
+                <a:pPr algn="ctr"/>
+                <a:r>
+                  <a:rPr lang="en-US" sz="1100" b="1" dirty="0">
+                    <a:solidFill>
+                      <a:schemeClr val="tx1"/>
+                    </a:solidFill>
+                  </a:rPr>
+                  <a:t>Contract points</a:t>
+                </a:r>
+                <a:r>
+                  <a:rPr lang="en-US" sz="1100" dirty="0">
+                    <a:solidFill>
+                      <a:schemeClr val="tx1"/>
+                    </a:solidFill>
+                  </a:rPr>
+                  <a:t> </a:t>
+                </a:r>
+                <a:endParaRPr lang="ca-ES" sz="1100" dirty="0">
+                  <a:solidFill>
+                    <a:schemeClr val="tx1"/>
+                  </a:solidFill>
+                </a:endParaRPr>
+              </a:p>
+            </p:txBody>
+          </p:sp>
+          <p:sp>
+            <p:nvSpPr>
+              <p:cNvPr id="82" name="Rectangle 81">
+                <a:extLst>
+                  <a:ext uri="{FF2B5EF4-FFF2-40B4-BE49-F238E27FC236}">
+                    <a16:creationId xmlns:a16="http://schemas.microsoft.com/office/drawing/2014/main" id="{411DC92C-C21D-44F8-84BD-E47532CFE6D0}"/>
+                  </a:ext>
+                </a:extLst>
+              </p:cNvPr>
+              <p:cNvSpPr/>
+              <p:nvPr/>
+            </p:nvSpPr>
+            <p:spPr>
+              <a:xfrm>
+                <a:off x="1892495" y="2146562"/>
+                <a:ext cx="1079279" cy="212726"/>
+              </a:xfrm>
+              <a:prstGeom prst="rect">
+                <a:avLst/>
+              </a:prstGeom>
+              <a:solidFill>
+                <a:schemeClr val="bg1"/>
+              </a:solidFill>
+              <a:ln w="19050">
+                <a:solidFill>
+                  <a:schemeClr val="tx1"/>
+                </a:solidFill>
+              </a:ln>
+            </p:spPr>
+            <p:style>
+              <a:lnRef idx="2">
+                <a:schemeClr val="accent1">
+                  <a:shade val="50000"/>
+                </a:schemeClr>
+              </a:lnRef>
+              <a:fillRef idx="1">
+                <a:schemeClr val="accent1"/>
+              </a:fillRef>
+              <a:effectRef idx="0">
+                <a:schemeClr val="accent1"/>
+              </a:effectRef>
+              <a:fontRef idx="minor">
+                <a:schemeClr val="lt1"/>
+              </a:fontRef>
+            </p:style>
+            <p:txBody>
+              <a:bodyPr rtlCol="0" anchor="ctr"/>
+              <a:lstStyle/>
+              <a:p>
+                <a:pPr algn="ctr"/>
+                <a:r>
+                  <a:rPr lang="en-US" sz="1000" i="1" dirty="0">
+                    <a:solidFill>
+                      <a:schemeClr val="tx1"/>
+                    </a:solidFill>
+                  </a:rPr>
+                  <a:t>Attractive Forces </a:t>
+                </a:r>
+                <a:endParaRPr lang="ca-ES" sz="1000" i="1" dirty="0">
+                  <a:solidFill>
+                    <a:schemeClr val="tx1"/>
+                  </a:solidFill>
+                </a:endParaRPr>
+              </a:p>
+            </p:txBody>
+          </p:sp>
+        </p:grpSp>
+        <p:grpSp>
+          <p:nvGrpSpPr>
+            <p:cNvPr id="48" name="Group 47">
+              <a:extLst>
+                <a:ext uri="{FF2B5EF4-FFF2-40B4-BE49-F238E27FC236}">
+                  <a16:creationId xmlns:a16="http://schemas.microsoft.com/office/drawing/2014/main" id="{A6A28471-BC17-431B-BFB7-6B16C56D279D}"/>
+                </a:ext>
+              </a:extLst>
+            </p:cNvPr>
+            <p:cNvGrpSpPr/>
+            <p:nvPr/>
+          </p:nvGrpSpPr>
+          <p:grpSpPr>
+            <a:xfrm>
+              <a:off x="5113978" y="2110374"/>
+              <a:ext cx="1676400" cy="577850"/>
+              <a:chOff x="5257800" y="1997075"/>
+              <a:chExt cx="1676400" cy="577850"/>
+            </a:xfrm>
+          </p:grpSpPr>
+          <p:sp>
+            <p:nvSpPr>
+              <p:cNvPr id="79" name="Rectangle 78">
+                <a:extLst>
+                  <a:ext uri="{FF2B5EF4-FFF2-40B4-BE49-F238E27FC236}">
+                    <a16:creationId xmlns:a16="http://schemas.microsoft.com/office/drawing/2014/main" id="{79A0B00A-2C35-4D65-B14D-3F517D4625E2}"/>
+                  </a:ext>
+                </a:extLst>
+              </p:cNvPr>
+              <p:cNvSpPr/>
+              <p:nvPr/>
+            </p:nvSpPr>
+            <p:spPr>
+              <a:xfrm>
+                <a:off x="5257800" y="1997075"/>
+                <a:ext cx="1676400" cy="212725"/>
+              </a:xfrm>
+              <a:prstGeom prst="rect">
+                <a:avLst/>
+              </a:prstGeom>
+              <a:solidFill>
+                <a:schemeClr val="bg1">
+                  <a:lumMod val="85000"/>
+                </a:schemeClr>
+              </a:solidFill>
+              <a:ln w="19050">
+                <a:solidFill>
+                  <a:schemeClr val="tx1"/>
+                </a:solidFill>
+              </a:ln>
+            </p:spPr>
+            <p:style>
+              <a:lnRef idx="2">
+                <a:schemeClr val="accent1">
+                  <a:shade val="50000"/>
+                </a:schemeClr>
+              </a:lnRef>
+              <a:fillRef idx="1">
+                <a:schemeClr val="accent1"/>
+              </a:fillRef>
+              <a:effectRef idx="0">
+                <a:schemeClr val="accent1"/>
+              </a:effectRef>
+              <a:fontRef idx="minor">
+                <a:schemeClr val="lt1"/>
+              </a:fontRef>
+            </p:style>
+            <p:txBody>
+              <a:bodyPr rtlCol="0" anchor="ctr"/>
+              <a:lstStyle/>
+              <a:p>
+                <a:pPr algn="ctr"/>
+                <a:r>
+                  <a:rPr lang="en-US" sz="1100" b="1" dirty="0">
+                    <a:solidFill>
+                      <a:schemeClr val="tx1"/>
+                    </a:solidFill>
+                  </a:rPr>
+                  <a:t>Convex Legalization</a:t>
+                </a:r>
+                <a:r>
+                  <a:rPr lang="en-US" sz="1100" dirty="0">
+                    <a:solidFill>
+                      <a:schemeClr val="tx1"/>
+                    </a:solidFill>
+                  </a:rPr>
+                  <a:t> </a:t>
+                </a:r>
+                <a:endParaRPr lang="ca-ES" sz="1100" dirty="0">
+                  <a:solidFill>
+                    <a:schemeClr val="tx1"/>
+                  </a:solidFill>
+                </a:endParaRPr>
+              </a:p>
+            </p:txBody>
+          </p:sp>
+          <p:sp>
+            <p:nvSpPr>
+              <p:cNvPr id="80" name="Rectangle 79">
+                <a:extLst>
+                  <a:ext uri="{FF2B5EF4-FFF2-40B4-BE49-F238E27FC236}">
+                    <a16:creationId xmlns:a16="http://schemas.microsoft.com/office/drawing/2014/main" id="{2BFE7B6A-420E-4495-B325-11E3263E47F5}"/>
+                  </a:ext>
+                </a:extLst>
+              </p:cNvPr>
+              <p:cNvSpPr/>
+              <p:nvPr/>
+            </p:nvSpPr>
+            <p:spPr>
+              <a:xfrm>
+                <a:off x="5257800" y="2209800"/>
+                <a:ext cx="1676400" cy="365125"/>
+              </a:xfrm>
+              <a:prstGeom prst="rect">
+                <a:avLst/>
+              </a:prstGeom>
+              <a:solidFill>
+                <a:schemeClr val="bg1"/>
+              </a:solidFill>
+              <a:ln w="19050">
+                <a:solidFill>
+                  <a:schemeClr val="tx1"/>
+                </a:solidFill>
+              </a:ln>
+            </p:spPr>
+            <p:style>
+              <a:lnRef idx="2">
+                <a:schemeClr val="accent1">
+                  <a:shade val="50000"/>
+                </a:schemeClr>
+              </a:lnRef>
+              <a:fillRef idx="1">
+                <a:schemeClr val="accent1"/>
+              </a:fillRef>
+              <a:effectRef idx="0">
+                <a:schemeClr val="accent1"/>
+              </a:effectRef>
+              <a:fontRef idx="minor">
+                <a:schemeClr val="lt1"/>
+              </a:fontRef>
+            </p:style>
+            <p:txBody>
+              <a:bodyPr rtlCol="0" anchor="ctr"/>
+              <a:lstStyle/>
+              <a:p>
+                <a:pPr algn="ctr"/>
+                <a:r>
+                  <a:rPr lang="en-US" sz="1000" i="1" dirty="0">
+                    <a:solidFill>
+                      <a:schemeClr val="tx1"/>
+                    </a:solidFill>
+                  </a:rPr>
+                  <a:t>Hor./Vert. Constraint Graph + Geometric Programming </a:t>
+                </a:r>
+                <a:endParaRPr lang="ca-ES" sz="1000" i="1" dirty="0">
+                  <a:solidFill>
+                    <a:schemeClr val="tx1"/>
+                  </a:solidFill>
+                </a:endParaRPr>
+              </a:p>
+            </p:txBody>
+          </p:sp>
+        </p:grpSp>
+        <p:grpSp>
+          <p:nvGrpSpPr>
+            <p:cNvPr id="51" name="Group 50">
+              <a:extLst>
+                <a:ext uri="{FF2B5EF4-FFF2-40B4-BE49-F238E27FC236}">
+                  <a16:creationId xmlns:a16="http://schemas.microsoft.com/office/drawing/2014/main" id="{03D8E357-1665-4BF3-AE2E-4B1294FB1CC7}"/>
+                </a:ext>
+              </a:extLst>
+            </p:cNvPr>
+            <p:cNvGrpSpPr/>
+            <p:nvPr/>
+          </p:nvGrpSpPr>
+          <p:grpSpPr>
+            <a:xfrm>
+              <a:off x="7162803" y="2110374"/>
+              <a:ext cx="1676400" cy="577850"/>
+              <a:chOff x="7315200" y="1999989"/>
+              <a:chExt cx="1676400" cy="577850"/>
+            </a:xfrm>
+          </p:grpSpPr>
+          <p:sp>
+            <p:nvSpPr>
+              <p:cNvPr id="77" name="Rectangle 76">
+                <a:extLst>
+                  <a:ext uri="{FF2B5EF4-FFF2-40B4-BE49-F238E27FC236}">
+                    <a16:creationId xmlns:a16="http://schemas.microsoft.com/office/drawing/2014/main" id="{EAD276CF-7A25-4F93-A399-4FE6924934DB}"/>
+                  </a:ext>
+                </a:extLst>
+              </p:cNvPr>
+              <p:cNvSpPr/>
+              <p:nvPr/>
+            </p:nvSpPr>
+            <p:spPr>
+              <a:xfrm>
+                <a:off x="7315200" y="1999989"/>
+                <a:ext cx="1676400" cy="212725"/>
+              </a:xfrm>
+              <a:prstGeom prst="rect">
+                <a:avLst/>
+              </a:prstGeom>
+              <a:solidFill>
+                <a:schemeClr val="bg1">
+                  <a:lumMod val="85000"/>
+                </a:schemeClr>
+              </a:solidFill>
+              <a:ln w="19050">
+                <a:solidFill>
+                  <a:schemeClr val="tx1"/>
+                </a:solidFill>
+              </a:ln>
+            </p:spPr>
+            <p:style>
+              <a:lnRef idx="2">
+                <a:schemeClr val="accent1">
+                  <a:shade val="50000"/>
+                </a:schemeClr>
+              </a:lnRef>
+              <a:fillRef idx="1">
+                <a:schemeClr val="accent1"/>
+              </a:fillRef>
+              <a:effectRef idx="0">
+                <a:schemeClr val="accent1"/>
+              </a:effectRef>
+              <a:fontRef idx="minor">
+                <a:schemeClr val="lt1"/>
+              </a:fontRef>
+            </p:style>
+            <p:txBody>
+              <a:bodyPr rtlCol="0" anchor="ctr"/>
+              <a:lstStyle/>
+              <a:p>
+                <a:pPr algn="ctr"/>
+                <a:r>
+                  <a:rPr lang="en-US" sz="1100" b="1" dirty="0">
+                    <a:solidFill>
+                      <a:schemeClr val="tx1"/>
+                    </a:solidFill>
+                  </a:rPr>
+                  <a:t>Non-convex Legalization</a:t>
+                </a:r>
+                <a:r>
+                  <a:rPr lang="en-US" sz="1100" dirty="0">
+                    <a:solidFill>
+                      <a:schemeClr val="tx1"/>
+                    </a:solidFill>
+                  </a:rPr>
+                  <a:t> </a:t>
+                </a:r>
+                <a:endParaRPr lang="ca-ES" sz="1100" dirty="0">
+                  <a:solidFill>
+                    <a:schemeClr val="tx1"/>
+                  </a:solidFill>
+                </a:endParaRPr>
+              </a:p>
+            </p:txBody>
+          </p:sp>
+          <p:sp>
+            <p:nvSpPr>
+              <p:cNvPr id="78" name="Rectangle 77">
+                <a:extLst>
+                  <a:ext uri="{FF2B5EF4-FFF2-40B4-BE49-F238E27FC236}">
+                    <a16:creationId xmlns:a16="http://schemas.microsoft.com/office/drawing/2014/main" id="{043CC0E0-B1CD-426B-8416-DB063370C7D7}"/>
+                  </a:ext>
+                </a:extLst>
+              </p:cNvPr>
+              <p:cNvSpPr/>
+              <p:nvPr/>
+            </p:nvSpPr>
+            <p:spPr>
+              <a:xfrm>
+                <a:off x="7315200" y="2212714"/>
+                <a:ext cx="1676400" cy="365125"/>
+              </a:xfrm>
+              <a:prstGeom prst="rect">
+                <a:avLst/>
+              </a:prstGeom>
+              <a:solidFill>
+                <a:schemeClr val="bg1"/>
+              </a:solidFill>
+              <a:ln w="19050">
+                <a:solidFill>
+                  <a:schemeClr val="tx1"/>
+                </a:solidFill>
+              </a:ln>
+            </p:spPr>
+            <p:style>
+              <a:lnRef idx="2">
+                <a:schemeClr val="accent1">
+                  <a:shade val="50000"/>
+                </a:schemeClr>
+              </a:lnRef>
+              <a:fillRef idx="1">
+                <a:schemeClr val="accent1"/>
+              </a:fillRef>
+              <a:effectRef idx="0">
+                <a:schemeClr val="accent1"/>
+              </a:effectRef>
+              <a:fontRef idx="minor">
+                <a:schemeClr val="lt1"/>
+              </a:fontRef>
+            </p:style>
+            <p:txBody>
+              <a:bodyPr rtlCol="0" anchor="ctr"/>
+              <a:lstStyle/>
+              <a:p>
+                <a:pPr algn="ctr"/>
+                <a:r>
+                  <a:rPr lang="en-US" sz="1000" i="1" dirty="0">
+                    <a:solidFill>
+                      <a:schemeClr val="tx1"/>
+                    </a:solidFill>
+                  </a:rPr>
+                  <a:t>Non-convex optimization + approx. HPWL </a:t>
+                </a:r>
+                <a:endParaRPr lang="ca-ES" sz="1000" i="1" dirty="0">
+                  <a:solidFill>
+                    <a:schemeClr val="tx1"/>
+                  </a:solidFill>
+                </a:endParaRPr>
+              </a:p>
+            </p:txBody>
+          </p:sp>
+        </p:grpSp>
+        <p:cxnSp>
+          <p:nvCxnSpPr>
+            <p:cNvPr id="52" name="Straight Arrow Connector 51">
+              <a:extLst>
+                <a:ext uri="{FF2B5EF4-FFF2-40B4-BE49-F238E27FC236}">
+                  <a16:creationId xmlns:a16="http://schemas.microsoft.com/office/drawing/2014/main" id="{A2170523-D681-4A42-84B0-278537A23798}"/>
+                </a:ext>
+              </a:extLst>
+            </p:cNvPr>
+            <p:cNvCxnSpPr>
+              <a:cxnSpLocks/>
+              <a:stCxn id="83" idx="3"/>
+              <a:endCxn id="81" idx="1"/>
+            </p:cNvCxnSpPr>
+            <p:nvPr/>
+          </p:nvCxnSpPr>
+          <p:spPr>
+            <a:xfrm>
+              <a:off x="1447803" y="2861001"/>
+              <a:ext cx="399258" cy="155312"/>
+            </a:xfrm>
+            <a:prstGeom prst="straightConnector1">
+              <a:avLst/>
+            </a:prstGeom>
+            <a:ln w="57150">
+              <a:solidFill>
+                <a:schemeClr val="tx1"/>
+              </a:solidFill>
+              <a:tailEnd type="triangle"/>
+            </a:ln>
+          </p:spPr>
+          <p:style>
+            <a:lnRef idx="1">
+              <a:schemeClr val="accent1"/>
+            </a:lnRef>
+            <a:fillRef idx="0">
+              <a:schemeClr val="accent1"/>
+            </a:fillRef>
+            <a:effectRef idx="0">
+              <a:schemeClr val="accent1"/>
+            </a:effectRef>
+            <a:fontRef idx="minor">
+              <a:schemeClr val="tx1"/>
+            </a:fontRef>
+          </p:style>
+        </p:cxnSp>
+        <p:grpSp>
+          <p:nvGrpSpPr>
+            <p:cNvPr id="53" name="Group 52">
+              <a:extLst>
+                <a:ext uri="{FF2B5EF4-FFF2-40B4-BE49-F238E27FC236}">
+                  <a16:creationId xmlns:a16="http://schemas.microsoft.com/office/drawing/2014/main" id="{20CA8474-4130-4F2B-B554-B8785EEBD97D}"/>
+                </a:ext>
+              </a:extLst>
+            </p:cNvPr>
+            <p:cNvGrpSpPr/>
+            <p:nvPr/>
+          </p:nvGrpSpPr>
+          <p:grpSpPr>
+            <a:xfrm>
+              <a:off x="1738132" y="2110374"/>
+              <a:ext cx="1295401" cy="440324"/>
+              <a:chOff x="1904999" y="2988501"/>
+              <a:chExt cx="1295401" cy="440324"/>
+            </a:xfrm>
+          </p:grpSpPr>
+          <p:sp>
+            <p:nvSpPr>
+              <p:cNvPr id="75" name="Rectangle 74">
+                <a:extLst>
+                  <a:ext uri="{FF2B5EF4-FFF2-40B4-BE49-F238E27FC236}">
+                    <a16:creationId xmlns:a16="http://schemas.microsoft.com/office/drawing/2014/main" id="{B19F37EC-B196-4A0D-9BF1-D005320D263E}"/>
+                  </a:ext>
+                </a:extLst>
+              </p:cNvPr>
+              <p:cNvSpPr/>
+              <p:nvPr/>
+            </p:nvSpPr>
+            <p:spPr>
+              <a:xfrm>
+                <a:off x="1904999" y="2988501"/>
+                <a:ext cx="1295400" cy="212725"/>
+              </a:xfrm>
+              <a:prstGeom prst="rect">
+                <a:avLst/>
+              </a:prstGeom>
+              <a:solidFill>
+                <a:schemeClr val="bg1">
+                  <a:lumMod val="85000"/>
+                </a:schemeClr>
+              </a:solidFill>
+              <a:ln w="19050">
+                <a:solidFill>
+                  <a:schemeClr val="tx1"/>
+                </a:solidFill>
+              </a:ln>
+            </p:spPr>
+            <p:style>
+              <a:lnRef idx="2">
+                <a:schemeClr val="accent1">
+                  <a:shade val="50000"/>
+                </a:schemeClr>
+              </a:lnRef>
+              <a:fillRef idx="1">
+                <a:schemeClr val="accent1"/>
+              </a:fillRef>
+              <a:effectRef idx="0">
+                <a:schemeClr val="accent1"/>
+              </a:effectRef>
+              <a:fontRef idx="minor">
+                <a:schemeClr val="lt1"/>
+              </a:fontRef>
+            </p:style>
+            <p:txBody>
+              <a:bodyPr rtlCol="0" anchor="ctr"/>
+              <a:lstStyle/>
+              <a:p>
+                <a:pPr algn="ctr"/>
+                <a:r>
+                  <a:rPr lang="en-US" sz="1100" b="1" dirty="0">
+                    <a:solidFill>
+                      <a:schemeClr val="tx1"/>
+                    </a:solidFill>
+                  </a:rPr>
+                  <a:t>Swap points</a:t>
+                </a:r>
+                <a:r>
+                  <a:rPr lang="en-US" sz="1100" dirty="0">
+                    <a:solidFill>
+                      <a:schemeClr val="tx1"/>
+                    </a:solidFill>
+                  </a:rPr>
+                  <a:t> </a:t>
+                </a:r>
+                <a:endParaRPr lang="ca-ES" sz="1100" dirty="0">
+                  <a:solidFill>
+                    <a:schemeClr val="tx1"/>
+                  </a:solidFill>
+                </a:endParaRPr>
+              </a:p>
+            </p:txBody>
+          </p:sp>
+          <p:sp>
+            <p:nvSpPr>
+              <p:cNvPr id="76" name="Rectangle 75">
+                <a:extLst>
+                  <a:ext uri="{FF2B5EF4-FFF2-40B4-BE49-F238E27FC236}">
+                    <a16:creationId xmlns:a16="http://schemas.microsoft.com/office/drawing/2014/main" id="{46170BEE-D0EA-49A8-8D95-C65F058C23C1}"/>
+                  </a:ext>
+                </a:extLst>
+              </p:cNvPr>
+              <p:cNvSpPr/>
+              <p:nvPr/>
+            </p:nvSpPr>
+            <p:spPr>
+              <a:xfrm>
+                <a:off x="1905000" y="3200400"/>
+                <a:ext cx="1295400" cy="228425"/>
+              </a:xfrm>
+              <a:prstGeom prst="rect">
+                <a:avLst/>
+              </a:prstGeom>
+              <a:solidFill>
+                <a:schemeClr val="bg1"/>
+              </a:solidFill>
+              <a:ln w="19050">
+                <a:solidFill>
+                  <a:schemeClr val="tx1"/>
+                </a:solidFill>
+              </a:ln>
+            </p:spPr>
+            <p:style>
+              <a:lnRef idx="2">
+                <a:schemeClr val="accent1">
+                  <a:shade val="50000"/>
+                </a:schemeClr>
+              </a:lnRef>
+              <a:fillRef idx="1">
+                <a:schemeClr val="accent1"/>
+              </a:fillRef>
+              <a:effectRef idx="0">
+                <a:schemeClr val="accent1"/>
+              </a:effectRef>
+              <a:fontRef idx="minor">
+                <a:schemeClr val="lt1"/>
+              </a:fontRef>
+            </p:style>
+            <p:txBody>
+              <a:bodyPr rtlCol="0" anchor="ctr"/>
+              <a:lstStyle/>
+              <a:p>
+                <a:pPr algn="ctr"/>
+                <a:r>
+                  <a:rPr lang="en-US" sz="1000" i="1" dirty="0">
+                    <a:solidFill>
+                      <a:schemeClr val="tx1"/>
+                    </a:solidFill>
+                  </a:rPr>
+                  <a:t>Simulated Annealing</a:t>
+                </a:r>
+                <a:endParaRPr lang="ca-ES" sz="1000" i="1" dirty="0">
+                  <a:solidFill>
+                    <a:schemeClr val="tx1"/>
+                  </a:solidFill>
+                </a:endParaRPr>
+              </a:p>
+            </p:txBody>
+          </p:sp>
+        </p:grpSp>
+        <p:grpSp>
+          <p:nvGrpSpPr>
+            <p:cNvPr id="55" name="Group 54">
+              <a:extLst>
+                <a:ext uri="{FF2B5EF4-FFF2-40B4-BE49-F238E27FC236}">
+                  <a16:creationId xmlns:a16="http://schemas.microsoft.com/office/drawing/2014/main" id="{3F04A68E-FBF2-437B-B6E4-5C5299413D3D}"/>
+                </a:ext>
+              </a:extLst>
+            </p:cNvPr>
+            <p:cNvGrpSpPr/>
+            <p:nvPr/>
+          </p:nvGrpSpPr>
+          <p:grpSpPr>
+            <a:xfrm>
+              <a:off x="3276578" y="2541912"/>
+              <a:ext cx="1371600" cy="787662"/>
+              <a:chOff x="3352799" y="1997075"/>
+              <a:chExt cx="1371600" cy="787662"/>
+            </a:xfrm>
+          </p:grpSpPr>
+          <p:sp>
+            <p:nvSpPr>
+              <p:cNvPr id="69" name="Rectangle 68">
+                <a:extLst>
+                  <a:ext uri="{FF2B5EF4-FFF2-40B4-BE49-F238E27FC236}">
+                    <a16:creationId xmlns:a16="http://schemas.microsoft.com/office/drawing/2014/main" id="{ABF5961E-04BE-465C-A2E0-476861608B44}"/>
+                  </a:ext>
+                </a:extLst>
+              </p:cNvPr>
+              <p:cNvSpPr/>
+              <p:nvPr/>
+            </p:nvSpPr>
+            <p:spPr>
+              <a:xfrm>
+                <a:off x="3352799" y="2572011"/>
+                <a:ext cx="1371599" cy="212726"/>
+              </a:xfrm>
+              <a:prstGeom prst="rect">
+                <a:avLst/>
+              </a:prstGeom>
+              <a:solidFill>
+                <a:schemeClr val="bg1"/>
+              </a:solidFill>
+              <a:ln w="19050">
+                <a:solidFill>
+                  <a:schemeClr val="tx1"/>
+                </a:solidFill>
+              </a:ln>
+            </p:spPr>
+            <p:style>
+              <a:lnRef idx="2">
+                <a:schemeClr val="accent1">
+                  <a:shade val="50000"/>
+                </a:schemeClr>
+              </a:lnRef>
+              <a:fillRef idx="1">
+                <a:schemeClr val="accent1"/>
+              </a:fillRef>
+              <a:effectRef idx="0">
+                <a:schemeClr val="accent1"/>
+              </a:effectRef>
+              <a:fontRef idx="minor">
+                <a:schemeClr val="lt1"/>
+              </a:fontRef>
+            </p:style>
+            <p:txBody>
+              <a:bodyPr rtlCol="0" anchor="ctr"/>
+              <a:lstStyle/>
+              <a:p>
+                <a:pPr algn="ctr"/>
+                <a:r>
+                  <a:rPr lang="en-US" sz="1000" i="1" dirty="0">
+                    <a:solidFill>
+                      <a:schemeClr val="tx1"/>
+                    </a:solidFill>
+                  </a:rPr>
+                  <a:t>Algorithmic gradients </a:t>
+                </a:r>
+                <a:endParaRPr lang="ca-ES" sz="1000" i="1" dirty="0">
+                  <a:solidFill>
+                    <a:schemeClr val="tx1"/>
+                  </a:solidFill>
+                </a:endParaRPr>
+              </a:p>
+            </p:txBody>
+          </p:sp>
+          <p:grpSp>
+            <p:nvGrpSpPr>
+              <p:cNvPr id="70" name="Group 69">
+                <a:extLst>
+                  <a:ext uri="{FF2B5EF4-FFF2-40B4-BE49-F238E27FC236}">
+                    <a16:creationId xmlns:a16="http://schemas.microsoft.com/office/drawing/2014/main" id="{F96BFC9E-7F09-4AA3-AA06-6C7C87C6EF52}"/>
+                  </a:ext>
+                </a:extLst>
+              </p:cNvPr>
+              <p:cNvGrpSpPr/>
+              <p:nvPr/>
+            </p:nvGrpSpPr>
+            <p:grpSpPr>
+              <a:xfrm>
+                <a:off x="3352799" y="1997075"/>
+                <a:ext cx="1371600" cy="577850"/>
+                <a:chOff x="3352799" y="1997075"/>
+                <a:chExt cx="1371600" cy="577850"/>
+              </a:xfrm>
+            </p:grpSpPr>
+            <p:sp>
+              <p:nvSpPr>
+                <p:cNvPr id="71" name="Rectangle 70">
+                  <a:extLst>
+                    <a:ext uri="{FF2B5EF4-FFF2-40B4-BE49-F238E27FC236}">
+                      <a16:creationId xmlns:a16="http://schemas.microsoft.com/office/drawing/2014/main" id="{C0A8B8B7-ADB1-47F1-A405-948529DD28C3}"/>
+                    </a:ext>
+                  </a:extLst>
+                </p:cNvPr>
+                <p:cNvSpPr/>
+                <p:nvPr/>
+              </p:nvSpPr>
+              <p:spPr>
+                <a:xfrm>
+                  <a:off x="3352800" y="1997075"/>
+                  <a:ext cx="1371598" cy="212725"/>
+                </a:xfrm>
+                <a:prstGeom prst="rect">
+                  <a:avLst/>
+                </a:prstGeom>
+                <a:solidFill>
+                  <a:schemeClr val="bg1">
+                    <a:lumMod val="85000"/>
+                  </a:schemeClr>
+                </a:solidFill>
+                <a:ln w="19050">
+                  <a:solidFill>
+                    <a:schemeClr val="tx1"/>
+                  </a:solidFill>
+                </a:ln>
+              </p:spPr>
+              <p:style>
+                <a:lnRef idx="2">
+                  <a:schemeClr val="accent1">
+                    <a:shade val="50000"/>
+                  </a:schemeClr>
+                </a:lnRef>
+                <a:fillRef idx="1">
+                  <a:schemeClr val="accent1"/>
+                </a:fillRef>
+                <a:effectRef idx="0">
+                  <a:schemeClr val="accent1"/>
+                </a:effectRef>
+                <a:fontRef idx="minor">
+                  <a:schemeClr val="lt1"/>
+                </a:fontRef>
+              </p:style>
+              <p:txBody>
+                <a:bodyPr rtlCol="0" anchor="ctr"/>
+                <a:lstStyle/>
+                <a:p>
+                  <a:pPr algn="ctr"/>
+                  <a:r>
+                    <a:rPr lang="en-US" sz="1100" b="1" dirty="0">
+                      <a:solidFill>
+                        <a:schemeClr val="tx1"/>
+                      </a:solidFill>
+                    </a:rPr>
+                    <a:t>Reshape Rectangles</a:t>
+                  </a:r>
+                  <a:r>
+                    <a:rPr lang="en-US" sz="1100" dirty="0">
+                      <a:solidFill>
+                        <a:schemeClr val="tx1"/>
+                      </a:solidFill>
+                    </a:rPr>
+                    <a:t> </a:t>
+                  </a:r>
+                  <a:endParaRPr lang="ca-ES" sz="1100" dirty="0">
+                    <a:solidFill>
+                      <a:schemeClr val="tx1"/>
+                    </a:solidFill>
+                  </a:endParaRPr>
+                </a:p>
+              </p:txBody>
+            </p:sp>
+            <p:sp>
+              <p:nvSpPr>
+                <p:cNvPr id="72" name="Rectangle 71">
+                  <a:extLst>
+                    <a:ext uri="{FF2B5EF4-FFF2-40B4-BE49-F238E27FC236}">
+                      <a16:creationId xmlns:a16="http://schemas.microsoft.com/office/drawing/2014/main" id="{2D9D2943-DC9D-4218-99F4-94D4547D9C06}"/>
+                    </a:ext>
+                  </a:extLst>
+                </p:cNvPr>
+                <p:cNvSpPr/>
+                <p:nvPr/>
+              </p:nvSpPr>
+              <p:spPr>
+                <a:xfrm>
+                  <a:off x="3352799" y="2362200"/>
+                  <a:ext cx="1371600" cy="212725"/>
+                </a:xfrm>
+                <a:prstGeom prst="rect">
+                  <a:avLst/>
+                </a:prstGeom>
+                <a:solidFill>
+                  <a:schemeClr val="bg1">
+                    <a:lumMod val="85000"/>
+                  </a:schemeClr>
+                </a:solidFill>
+                <a:ln w="19050">
+                  <a:solidFill>
+                    <a:schemeClr val="tx1"/>
+                  </a:solidFill>
+                </a:ln>
+              </p:spPr>
+              <p:style>
+                <a:lnRef idx="2">
+                  <a:schemeClr val="accent1">
+                    <a:shade val="50000"/>
+                  </a:schemeClr>
+                </a:lnRef>
+                <a:fillRef idx="1">
+                  <a:schemeClr val="accent1"/>
+                </a:fillRef>
+                <a:effectRef idx="0">
+                  <a:schemeClr val="accent1"/>
+                </a:effectRef>
+                <a:fontRef idx="minor">
+                  <a:schemeClr val="lt1"/>
+                </a:fontRef>
+              </p:style>
+              <p:txBody>
+                <a:bodyPr rtlCol="0" anchor="ctr"/>
+                <a:lstStyle/>
+                <a:p>
+                  <a:pPr algn="ctr"/>
+                  <a:r>
+                    <a:rPr lang="en-US" sz="1100" b="1" dirty="0">
+                      <a:solidFill>
+                        <a:schemeClr val="tx1"/>
+                      </a:solidFill>
+                    </a:rPr>
+                    <a:t>Shift Rectangles</a:t>
+                  </a:r>
+                  <a:r>
+                    <a:rPr lang="en-US" sz="1100" dirty="0">
+                      <a:solidFill>
+                        <a:schemeClr val="tx1"/>
+                      </a:solidFill>
+                    </a:rPr>
+                    <a:t> </a:t>
+                  </a:r>
+                  <a:endParaRPr lang="ca-ES" sz="1100" dirty="0">
+                    <a:solidFill>
+                      <a:schemeClr val="tx1"/>
+                    </a:solidFill>
+                  </a:endParaRPr>
+                </a:p>
+              </p:txBody>
+            </p:sp>
+            <p:cxnSp>
+              <p:nvCxnSpPr>
+                <p:cNvPr id="73" name="Straight Arrow Connector 72">
+                  <a:extLst>
+                    <a:ext uri="{FF2B5EF4-FFF2-40B4-BE49-F238E27FC236}">
+                      <a16:creationId xmlns:a16="http://schemas.microsoft.com/office/drawing/2014/main" id="{2B1AF98D-AC66-449E-B5E0-857CDBD8E8A7}"/>
+                    </a:ext>
+                  </a:extLst>
+                </p:cNvPr>
+                <p:cNvCxnSpPr>
+                  <a:cxnSpLocks/>
+                </p:cNvCxnSpPr>
+                <p:nvPr/>
+              </p:nvCxnSpPr>
+              <p:spPr>
+                <a:xfrm>
+                  <a:off x="3809999" y="2209800"/>
+                  <a:ext cx="0" cy="152400"/>
+                </a:xfrm>
+                <a:prstGeom prst="straightConnector1">
+                  <a:avLst/>
+                </a:prstGeom>
+                <a:ln w="19050">
+                  <a:solidFill>
+                    <a:schemeClr val="tx1"/>
+                  </a:solidFill>
+                  <a:tailEnd type="triangle"/>
+                </a:ln>
+              </p:spPr>
+              <p:style>
+                <a:lnRef idx="1">
+                  <a:schemeClr val="accent1"/>
+                </a:lnRef>
+                <a:fillRef idx="0">
+                  <a:schemeClr val="accent1"/>
+                </a:fillRef>
+                <a:effectRef idx="0">
+                  <a:schemeClr val="accent1"/>
+                </a:effectRef>
+                <a:fontRef idx="minor">
+                  <a:schemeClr val="tx1"/>
+                </a:fontRef>
+              </p:style>
+            </p:cxnSp>
+            <p:cxnSp>
+              <p:nvCxnSpPr>
+                <p:cNvPr id="74" name="Straight Arrow Connector 73">
+                  <a:extLst>
+                    <a:ext uri="{FF2B5EF4-FFF2-40B4-BE49-F238E27FC236}">
+                      <a16:creationId xmlns:a16="http://schemas.microsoft.com/office/drawing/2014/main" id="{71C1C77D-B352-4B7D-BEEA-8E996D8B47EB}"/>
+                    </a:ext>
+                  </a:extLst>
+                </p:cNvPr>
+                <p:cNvCxnSpPr>
+                  <a:cxnSpLocks/>
+                </p:cNvCxnSpPr>
+                <p:nvPr/>
+              </p:nvCxnSpPr>
+              <p:spPr>
+                <a:xfrm flipV="1">
+                  <a:off x="4267199" y="2209800"/>
+                  <a:ext cx="0" cy="152401"/>
+                </a:xfrm>
+                <a:prstGeom prst="straightConnector1">
+                  <a:avLst/>
+                </a:prstGeom>
+                <a:ln w="19050">
+                  <a:solidFill>
+                    <a:schemeClr val="tx1"/>
+                  </a:solidFill>
+                  <a:tailEnd type="triangle"/>
+                </a:ln>
+              </p:spPr>
+              <p:style>
+                <a:lnRef idx="1">
+                  <a:schemeClr val="accent1"/>
+                </a:lnRef>
+                <a:fillRef idx="0">
+                  <a:schemeClr val="accent1"/>
+                </a:fillRef>
+                <a:effectRef idx="0">
+                  <a:schemeClr val="accent1"/>
+                </a:effectRef>
+                <a:fontRef idx="minor">
+                  <a:schemeClr val="tx1"/>
+                </a:fontRef>
+              </p:style>
+            </p:cxnSp>
+          </p:grpSp>
+        </p:grpSp>
+        <p:cxnSp>
+          <p:nvCxnSpPr>
+            <p:cNvPr id="56" name="Straight Arrow Connector 55">
+              <a:extLst>
+                <a:ext uri="{FF2B5EF4-FFF2-40B4-BE49-F238E27FC236}">
+                  <a16:creationId xmlns:a16="http://schemas.microsoft.com/office/drawing/2014/main" id="{9322C861-333B-44FB-A34F-3C03D4D073F0}"/>
+                </a:ext>
+              </a:extLst>
+            </p:cNvPr>
+            <p:cNvCxnSpPr>
+              <a:cxnSpLocks/>
+              <a:stCxn id="76" idx="2"/>
+              <a:endCxn id="81" idx="0"/>
+            </p:cNvCxnSpPr>
+            <p:nvPr/>
+          </p:nvCxnSpPr>
+          <p:spPr>
+            <a:xfrm>
+              <a:off x="2385833" y="2550698"/>
+              <a:ext cx="868" cy="359252"/>
+            </a:xfrm>
+            <a:prstGeom prst="straightConnector1">
+              <a:avLst/>
+            </a:prstGeom>
+            <a:ln w="57150">
+              <a:solidFill>
+                <a:schemeClr val="tx1"/>
+              </a:solidFill>
+              <a:tailEnd type="triangle"/>
+            </a:ln>
+          </p:spPr>
+          <p:style>
+            <a:lnRef idx="1">
+              <a:schemeClr val="accent1"/>
+            </a:lnRef>
+            <a:fillRef idx="0">
+              <a:schemeClr val="accent1"/>
+            </a:fillRef>
+            <a:effectRef idx="0">
+              <a:schemeClr val="accent1"/>
+            </a:effectRef>
+            <a:fontRef idx="minor">
+              <a:schemeClr val="tx1"/>
+            </a:fontRef>
+          </p:style>
+        </p:cxnSp>
+        <p:cxnSp>
+          <p:nvCxnSpPr>
+            <p:cNvPr id="57" name="Straight Arrow Connector 56">
+              <a:extLst>
+                <a:ext uri="{FF2B5EF4-FFF2-40B4-BE49-F238E27FC236}">
+                  <a16:creationId xmlns:a16="http://schemas.microsoft.com/office/drawing/2014/main" id="{C2574267-DB29-4FAA-A1C7-34308FA4A6C2}"/>
+                </a:ext>
+              </a:extLst>
+            </p:cNvPr>
+            <p:cNvCxnSpPr>
+              <a:cxnSpLocks/>
+              <a:stCxn id="71" idx="1"/>
+            </p:cNvCxnSpPr>
+            <p:nvPr/>
+          </p:nvCxnSpPr>
+          <p:spPr>
+            <a:xfrm flipH="1">
+              <a:off x="2926340" y="2648275"/>
+              <a:ext cx="350239" cy="252890"/>
+            </a:xfrm>
+            <a:prstGeom prst="straightConnector1">
+              <a:avLst/>
+            </a:prstGeom>
+            <a:ln w="28575">
+              <a:solidFill>
+                <a:schemeClr val="tx1"/>
+              </a:solidFill>
+              <a:tailEnd type="triangle"/>
+            </a:ln>
+          </p:spPr>
+          <p:style>
+            <a:lnRef idx="1">
+              <a:schemeClr val="accent1"/>
+            </a:lnRef>
+            <a:fillRef idx="0">
+              <a:schemeClr val="accent1"/>
+            </a:fillRef>
+            <a:effectRef idx="0">
+              <a:schemeClr val="accent1"/>
+            </a:effectRef>
+            <a:fontRef idx="minor">
+              <a:schemeClr val="tx1"/>
+            </a:fontRef>
+          </p:style>
+        </p:cxnSp>
+        <p:cxnSp>
+          <p:nvCxnSpPr>
+            <p:cNvPr id="58" name="Straight Arrow Connector 57">
+              <a:extLst>
+                <a:ext uri="{FF2B5EF4-FFF2-40B4-BE49-F238E27FC236}">
+                  <a16:creationId xmlns:a16="http://schemas.microsoft.com/office/drawing/2014/main" id="{485C9642-70F2-4AD1-AB94-93B41CB93F70}"/>
+                </a:ext>
+              </a:extLst>
+            </p:cNvPr>
+            <p:cNvCxnSpPr>
+              <a:cxnSpLocks/>
+              <a:stCxn id="81" idx="3"/>
+              <a:endCxn id="72" idx="1"/>
+            </p:cNvCxnSpPr>
+            <p:nvPr/>
+          </p:nvCxnSpPr>
+          <p:spPr>
+            <a:xfrm flipV="1">
+              <a:off x="2926340" y="3013400"/>
+              <a:ext cx="350238" cy="2913"/>
+            </a:xfrm>
+            <a:prstGeom prst="straightConnector1">
+              <a:avLst/>
+            </a:prstGeom>
+            <a:ln w="28575">
+              <a:solidFill>
+                <a:schemeClr val="tx1"/>
+              </a:solidFill>
+              <a:tailEnd type="triangle"/>
+            </a:ln>
+          </p:spPr>
+          <p:style>
+            <a:lnRef idx="1">
+              <a:schemeClr val="accent1"/>
+            </a:lnRef>
+            <a:fillRef idx="0">
+              <a:schemeClr val="accent1"/>
+            </a:fillRef>
+            <a:effectRef idx="0">
+              <a:schemeClr val="accent1"/>
+            </a:effectRef>
+            <a:fontRef idx="minor">
+              <a:schemeClr val="tx1"/>
+            </a:fontRef>
+          </p:style>
+        </p:cxnSp>
+        <p:cxnSp>
+          <p:nvCxnSpPr>
+            <p:cNvPr id="64" name="Connector: Elbow 63">
+              <a:extLst>
+                <a:ext uri="{FF2B5EF4-FFF2-40B4-BE49-F238E27FC236}">
+                  <a16:creationId xmlns:a16="http://schemas.microsoft.com/office/drawing/2014/main" id="{DB7762F8-1363-414A-BA62-2310FB9B10F4}"/>
+                </a:ext>
+              </a:extLst>
+            </p:cNvPr>
+            <p:cNvCxnSpPr>
+              <a:cxnSpLocks/>
+              <a:stCxn id="71" idx="0"/>
+              <a:endCxn id="75" idx="3"/>
+            </p:cNvCxnSpPr>
+            <p:nvPr/>
+          </p:nvCxnSpPr>
+          <p:spPr>
+            <a:xfrm rot="16200000" flipV="1">
+              <a:off x="3335368" y="1914902"/>
+              <a:ext cx="325175" cy="928846"/>
+            </a:xfrm>
+            <a:prstGeom prst="bentConnector2">
+              <a:avLst/>
+            </a:prstGeom>
+            <a:ln w="57150">
+              <a:solidFill>
+                <a:schemeClr val="tx1"/>
+              </a:solidFill>
+              <a:tailEnd type="triangle"/>
+            </a:ln>
+          </p:spPr>
+          <p:style>
+            <a:lnRef idx="1">
+              <a:schemeClr val="accent1"/>
+            </a:lnRef>
+            <a:fillRef idx="0">
+              <a:schemeClr val="accent1"/>
+            </a:fillRef>
+            <a:effectRef idx="0">
+              <a:schemeClr val="accent1"/>
+            </a:effectRef>
+            <a:fontRef idx="minor">
+              <a:schemeClr val="tx1"/>
+            </a:fontRef>
+          </p:style>
+        </p:cxnSp>
+        <p:cxnSp>
+          <p:nvCxnSpPr>
+            <p:cNvPr id="65" name="Straight Arrow Connector 64">
+              <a:extLst>
+                <a:ext uri="{FF2B5EF4-FFF2-40B4-BE49-F238E27FC236}">
+                  <a16:creationId xmlns:a16="http://schemas.microsoft.com/office/drawing/2014/main" id="{7CF69359-B255-4FF6-867E-7DCF3721F4B4}"/>
+                </a:ext>
+              </a:extLst>
+            </p:cNvPr>
+            <p:cNvCxnSpPr>
+              <a:cxnSpLocks/>
+              <a:stCxn id="71" idx="3"/>
+              <a:endCxn id="79" idx="1"/>
+            </p:cNvCxnSpPr>
+            <p:nvPr/>
+          </p:nvCxnSpPr>
+          <p:spPr>
+            <a:xfrm flipV="1">
+              <a:off x="4648177" y="2216737"/>
+              <a:ext cx="465801" cy="431538"/>
+            </a:xfrm>
+            <a:prstGeom prst="straightConnector1">
+              <a:avLst/>
+            </a:prstGeom>
+            <a:ln w="57150">
+              <a:solidFill>
+                <a:schemeClr val="tx1"/>
+              </a:solidFill>
+              <a:tailEnd type="triangle"/>
+            </a:ln>
+          </p:spPr>
+          <p:style>
+            <a:lnRef idx="1">
+              <a:schemeClr val="accent1"/>
+            </a:lnRef>
+            <a:fillRef idx="0">
+              <a:schemeClr val="accent1"/>
+            </a:fillRef>
+            <a:effectRef idx="0">
+              <a:schemeClr val="accent1"/>
+            </a:effectRef>
+            <a:fontRef idx="minor">
+              <a:schemeClr val="tx1"/>
+            </a:fontRef>
+          </p:style>
+        </p:cxnSp>
+        <p:cxnSp>
+          <p:nvCxnSpPr>
+            <p:cNvPr id="66" name="Straight Arrow Connector 65">
+              <a:extLst>
+                <a:ext uri="{FF2B5EF4-FFF2-40B4-BE49-F238E27FC236}">
+                  <a16:creationId xmlns:a16="http://schemas.microsoft.com/office/drawing/2014/main" id="{B51F49C2-29E7-40FF-B9BE-78F2B5D007AD}"/>
+                </a:ext>
+              </a:extLst>
+            </p:cNvPr>
+            <p:cNvCxnSpPr>
+              <a:cxnSpLocks/>
+              <a:stCxn id="79" idx="3"/>
+              <a:endCxn id="77" idx="1"/>
+            </p:cNvCxnSpPr>
+            <p:nvPr/>
+          </p:nvCxnSpPr>
+          <p:spPr>
+            <a:xfrm>
+              <a:off x="6790378" y="2216737"/>
+              <a:ext cx="372425" cy="0"/>
+            </a:xfrm>
+            <a:prstGeom prst="straightConnector1">
+              <a:avLst/>
+            </a:prstGeom>
+            <a:ln w="57150">
+              <a:solidFill>
+                <a:schemeClr val="tx1"/>
+              </a:solidFill>
+              <a:tailEnd type="triangle"/>
+            </a:ln>
+          </p:spPr>
+          <p:style>
+            <a:lnRef idx="1">
+              <a:schemeClr val="accent1"/>
+            </a:lnRef>
+            <a:fillRef idx="0">
+              <a:schemeClr val="accent1"/>
+            </a:fillRef>
+            <a:effectRef idx="0">
+              <a:schemeClr val="accent1"/>
+            </a:effectRef>
+            <a:fontRef idx="minor">
+              <a:schemeClr val="tx1"/>
+            </a:fontRef>
+          </p:style>
+        </p:cxnSp>
+        <p:sp>
+          <p:nvSpPr>
+            <p:cNvPr id="90" name="Flowchart: Document 89">
+              <a:extLst>
+                <a:ext uri="{FF2B5EF4-FFF2-40B4-BE49-F238E27FC236}">
+                  <a16:creationId xmlns:a16="http://schemas.microsoft.com/office/drawing/2014/main" id="{CD8C04A0-7E9E-4247-9FD4-6C28A159EAD1}"/>
+                </a:ext>
+              </a:extLst>
+            </p:cNvPr>
+            <p:cNvSpPr/>
+            <p:nvPr/>
+          </p:nvSpPr>
+          <p:spPr>
+            <a:xfrm>
+              <a:off x="457203" y="2099002"/>
+              <a:ext cx="990600" cy="442910"/>
+            </a:xfrm>
+            <a:prstGeom prst="flowChartDocument">
+              <a:avLst/>
+            </a:prstGeom>
+            <a:solidFill>
+              <a:srgbClr val="FFC000"/>
+            </a:solidFill>
+            <a:ln w="19050">
+              <a:solidFill>
+                <a:schemeClr val="tx1"/>
+              </a:solidFill>
+            </a:ln>
+          </p:spPr>
+          <p:style>
+            <a:lnRef idx="2">
+              <a:schemeClr val="accent1">
+                <a:shade val="50000"/>
+              </a:schemeClr>
+            </a:lnRef>
+            <a:fillRef idx="1">
+              <a:schemeClr val="accent1"/>
+            </a:fillRef>
+            <a:effectRef idx="0">
+              <a:schemeClr val="accent1"/>
+            </a:effectRef>
+            <a:fontRef idx="minor">
+              <a:schemeClr val="lt1"/>
+            </a:fontRef>
+          </p:style>
+          <p:txBody>
+            <a:bodyPr rtlCol="0" anchor="ctr"/>
+            <a:lstStyle/>
+            <a:p>
+              <a:pPr algn="ctr"/>
+              <a:r>
+                <a:rPr lang="en-US" sz="1400" b="1" dirty="0">
+                  <a:solidFill>
+                    <a:schemeClr val="tx1"/>
+                  </a:solidFill>
+                </a:rPr>
+                <a:t>Netlist</a:t>
+              </a:r>
+              <a:endParaRPr lang="ca-ES" sz="1400" b="1" dirty="0">
+                <a:solidFill>
+                  <a:schemeClr val="tx1"/>
+                </a:solidFill>
+              </a:endParaRPr>
+            </a:p>
+          </p:txBody>
+        </p:sp>
+        <p:cxnSp>
+          <p:nvCxnSpPr>
+            <p:cNvPr id="92" name="Straight Arrow Connector 91">
+              <a:extLst>
+                <a:ext uri="{FF2B5EF4-FFF2-40B4-BE49-F238E27FC236}">
+                  <a16:creationId xmlns:a16="http://schemas.microsoft.com/office/drawing/2014/main" id="{383F2FEE-5347-4C3E-8A35-25274D84DB5B}"/>
+                </a:ext>
+              </a:extLst>
+            </p:cNvPr>
+            <p:cNvCxnSpPr>
+              <a:stCxn id="90" idx="2"/>
+              <a:endCxn id="83" idx="0"/>
+            </p:cNvCxnSpPr>
+            <p:nvPr/>
+          </p:nvCxnSpPr>
+          <p:spPr>
+            <a:xfrm>
+              <a:off x="952503" y="2512631"/>
+              <a:ext cx="0" cy="242007"/>
+            </a:xfrm>
+            <a:prstGeom prst="straightConnector1">
+              <a:avLst/>
+            </a:prstGeom>
+            <a:ln w="28575">
+              <a:solidFill>
+                <a:schemeClr val="tx1"/>
+              </a:solidFill>
+              <a:tailEnd type="triangle"/>
+            </a:ln>
+          </p:spPr>
+          <p:style>
+            <a:lnRef idx="1">
+              <a:schemeClr val="accent1"/>
+            </a:lnRef>
+            <a:fillRef idx="0">
+              <a:schemeClr val="accent1"/>
+            </a:fillRef>
+            <a:effectRef idx="0">
+              <a:schemeClr val="accent1"/>
+            </a:effectRef>
+            <a:fontRef idx="minor">
+              <a:schemeClr val="tx1"/>
+            </a:fontRef>
+          </p:style>
+        </p:cxnSp>
+        <p:sp>
+          <p:nvSpPr>
+            <p:cNvPr id="93" name="Flowchart: Document 92">
+              <a:extLst>
+                <a:ext uri="{FF2B5EF4-FFF2-40B4-BE49-F238E27FC236}">
+                  <a16:creationId xmlns:a16="http://schemas.microsoft.com/office/drawing/2014/main" id="{5B14EBA0-91B3-4AF7-B2A6-370E84AAC6BD}"/>
+                </a:ext>
+              </a:extLst>
+            </p:cNvPr>
+            <p:cNvSpPr/>
+            <p:nvPr/>
+          </p:nvSpPr>
+          <p:spPr>
+            <a:xfrm>
+              <a:off x="7505703" y="2886664"/>
+              <a:ext cx="990600" cy="442910"/>
+            </a:xfrm>
+            <a:prstGeom prst="flowChartDocument">
+              <a:avLst/>
+            </a:prstGeom>
+            <a:solidFill>
+              <a:srgbClr val="FFC000"/>
+            </a:solidFill>
+            <a:ln w="19050">
+              <a:solidFill>
+                <a:schemeClr val="tx1"/>
+              </a:solidFill>
+            </a:ln>
+          </p:spPr>
+          <p:style>
+            <a:lnRef idx="2">
+              <a:schemeClr val="accent1">
+                <a:shade val="50000"/>
+              </a:schemeClr>
+            </a:lnRef>
+            <a:fillRef idx="1">
+              <a:schemeClr val="accent1"/>
+            </a:fillRef>
+            <a:effectRef idx="0">
+              <a:schemeClr val="accent1"/>
+            </a:effectRef>
+            <a:fontRef idx="minor">
+              <a:schemeClr val="lt1"/>
+            </a:fontRef>
+          </p:style>
+          <p:txBody>
+            <a:bodyPr rtlCol="0" anchor="ctr"/>
+            <a:lstStyle/>
+            <a:p>
+              <a:pPr algn="ctr"/>
+              <a:r>
+                <a:rPr lang="en-US" sz="1400" b="1" dirty="0">
+                  <a:solidFill>
+                    <a:schemeClr val="tx1"/>
+                  </a:solidFill>
+                </a:rPr>
+                <a:t>Floorplan</a:t>
+              </a:r>
+              <a:endParaRPr lang="ca-ES" sz="1400" b="1" dirty="0">
+                <a:solidFill>
+                  <a:schemeClr val="tx1"/>
+                </a:solidFill>
+              </a:endParaRPr>
+            </a:p>
+          </p:txBody>
+        </p:sp>
+        <p:cxnSp>
+          <p:nvCxnSpPr>
+            <p:cNvPr id="95" name="Straight Arrow Connector 94">
+              <a:extLst>
+                <a:ext uri="{FF2B5EF4-FFF2-40B4-BE49-F238E27FC236}">
+                  <a16:creationId xmlns:a16="http://schemas.microsoft.com/office/drawing/2014/main" id="{4BF9F0D0-0C7E-49B8-A839-F41265025465}"/>
+                </a:ext>
+              </a:extLst>
+            </p:cNvPr>
+            <p:cNvCxnSpPr>
+              <a:cxnSpLocks/>
+              <a:stCxn id="78" idx="2"/>
+              <a:endCxn id="93" idx="0"/>
+            </p:cNvCxnSpPr>
+            <p:nvPr/>
+          </p:nvCxnSpPr>
+          <p:spPr>
+            <a:xfrm>
+              <a:off x="8001003" y="2688224"/>
+              <a:ext cx="0" cy="198440"/>
+            </a:xfrm>
+            <a:prstGeom prst="straightConnector1">
+              <a:avLst/>
+            </a:prstGeom>
+            <a:ln w="28575">
+              <a:solidFill>
+                <a:schemeClr val="tx1"/>
+              </a:solidFill>
+              <a:tailEnd type="triangle"/>
+            </a:ln>
+          </p:spPr>
+          <p:style>
+            <a:lnRef idx="1">
+              <a:schemeClr val="accent1"/>
+            </a:lnRef>
+            <a:fillRef idx="0">
+              <a:schemeClr val="accent1"/>
+            </a:fillRef>
+            <a:effectRef idx="0">
+              <a:schemeClr val="accent1"/>
+            </a:effectRef>
+            <a:fontRef idx="minor">
+              <a:schemeClr val="tx1"/>
+            </a:fontRef>
+          </p:style>
+        </p:cxnSp>
+        <p:sp>
+          <p:nvSpPr>
+            <p:cNvPr id="99" name="TextBox 98">
+              <a:extLst>
+                <a:ext uri="{FF2B5EF4-FFF2-40B4-BE49-F238E27FC236}">
+                  <a16:creationId xmlns:a16="http://schemas.microsoft.com/office/drawing/2014/main" id="{D4B22C5F-F5EC-4029-BBD2-82E6A2F6D1DA}"/>
+                </a:ext>
+              </a:extLst>
+            </p:cNvPr>
+            <p:cNvSpPr txBox="1"/>
+            <p:nvPr/>
+          </p:nvSpPr>
+          <p:spPr>
+            <a:xfrm>
+              <a:off x="2343571" y="3349823"/>
+              <a:ext cx="1667444" cy="307777"/>
+            </a:xfrm>
+            <a:prstGeom prst="rect">
+              <a:avLst/>
+            </a:prstGeom>
+            <a:noFill/>
+          </p:spPr>
+          <p:txBody>
+            <a:bodyPr wrap="none" rtlCol="0">
+              <a:spAutoFit/>
+            </a:bodyPr>
+            <a:lstStyle/>
+            <a:p>
+              <a:r>
+                <a:rPr lang="en-US" sz="1400" b="1" i="1" dirty="0">
+                  <a:latin typeface="Arial Narrow" panose="020B0606020202030204" pitchFamily="34" charset="0"/>
+                </a:rPr>
+                <a:t>Global </a:t>
+              </a:r>
+              <a:r>
+                <a:rPr lang="en-US" sz="1400" b="1" i="1" dirty="0" err="1">
+                  <a:latin typeface="Arial Narrow" panose="020B0606020202030204" pitchFamily="34" charset="0"/>
+                </a:rPr>
+                <a:t>Floorplanning</a:t>
+              </a:r>
+              <a:endParaRPr lang="ca-ES" sz="1400" b="1" i="1" dirty="0">
+                <a:latin typeface="Arial Narrow" panose="020B0606020202030204" pitchFamily="34" charset="0"/>
+              </a:endParaRPr>
+            </a:p>
+          </p:txBody>
+        </p:sp>
+        <p:sp>
+          <p:nvSpPr>
+            <p:cNvPr id="100" name="TextBox 99">
+              <a:extLst>
+                <a:ext uri="{FF2B5EF4-FFF2-40B4-BE49-F238E27FC236}">
+                  <a16:creationId xmlns:a16="http://schemas.microsoft.com/office/drawing/2014/main" id="{99AD10D1-A79F-482F-B2BA-063A4FD0AC08}"/>
+                </a:ext>
+              </a:extLst>
+            </p:cNvPr>
+            <p:cNvSpPr txBox="1"/>
+            <p:nvPr/>
+          </p:nvSpPr>
+          <p:spPr>
+            <a:xfrm>
+              <a:off x="5410203" y="2948574"/>
+              <a:ext cx="1037463" cy="307777"/>
+            </a:xfrm>
+            <a:prstGeom prst="rect">
+              <a:avLst/>
+            </a:prstGeom>
+            <a:noFill/>
+          </p:spPr>
+          <p:txBody>
+            <a:bodyPr wrap="none" rtlCol="0">
+              <a:spAutoFit/>
+            </a:bodyPr>
+            <a:lstStyle/>
+            <a:p>
+              <a:r>
+                <a:rPr lang="en-US" sz="1400" b="1" i="1" dirty="0">
+                  <a:latin typeface="Arial Narrow" panose="020B0606020202030204" pitchFamily="34" charset="0"/>
+                </a:rPr>
+                <a:t>Legalization</a:t>
+              </a:r>
+              <a:endParaRPr lang="ca-ES" sz="1400" b="1" i="1" dirty="0">
+                <a:latin typeface="Arial Narrow" panose="020B0606020202030204" pitchFamily="34" charset="0"/>
+              </a:endParaRPr>
+            </a:p>
+          </p:txBody>
+        </p:sp>
+        <p:sp>
+          <p:nvSpPr>
+            <p:cNvPr id="102" name="TextBox 101">
+              <a:extLst>
+                <a:ext uri="{FF2B5EF4-FFF2-40B4-BE49-F238E27FC236}">
+                  <a16:creationId xmlns:a16="http://schemas.microsoft.com/office/drawing/2014/main" id="{086329CA-0748-428D-A186-673B90A85C9D}"/>
+                </a:ext>
+              </a:extLst>
+            </p:cNvPr>
+            <p:cNvSpPr txBox="1"/>
+            <p:nvPr/>
+          </p:nvSpPr>
+          <p:spPr>
+            <a:xfrm>
+              <a:off x="439371" y="3329574"/>
+              <a:ext cx="1040670" cy="307777"/>
+            </a:xfrm>
+            <a:prstGeom prst="rect">
+              <a:avLst/>
+            </a:prstGeom>
+            <a:noFill/>
+          </p:spPr>
+          <p:txBody>
+            <a:bodyPr wrap="none" rtlCol="0">
+              <a:spAutoFit/>
+            </a:bodyPr>
+            <a:lstStyle/>
+            <a:p>
+              <a:r>
+                <a:rPr lang="en-US" sz="1400" b="1" i="1" dirty="0">
+                  <a:latin typeface="Arial Narrow" panose="020B0606020202030204" pitchFamily="34" charset="0"/>
+                </a:rPr>
+                <a:t>Initialization</a:t>
+              </a:r>
+              <a:endParaRPr lang="ca-ES" sz="1400" b="1" i="1" dirty="0">
+                <a:latin typeface="Arial Narrow" panose="020B0606020202030204" pitchFamily="34" charset="0"/>
+              </a:endParaRPr>
+            </a:p>
+          </p:txBody>
+        </p:sp>
+      </p:grpSp>
+    </p:spTree>
+    <p:extLst>
+      <p:ext uri="{BB962C8B-B14F-4D97-AF65-F5344CB8AC3E}">
+        <p14:creationId xmlns:p14="http://schemas.microsoft.com/office/powerpoint/2010/main" val="1896329085"/>
+      </p:ext>
+    </p:extLst>
+  </p:cSld>
+  <p:clrMapOvr>
+    <a:masterClrMapping/>
+  </p:clrMapOvr>
+</p:sld>
+</file>
+
+<file path=ppt/slides/slide2.xml><?xml version="1.0" encoding="utf-8"?>
+<p:sld xmlns:a="http://schemas.openxmlformats.org/drawingml/2006/main" xmlns:r="http://schemas.openxmlformats.org/officeDocument/2006/relationships" xmlns:p="http://schemas.openxmlformats.org/presentationml/2006/main">
+  <p:cSld>
+    <p:spTree>
+      <p:nvGrpSpPr>
+        <p:cNvPr id="1" name=""/>
+        <p:cNvGrpSpPr/>
+        <p:nvPr/>
+      </p:nvGrpSpPr>
+      <p:grpSpPr>
+        <a:xfrm>
+          <a:off x="0" y="0"/>
+          <a:ext cx="0" cy="0"/>
+          <a:chOff x="0" y="0"/>
+          <a:chExt cx="0" cy="0"/>
+        </a:xfrm>
+      </p:grpSpPr>
       <p:grpSp>
         <p:nvGrpSpPr>
           <p:cNvPr id="46" name="Group 45">
@@ -11388,7 +13523,7 @@
 </p:sld>
 </file>
 
-<file path=ppt/slides/slide2.xml><?xml version="1.0" encoding="utf-8"?>
+<file path=ppt/slides/slide3.xml><?xml version="1.0" encoding="utf-8"?>
 <p:sld xmlns:a="http://schemas.openxmlformats.org/drawingml/2006/main" xmlns:r="http://schemas.openxmlformats.org/officeDocument/2006/relationships" xmlns:p="http://schemas.openxmlformats.org/presentationml/2006/main">
   <p:cSld>
     <p:spTree>
@@ -12948,7 +15083,7 @@
 </p:sld>
 </file>
 
-<file path=ppt/slides/slide3.xml><?xml version="1.0" encoding="utf-8"?>
+<file path=ppt/slides/slide4.xml><?xml version="1.0" encoding="utf-8"?>
 <p:sld xmlns:a="http://schemas.openxmlformats.org/drawingml/2006/main" xmlns:r="http://schemas.openxmlformats.org/officeDocument/2006/relationships" xmlns:p="http://schemas.openxmlformats.org/presentationml/2006/main">
   <p:cSld>
     <p:spTree>
@@ -13026,7 +15161,7 @@
           <a:p>
             <a:fld id="{B6F15528-21DE-4FAA-801E-634DDDAF4B2B}" type="slidenum">
               <a:rPr lang="en-US" smtClean="0"/>
-              <a:t>3</a:t>
+              <a:t>4</a:t>
             </a:fld>
             <a:endParaRPr lang="en-US"/>
           </a:p>
@@ -15439,7 +17574,7 @@
 </p:sld>
 </file>
 
-<file path=ppt/slides/slide4.xml><?xml version="1.0" encoding="utf-8"?>
+<file path=ppt/slides/slide5.xml><?xml version="1.0" encoding="utf-8"?>
 <p:sld xmlns:a="http://schemas.openxmlformats.org/drawingml/2006/main" xmlns:r="http://schemas.openxmlformats.org/officeDocument/2006/relationships" xmlns:p="http://schemas.openxmlformats.org/presentationml/2006/main">
   <p:cSld>
     <p:spTree>
@@ -15535,7 +17670,7 @@
           <a:p>
             <a:fld id="{B6F15528-21DE-4FAA-801E-634DDDAF4B2B}" type="slidenum">
               <a:rPr lang="en-US" smtClean="0"/>
-              <a:t>4</a:t>
+              <a:t>5</a:t>
             </a:fld>
             <a:endParaRPr lang="en-US"/>
           </a:p>
@@ -17648,7 +19783,7 @@
 </p:sld>
 </file>
 
-<file path=ppt/slides/slide5.xml><?xml version="1.0" encoding="utf-8"?>
+<file path=ppt/slides/slide6.xml><?xml version="1.0" encoding="utf-8"?>
 <p:sld xmlns:a="http://schemas.openxmlformats.org/drawingml/2006/main" xmlns:r="http://schemas.openxmlformats.org/officeDocument/2006/relationships" xmlns:p="http://schemas.openxmlformats.org/presentationml/2006/main">
   <p:cSld>
     <p:spTree>
@@ -17726,7 +19861,7 @@
           <a:p>
             <a:fld id="{B6F15528-21DE-4FAA-801E-634DDDAF4B2B}" type="slidenum">
               <a:rPr lang="en-US" smtClean="0"/>
-              <a:t>5</a:t>
+              <a:t>6</a:t>
             </a:fld>
             <a:endParaRPr lang="en-US"/>
           </a:p>
@@ -18972,7 +21107,7 @@
 </p:sld>
 </file>
 
-<file path=ppt/slides/slide6.xml><?xml version="1.0" encoding="utf-8"?>
+<file path=ppt/slides/slide7.xml><?xml version="1.0" encoding="utf-8"?>
 <p:sld xmlns:a="http://schemas.openxmlformats.org/drawingml/2006/main" xmlns:r="http://schemas.openxmlformats.org/officeDocument/2006/relationships" xmlns:p="http://schemas.openxmlformats.org/presentationml/2006/main">
   <p:cSld>
     <p:spTree>
@@ -19050,7 +21185,7 @@
           <a:p>
             <a:fld id="{B6F15528-21DE-4FAA-801E-634DDDAF4B2B}" type="slidenum">
               <a:rPr lang="en-US" smtClean="0"/>
-              <a:t>6</a:t>
+              <a:t>7</a:t>
             </a:fld>
             <a:endParaRPr lang="en-US"/>
           </a:p>
@@ -19730,7 +21865,7 @@
 </p:sld>
 </file>
 
-<file path=ppt/slides/slide7.xml><?xml version="1.0" encoding="utf-8"?>
+<file path=ppt/slides/slide8.xml><?xml version="1.0" encoding="utf-8"?>
 <p:sld xmlns:a="http://schemas.openxmlformats.org/drawingml/2006/main" xmlns:r="http://schemas.openxmlformats.org/officeDocument/2006/relationships" xmlns:p="http://schemas.openxmlformats.org/presentationml/2006/main">
   <p:cSld>
     <p:spTree>
@@ -19826,7 +21961,7 @@
           <a:p>
             <a:fld id="{B6F15528-21DE-4FAA-801E-634DDDAF4B2B}" type="slidenum">
               <a:rPr lang="en-US" smtClean="0"/>
-              <a:t>7</a:t>
+              <a:t>8</a:t>
             </a:fld>
             <a:endParaRPr lang="en-US"/>
           </a:p>

--- a/doc/pict/Floorplan_picts.pptx
+++ b/doc/pict/Floorplan_picts.pptx
@@ -5,20 +5,21 @@
     <p:sldMasterId id="2147483648" r:id="rId1"/>
   </p:sldMasterIdLst>
   <p:notesMasterIdLst>
-    <p:notesMasterId r:id="rId10"/>
+    <p:notesMasterId r:id="rId11"/>
   </p:notesMasterIdLst>
   <p:handoutMasterIdLst>
-    <p:handoutMasterId r:id="rId11"/>
+    <p:handoutMasterId r:id="rId12"/>
   </p:handoutMasterIdLst>
   <p:sldIdLst>
     <p:sldId id="615" r:id="rId2"/>
-    <p:sldId id="613" r:id="rId3"/>
-    <p:sldId id="614" r:id="rId4"/>
-    <p:sldId id="608" r:id="rId5"/>
-    <p:sldId id="611" r:id="rId6"/>
-    <p:sldId id="609" r:id="rId7"/>
-    <p:sldId id="610" r:id="rId8"/>
-    <p:sldId id="612" r:id="rId9"/>
+    <p:sldId id="616" r:id="rId3"/>
+    <p:sldId id="613" r:id="rId4"/>
+    <p:sldId id="614" r:id="rId5"/>
+    <p:sldId id="608" r:id="rId6"/>
+    <p:sldId id="611" r:id="rId7"/>
+    <p:sldId id="609" r:id="rId8"/>
+    <p:sldId id="610" r:id="rId9"/>
+    <p:sldId id="612" r:id="rId10"/>
   </p:sldIdLst>
   <p:sldSz cx="9144000" cy="6858000" type="screen4x3"/>
   <p:notesSz cx="7315200" cy="9601200"/>
@@ -5648,7 +5649,7 @@
           <a:p>
             <a:fld id="{847A9C85-7208-4140-9A1B-482E74B6EC70}" type="datetimeFigureOut">
               <a:rPr lang="en-US" smtClean="0"/>
-              <a:t>12/10/2025</a:t>
+              <a:t>1/5/2026</a:t>
             </a:fld>
             <a:endParaRPr lang="en-US"/>
           </a:p>
@@ -5808,7 +5809,7 @@
           <a:p>
             <a:fld id="{9EAA3D3F-CA47-4B9D-B6BA-678D85410C0A}" type="datetimeFigureOut">
               <a:rPr lang="en-US" smtClean="0"/>
-              <a:t>12/10/2025</a:t>
+              <a:t>1/5/2026</a:t>
             </a:fld>
             <a:endParaRPr lang="en-US"/>
           </a:p>
@@ -11918,6 +11919,1512 @@
           <a:chExt cx="0" cy="0"/>
         </a:xfrm>
       </p:grpSpPr>
+      <p:sp>
+        <p:nvSpPr>
+          <p:cNvPr id="2" name="Date Placeholder 1">
+            <a:extLst>
+              <a:ext uri="{FF2B5EF4-FFF2-40B4-BE49-F238E27FC236}">
+                <a16:creationId xmlns:a16="http://schemas.microsoft.com/office/drawing/2014/main" id="{20FB10AF-ABAC-469D-B554-663F8D677C35}"/>
+              </a:ext>
+            </a:extLst>
+          </p:cNvPr>
+          <p:cNvSpPr>
+            <a:spLocks noGrp="1"/>
+          </p:cNvSpPr>
+          <p:nvPr>
+            <p:ph type="dt" sz="half" idx="10"/>
+          </p:nvPr>
+        </p:nvSpPr>
+        <p:spPr/>
+        <p:txBody>
+          <a:bodyPr/>
+          <a:lstStyle/>
+          <a:p>
+            <a:r>
+              <a:rPr lang="en-US"/>
+              <a:t>Whiteboard</a:t>
+            </a:r>
+          </a:p>
+        </p:txBody>
+      </p:sp>
+      <p:sp>
+        <p:nvSpPr>
+          <p:cNvPr id="3" name="Footer Placeholder 2">
+            <a:extLst>
+              <a:ext uri="{FF2B5EF4-FFF2-40B4-BE49-F238E27FC236}">
+                <a16:creationId xmlns:a16="http://schemas.microsoft.com/office/drawing/2014/main" id="{653E6E55-C7BC-4998-B176-7F121656A1D8}"/>
+              </a:ext>
+            </a:extLst>
+          </p:cNvPr>
+          <p:cNvSpPr>
+            <a:spLocks noGrp="1"/>
+          </p:cNvSpPr>
+          <p:nvPr>
+            <p:ph type="ftr" sz="quarter" idx="11"/>
+          </p:nvPr>
+        </p:nvSpPr>
+        <p:spPr/>
+        <p:txBody>
+          <a:bodyPr/>
+          <a:lstStyle/>
+          <a:p>
+            <a:r>
+              <a:rPr lang="en-US"/>
+              <a:t>JC</a:t>
+            </a:r>
+          </a:p>
+        </p:txBody>
+      </p:sp>
+      <p:sp>
+        <p:nvSpPr>
+          <p:cNvPr id="4" name="Slide Number Placeholder 3">
+            <a:extLst>
+              <a:ext uri="{FF2B5EF4-FFF2-40B4-BE49-F238E27FC236}">
+                <a16:creationId xmlns:a16="http://schemas.microsoft.com/office/drawing/2014/main" id="{79C81E5C-BB54-42F7-A736-E315B91AB41B}"/>
+              </a:ext>
+            </a:extLst>
+          </p:cNvPr>
+          <p:cNvSpPr>
+            <a:spLocks noGrp="1"/>
+          </p:cNvSpPr>
+          <p:nvPr>
+            <p:ph type="sldNum" sz="quarter" idx="12"/>
+          </p:nvPr>
+        </p:nvSpPr>
+        <p:spPr/>
+        <p:txBody>
+          <a:bodyPr/>
+          <a:lstStyle/>
+          <a:p>
+            <a:fld id="{B6F15528-21DE-4FAA-801E-634DDDAF4B2B}" type="slidenum">
+              <a:rPr lang="en-US" smtClean="0"/>
+              <a:t>2</a:t>
+            </a:fld>
+            <a:endParaRPr lang="en-US"/>
+          </a:p>
+        </p:txBody>
+      </p:sp>
+      <p:grpSp>
+        <p:nvGrpSpPr>
+          <p:cNvPr id="44" name="Group 43">
+            <a:extLst>
+              <a:ext uri="{FF2B5EF4-FFF2-40B4-BE49-F238E27FC236}">
+                <a16:creationId xmlns:a16="http://schemas.microsoft.com/office/drawing/2014/main" id="{DB1F58D5-E2E5-4A9E-A209-EF39A7D05CFE}"/>
+              </a:ext>
+            </a:extLst>
+          </p:cNvPr>
+          <p:cNvGrpSpPr/>
+          <p:nvPr/>
+        </p:nvGrpSpPr>
+        <p:grpSpPr>
+          <a:xfrm>
+            <a:off x="1692000" y="1269000"/>
+            <a:ext cx="3242203" cy="2016000"/>
+            <a:chOff x="1692000" y="1269000"/>
+            <a:chExt cx="3242203" cy="2016000"/>
+          </a:xfrm>
+        </p:grpSpPr>
+        <p:sp>
+          <p:nvSpPr>
+            <p:cNvPr id="5" name="Rectangle 4">
+              <a:extLst>
+                <a:ext uri="{FF2B5EF4-FFF2-40B4-BE49-F238E27FC236}">
+                  <a16:creationId xmlns:a16="http://schemas.microsoft.com/office/drawing/2014/main" id="{490CAB25-8B1F-41E8-8419-68D0D12CEB29}"/>
+                </a:ext>
+              </a:extLst>
+            </p:cNvPr>
+            <p:cNvSpPr/>
+            <p:nvPr/>
+          </p:nvSpPr>
+          <p:spPr>
+            <a:xfrm>
+              <a:off x="1692000" y="1269000"/>
+              <a:ext cx="2895600" cy="1080000"/>
+            </a:xfrm>
+            <a:prstGeom prst="rect">
+              <a:avLst/>
+            </a:prstGeom>
+            <a:solidFill>
+              <a:schemeClr val="tx2">
+                <a:lumMod val="20000"/>
+                <a:lumOff val="80000"/>
+              </a:schemeClr>
+            </a:solidFill>
+            <a:ln w="19050">
+              <a:solidFill>
+                <a:schemeClr val="accent1"/>
+              </a:solidFill>
+            </a:ln>
+          </p:spPr>
+          <p:style>
+            <a:lnRef idx="2">
+              <a:schemeClr val="accent1">
+                <a:shade val="50000"/>
+              </a:schemeClr>
+            </a:lnRef>
+            <a:fillRef idx="1">
+              <a:schemeClr val="accent1"/>
+            </a:fillRef>
+            <a:effectRef idx="0">
+              <a:schemeClr val="accent1"/>
+            </a:effectRef>
+            <a:fontRef idx="minor">
+              <a:schemeClr val="lt1"/>
+            </a:fontRef>
+          </p:style>
+          <p:txBody>
+            <a:bodyPr rtlCol="0" anchor="ctr"/>
+            <a:lstStyle/>
+            <a:p>
+              <a:pPr algn="ctr"/>
+              <a:endParaRPr lang="ca-ES"/>
+            </a:p>
+          </p:txBody>
+        </p:sp>
+        <p:sp>
+          <p:nvSpPr>
+            <p:cNvPr id="6" name="Rectangle 5">
+              <a:extLst>
+                <a:ext uri="{FF2B5EF4-FFF2-40B4-BE49-F238E27FC236}">
+                  <a16:creationId xmlns:a16="http://schemas.microsoft.com/office/drawing/2014/main" id="{639A4CD4-31E3-4929-9699-C66910CE2FD8}"/>
+                </a:ext>
+              </a:extLst>
+            </p:cNvPr>
+            <p:cNvSpPr/>
+            <p:nvPr/>
+          </p:nvSpPr>
+          <p:spPr>
+            <a:xfrm>
+              <a:off x="3564000" y="1917000"/>
+              <a:ext cx="1368000" cy="1368000"/>
+            </a:xfrm>
+            <a:prstGeom prst="rect">
+              <a:avLst/>
+            </a:prstGeom>
+            <a:solidFill>
+              <a:srgbClr val="CCFFCC"/>
+            </a:solidFill>
+            <a:ln w="19050">
+              <a:solidFill>
+                <a:srgbClr val="92D050"/>
+              </a:solidFill>
+            </a:ln>
+          </p:spPr>
+          <p:style>
+            <a:lnRef idx="2">
+              <a:schemeClr val="accent1">
+                <a:shade val="50000"/>
+              </a:schemeClr>
+            </a:lnRef>
+            <a:fillRef idx="1">
+              <a:schemeClr val="accent1"/>
+            </a:fillRef>
+            <a:effectRef idx="0">
+              <a:schemeClr val="accent1"/>
+            </a:effectRef>
+            <a:fontRef idx="minor">
+              <a:schemeClr val="lt1"/>
+            </a:fontRef>
+          </p:style>
+          <p:txBody>
+            <a:bodyPr rtlCol="0" anchor="ctr"/>
+            <a:lstStyle/>
+            <a:p>
+              <a:pPr algn="ctr"/>
+              <a:endParaRPr lang="ca-ES"/>
+            </a:p>
+          </p:txBody>
+        </p:sp>
+        <p:sp>
+          <p:nvSpPr>
+            <p:cNvPr id="7" name="Oval 6">
+              <a:extLst>
+                <a:ext uri="{FF2B5EF4-FFF2-40B4-BE49-F238E27FC236}">
+                  <a16:creationId xmlns:a16="http://schemas.microsoft.com/office/drawing/2014/main" id="{7FBEE76E-2E6E-4A1A-BA52-201ECEDBB3DA}"/>
+                </a:ext>
+              </a:extLst>
+            </p:cNvPr>
+            <p:cNvSpPr/>
+            <p:nvPr/>
+          </p:nvSpPr>
+          <p:spPr>
+            <a:xfrm>
+              <a:off x="3124159" y="1793562"/>
+              <a:ext cx="36000" cy="36000"/>
+            </a:xfrm>
+            <a:prstGeom prst="ellipse">
+              <a:avLst/>
+            </a:prstGeom>
+            <a:solidFill>
+              <a:schemeClr val="tx1"/>
+            </a:solidFill>
+            <a:ln>
+              <a:solidFill>
+                <a:schemeClr val="tx1"/>
+              </a:solidFill>
+            </a:ln>
+          </p:spPr>
+          <p:style>
+            <a:lnRef idx="2">
+              <a:schemeClr val="accent1">
+                <a:shade val="50000"/>
+              </a:schemeClr>
+            </a:lnRef>
+            <a:fillRef idx="1">
+              <a:schemeClr val="accent1"/>
+            </a:fillRef>
+            <a:effectRef idx="0">
+              <a:schemeClr val="accent1"/>
+            </a:effectRef>
+            <a:fontRef idx="minor">
+              <a:schemeClr val="lt1"/>
+            </a:fontRef>
+          </p:style>
+          <p:txBody>
+            <a:bodyPr rtlCol="0" anchor="ctr"/>
+            <a:lstStyle/>
+            <a:p>
+              <a:pPr algn="ctr"/>
+              <a:endParaRPr lang="ca-ES"/>
+            </a:p>
+          </p:txBody>
+        </p:sp>
+        <p:cxnSp>
+          <p:nvCxnSpPr>
+            <p:cNvPr id="9" name="Straight Connector 8">
+              <a:extLst>
+                <a:ext uri="{FF2B5EF4-FFF2-40B4-BE49-F238E27FC236}">
+                  <a16:creationId xmlns:a16="http://schemas.microsoft.com/office/drawing/2014/main" id="{BC68761A-A4E2-435D-8DD0-BAD816E3FDA0}"/>
+                </a:ext>
+              </a:extLst>
+            </p:cNvPr>
+            <p:cNvCxnSpPr>
+              <a:stCxn id="5" idx="1"/>
+              <a:endCxn id="5" idx="3"/>
+            </p:cNvCxnSpPr>
+            <p:nvPr/>
+          </p:nvCxnSpPr>
+          <p:spPr>
+            <a:xfrm>
+              <a:off x="1692000" y="1809000"/>
+              <a:ext cx="2895600" cy="0"/>
+            </a:xfrm>
+            <a:prstGeom prst="line">
+              <a:avLst/>
+            </a:prstGeom>
+            <a:ln w="9525">
+              <a:solidFill>
+                <a:schemeClr val="tx1"/>
+              </a:solidFill>
+              <a:prstDash val="sysDot"/>
+            </a:ln>
+          </p:spPr>
+          <p:style>
+            <a:lnRef idx="1">
+              <a:schemeClr val="accent1"/>
+            </a:lnRef>
+            <a:fillRef idx="0">
+              <a:schemeClr val="accent1"/>
+            </a:fillRef>
+            <a:effectRef idx="0">
+              <a:schemeClr val="accent1"/>
+            </a:effectRef>
+            <a:fontRef idx="minor">
+              <a:schemeClr val="tx1"/>
+            </a:fontRef>
+          </p:style>
+        </p:cxnSp>
+        <p:cxnSp>
+          <p:nvCxnSpPr>
+            <p:cNvPr id="10" name="Straight Connector 9">
+              <a:extLst>
+                <a:ext uri="{FF2B5EF4-FFF2-40B4-BE49-F238E27FC236}">
+                  <a16:creationId xmlns:a16="http://schemas.microsoft.com/office/drawing/2014/main" id="{0DF024AF-AA2F-4C41-B728-9E9490111FA9}"/>
+                </a:ext>
+              </a:extLst>
+            </p:cNvPr>
+            <p:cNvCxnSpPr>
+              <a:cxnSpLocks/>
+              <a:stCxn id="5" idx="2"/>
+              <a:endCxn id="5" idx="0"/>
+            </p:cNvCxnSpPr>
+            <p:nvPr/>
+          </p:nvCxnSpPr>
+          <p:spPr>
+            <a:xfrm flipV="1">
+              <a:off x="3139800" y="1269000"/>
+              <a:ext cx="0" cy="1080000"/>
+            </a:xfrm>
+            <a:prstGeom prst="line">
+              <a:avLst/>
+            </a:prstGeom>
+            <a:ln w="9525">
+              <a:solidFill>
+                <a:schemeClr val="tx1"/>
+              </a:solidFill>
+              <a:prstDash val="sysDot"/>
+            </a:ln>
+          </p:spPr>
+          <p:style>
+            <a:lnRef idx="1">
+              <a:schemeClr val="accent1"/>
+            </a:lnRef>
+            <a:fillRef idx="0">
+              <a:schemeClr val="accent1"/>
+            </a:fillRef>
+            <a:effectRef idx="0">
+              <a:schemeClr val="accent1"/>
+            </a:effectRef>
+            <a:fontRef idx="minor">
+              <a:schemeClr val="tx1"/>
+            </a:fontRef>
+          </p:style>
+        </p:cxnSp>
+        <p:cxnSp>
+          <p:nvCxnSpPr>
+            <p:cNvPr id="19" name="Straight Connector 18">
+              <a:extLst>
+                <a:ext uri="{FF2B5EF4-FFF2-40B4-BE49-F238E27FC236}">
+                  <a16:creationId xmlns:a16="http://schemas.microsoft.com/office/drawing/2014/main" id="{DB5DA554-E024-4056-A1C4-F0A4FD291B0B}"/>
+                </a:ext>
+              </a:extLst>
+            </p:cNvPr>
+            <p:cNvCxnSpPr>
+              <a:cxnSpLocks/>
+              <a:stCxn id="6" idx="1"/>
+              <a:endCxn id="6" idx="3"/>
+            </p:cNvCxnSpPr>
+            <p:nvPr/>
+          </p:nvCxnSpPr>
+          <p:spPr>
+            <a:xfrm>
+              <a:off x="3564000" y="2601000"/>
+              <a:ext cx="1368000" cy="0"/>
+            </a:xfrm>
+            <a:prstGeom prst="line">
+              <a:avLst/>
+            </a:prstGeom>
+            <a:ln w="9525">
+              <a:solidFill>
+                <a:schemeClr val="tx1"/>
+              </a:solidFill>
+              <a:prstDash val="sysDot"/>
+            </a:ln>
+          </p:spPr>
+          <p:style>
+            <a:lnRef idx="1">
+              <a:schemeClr val="accent1"/>
+            </a:lnRef>
+            <a:fillRef idx="0">
+              <a:schemeClr val="accent1"/>
+            </a:fillRef>
+            <a:effectRef idx="0">
+              <a:schemeClr val="accent1"/>
+            </a:effectRef>
+            <a:fontRef idx="minor">
+              <a:schemeClr val="tx1"/>
+            </a:fontRef>
+          </p:style>
+        </p:cxnSp>
+        <p:sp>
+          <p:nvSpPr>
+            <p:cNvPr id="22" name="Rectangle 21">
+              <a:extLst>
+                <a:ext uri="{FF2B5EF4-FFF2-40B4-BE49-F238E27FC236}">
+                  <a16:creationId xmlns:a16="http://schemas.microsoft.com/office/drawing/2014/main" id="{B7FAA36B-3A21-4911-A13E-488A56672A03}"/>
+                </a:ext>
+              </a:extLst>
+            </p:cNvPr>
+            <p:cNvSpPr/>
+            <p:nvPr/>
+          </p:nvSpPr>
+          <p:spPr>
+            <a:xfrm>
+              <a:off x="3564000" y="1917000"/>
+              <a:ext cx="1023599" cy="431967"/>
+            </a:xfrm>
+            <a:prstGeom prst="rect">
+              <a:avLst/>
+            </a:prstGeom>
+            <a:solidFill>
+              <a:srgbClr val="FFC000"/>
+            </a:solidFill>
+            <a:ln w="19050">
+              <a:solidFill>
+                <a:schemeClr val="tx1"/>
+              </a:solidFill>
+            </a:ln>
+          </p:spPr>
+          <p:style>
+            <a:lnRef idx="2">
+              <a:schemeClr val="accent1">
+                <a:shade val="50000"/>
+              </a:schemeClr>
+            </a:lnRef>
+            <a:fillRef idx="1">
+              <a:schemeClr val="accent1"/>
+            </a:fillRef>
+            <a:effectRef idx="0">
+              <a:schemeClr val="accent1"/>
+            </a:effectRef>
+            <a:fontRef idx="minor">
+              <a:schemeClr val="lt1"/>
+            </a:fontRef>
+          </p:style>
+          <p:txBody>
+            <a:bodyPr rtlCol="0" anchor="ctr"/>
+            <a:lstStyle/>
+            <a:p>
+              <a:pPr algn="ctr"/>
+              <a:endParaRPr lang="ca-ES"/>
+            </a:p>
+          </p:txBody>
+        </p:sp>
+        <p:cxnSp>
+          <p:nvCxnSpPr>
+            <p:cNvPr id="16" name="Straight Connector 15">
+              <a:extLst>
+                <a:ext uri="{FF2B5EF4-FFF2-40B4-BE49-F238E27FC236}">
+                  <a16:creationId xmlns:a16="http://schemas.microsoft.com/office/drawing/2014/main" id="{6E46DCE4-A2A5-41F4-854A-DF8B0A53A8A2}"/>
+                </a:ext>
+              </a:extLst>
+            </p:cNvPr>
+            <p:cNvCxnSpPr>
+              <a:cxnSpLocks/>
+              <a:stCxn id="6" idx="2"/>
+              <a:endCxn id="6" idx="0"/>
+            </p:cNvCxnSpPr>
+            <p:nvPr/>
+          </p:nvCxnSpPr>
+          <p:spPr>
+            <a:xfrm flipV="1">
+              <a:off x="4248000" y="1917000"/>
+              <a:ext cx="0" cy="1368000"/>
+            </a:xfrm>
+            <a:prstGeom prst="line">
+              <a:avLst/>
+            </a:prstGeom>
+            <a:ln w="9525">
+              <a:solidFill>
+                <a:schemeClr val="tx1"/>
+              </a:solidFill>
+              <a:prstDash val="sysDot"/>
+            </a:ln>
+          </p:spPr>
+          <p:style>
+            <a:lnRef idx="1">
+              <a:schemeClr val="accent1"/>
+            </a:lnRef>
+            <a:fillRef idx="0">
+              <a:schemeClr val="accent1"/>
+            </a:fillRef>
+            <a:effectRef idx="0">
+              <a:schemeClr val="accent1"/>
+            </a:effectRef>
+            <a:fontRef idx="minor">
+              <a:schemeClr val="tx1"/>
+            </a:fontRef>
+          </p:style>
+        </p:cxnSp>
+        <mc:AlternateContent xmlns:mc="http://schemas.openxmlformats.org/markup-compatibility/2006">
+          <mc:Choice xmlns:a14="http://schemas.microsoft.com/office/drawing/2010/main" Requires="a14">
+            <p:sp>
+              <p:nvSpPr>
+                <p:cNvPr id="24" name="TextBox 23">
+                  <a:extLst>
+                    <a:ext uri="{FF2B5EF4-FFF2-40B4-BE49-F238E27FC236}">
+                      <a16:creationId xmlns:a16="http://schemas.microsoft.com/office/drawing/2014/main" id="{FAFC57C7-A862-40AC-835A-80F839289E0E}"/>
+                    </a:ext>
+                  </a:extLst>
+                </p:cNvPr>
+                <p:cNvSpPr txBox="1"/>
+                <p:nvPr/>
+              </p:nvSpPr>
+              <p:spPr>
+                <a:xfrm>
+                  <a:off x="3060000" y="1518793"/>
+                  <a:ext cx="382349" cy="307777"/>
+                </a:xfrm>
+                <a:prstGeom prst="rect">
+                  <a:avLst/>
+                </a:prstGeom>
+                <a:noFill/>
+              </p:spPr>
+              <p:txBody>
+                <a:bodyPr wrap="none" rtlCol="0">
+                  <a:spAutoFit/>
+                </a:bodyPr>
+                <a:lstStyle/>
+                <a:p>
+                  <a14:m>
+                    <m:oMathPara xmlns:m="http://schemas.openxmlformats.org/officeDocument/2006/math">
+                      <m:oMathParaPr>
+                        <m:jc m:val="centerGroup"/>
+                      </m:oMathParaPr>
+                      <m:oMath xmlns:m="http://schemas.openxmlformats.org/officeDocument/2006/math">
+                        <m:sSub>
+                          <m:sSubPr>
+                            <m:ctrlPr>
+                              <a:rPr lang="en-US" sz="1400" b="0" i="1" smtClean="0">
+                                <a:latin typeface="Cambria Math" panose="02040503050406030204" pitchFamily="18" charset="0"/>
+                              </a:rPr>
+                            </m:ctrlPr>
+                          </m:sSubPr>
+                          <m:e>
+                            <m:r>
+                              <a:rPr lang="en-US" sz="1400" b="0" i="1" smtClean="0">
+                                <a:latin typeface="Cambria Math" panose="02040503050406030204" pitchFamily="18" charset="0"/>
+                              </a:rPr>
+                              <m:t>𝑐</m:t>
+                            </m:r>
+                          </m:e>
+                          <m:sub>
+                            <m:r>
+                              <a:rPr lang="en-US" sz="1400" b="0" i="1" smtClean="0">
+                                <a:latin typeface="Cambria Math" panose="02040503050406030204" pitchFamily="18" charset="0"/>
+                              </a:rPr>
+                              <m:t>1</m:t>
+                            </m:r>
+                          </m:sub>
+                        </m:sSub>
+                      </m:oMath>
+                    </m:oMathPara>
+                  </a14:m>
+                  <a:endParaRPr lang="ca-ES" sz="1400" dirty="0"/>
+                </a:p>
+              </p:txBody>
+            </p:sp>
+          </mc:Choice>
+          <mc:Fallback>
+            <p:sp>
+              <p:nvSpPr>
+                <p:cNvPr id="24" name="TextBox 23">
+                  <a:extLst>
+                    <a:ext uri="{FF2B5EF4-FFF2-40B4-BE49-F238E27FC236}">
+                      <a16:creationId xmlns:a16="http://schemas.microsoft.com/office/drawing/2014/main" id="{FAFC57C7-A862-40AC-835A-80F839289E0E}"/>
+                    </a:ext>
+                  </a:extLst>
+                </p:cNvPr>
+                <p:cNvSpPr txBox="1">
+                  <a:spLocks noRot="1" noChangeAspect="1" noMove="1" noResize="1" noEditPoints="1" noAdjustHandles="1" noChangeArrowheads="1" noChangeShapeType="1" noTextEdit="1"/>
+                </p:cNvSpPr>
+                <p:nvPr/>
+              </p:nvSpPr>
+              <p:spPr>
+                <a:xfrm>
+                  <a:off x="3060000" y="1518793"/>
+                  <a:ext cx="382349" cy="307777"/>
+                </a:xfrm>
+                <a:prstGeom prst="rect">
+                  <a:avLst/>
+                </a:prstGeom>
+                <a:blipFill>
+                  <a:blip r:embed="rId2"/>
+                  <a:stretch>
+                    <a:fillRect/>
+                  </a:stretch>
+                </a:blipFill>
+              </p:spPr>
+              <p:txBody>
+                <a:bodyPr/>
+                <a:lstStyle/>
+                <a:p>
+                  <a:r>
+                    <a:rPr lang="ca-ES">
+                      <a:noFill/>
+                    </a:rPr>
+                    <a:t> </a:t>
+                  </a:r>
+                </a:p>
+              </p:txBody>
+            </p:sp>
+          </mc:Fallback>
+        </mc:AlternateContent>
+        <mc:AlternateContent xmlns:mc="http://schemas.openxmlformats.org/markup-compatibility/2006">
+          <mc:Choice xmlns:a14="http://schemas.microsoft.com/office/drawing/2010/main" Requires="a14">
+            <p:sp>
+              <p:nvSpPr>
+                <p:cNvPr id="25" name="TextBox 24">
+                  <a:extLst>
+                    <a:ext uri="{FF2B5EF4-FFF2-40B4-BE49-F238E27FC236}">
+                      <a16:creationId xmlns:a16="http://schemas.microsoft.com/office/drawing/2014/main" id="{F58AB668-98C8-49BB-A453-75BA8A048E16}"/>
+                    </a:ext>
+                  </a:extLst>
+                </p:cNvPr>
+                <p:cNvSpPr txBox="1"/>
+                <p:nvPr/>
+              </p:nvSpPr>
+              <p:spPr>
+                <a:xfrm>
+                  <a:off x="4154560" y="2507367"/>
+                  <a:ext cx="386516" cy="307777"/>
+                </a:xfrm>
+                <a:prstGeom prst="rect">
+                  <a:avLst/>
+                </a:prstGeom>
+                <a:noFill/>
+              </p:spPr>
+              <p:txBody>
+                <a:bodyPr wrap="none" rtlCol="0">
+                  <a:spAutoFit/>
+                </a:bodyPr>
+                <a:lstStyle/>
+                <a:p>
+                  <a14:m>
+                    <m:oMathPara xmlns:m="http://schemas.openxmlformats.org/officeDocument/2006/math">
+                      <m:oMathParaPr>
+                        <m:jc m:val="centerGroup"/>
+                      </m:oMathParaPr>
+                      <m:oMath xmlns:m="http://schemas.openxmlformats.org/officeDocument/2006/math">
+                        <m:sSub>
+                          <m:sSubPr>
+                            <m:ctrlPr>
+                              <a:rPr lang="en-US" sz="1400" b="0" i="1" smtClean="0">
+                                <a:latin typeface="Cambria Math" panose="02040503050406030204" pitchFamily="18" charset="0"/>
+                              </a:rPr>
+                            </m:ctrlPr>
+                          </m:sSubPr>
+                          <m:e>
+                            <m:r>
+                              <a:rPr lang="en-US" sz="1400" b="0" i="1" smtClean="0">
+                                <a:latin typeface="Cambria Math" panose="02040503050406030204" pitchFamily="18" charset="0"/>
+                              </a:rPr>
+                              <m:t>𝑐</m:t>
+                            </m:r>
+                          </m:e>
+                          <m:sub>
+                            <m:r>
+                              <a:rPr lang="en-US" sz="1400" b="0" i="1" smtClean="0">
+                                <a:latin typeface="Cambria Math" panose="02040503050406030204" pitchFamily="18" charset="0"/>
+                              </a:rPr>
+                              <m:t>2</m:t>
+                            </m:r>
+                          </m:sub>
+                        </m:sSub>
+                      </m:oMath>
+                    </m:oMathPara>
+                  </a14:m>
+                  <a:endParaRPr lang="ca-ES" sz="1400" dirty="0"/>
+                </a:p>
+              </p:txBody>
+            </p:sp>
+          </mc:Choice>
+          <mc:Fallback>
+            <p:sp>
+              <p:nvSpPr>
+                <p:cNvPr id="25" name="TextBox 24">
+                  <a:extLst>
+                    <a:ext uri="{FF2B5EF4-FFF2-40B4-BE49-F238E27FC236}">
+                      <a16:creationId xmlns:a16="http://schemas.microsoft.com/office/drawing/2014/main" id="{F58AB668-98C8-49BB-A453-75BA8A048E16}"/>
+                    </a:ext>
+                  </a:extLst>
+                </p:cNvPr>
+                <p:cNvSpPr txBox="1">
+                  <a:spLocks noRot="1" noChangeAspect="1" noMove="1" noResize="1" noEditPoints="1" noAdjustHandles="1" noChangeArrowheads="1" noChangeShapeType="1" noTextEdit="1"/>
+                </p:cNvSpPr>
+                <p:nvPr/>
+              </p:nvSpPr>
+              <p:spPr>
+                <a:xfrm>
+                  <a:off x="4154560" y="2507367"/>
+                  <a:ext cx="386516" cy="307777"/>
+                </a:xfrm>
+                <a:prstGeom prst="rect">
+                  <a:avLst/>
+                </a:prstGeom>
+                <a:blipFill>
+                  <a:blip r:embed="rId3"/>
+                  <a:stretch>
+                    <a:fillRect/>
+                  </a:stretch>
+                </a:blipFill>
+              </p:spPr>
+              <p:txBody>
+                <a:bodyPr/>
+                <a:lstStyle/>
+                <a:p>
+                  <a:r>
+                    <a:rPr lang="ca-ES">
+                      <a:noFill/>
+                    </a:rPr>
+                    <a:t> </a:t>
+                  </a:r>
+                </a:p>
+              </p:txBody>
+            </p:sp>
+          </mc:Fallback>
+        </mc:AlternateContent>
+        <mc:AlternateContent xmlns:mc="http://schemas.openxmlformats.org/markup-compatibility/2006">
+          <mc:Choice xmlns:a14="http://schemas.microsoft.com/office/drawing/2010/main" Requires="a14">
+            <p:sp>
+              <p:nvSpPr>
+                <p:cNvPr id="26" name="TextBox 25">
+                  <a:extLst>
+                    <a:ext uri="{FF2B5EF4-FFF2-40B4-BE49-F238E27FC236}">
+                      <a16:creationId xmlns:a16="http://schemas.microsoft.com/office/drawing/2014/main" id="{7364F6C8-332C-4A04-BA92-D51214E7F449}"/>
+                    </a:ext>
+                  </a:extLst>
+                </p:cNvPr>
+                <p:cNvSpPr txBox="1"/>
+                <p:nvPr/>
+              </p:nvSpPr>
+              <p:spPr>
+                <a:xfrm>
+                  <a:off x="1701271" y="1279252"/>
+                  <a:ext cx="483081" cy="369332"/>
+                </a:xfrm>
+                <a:prstGeom prst="rect">
+                  <a:avLst/>
+                </a:prstGeom>
+                <a:noFill/>
+              </p:spPr>
+              <p:txBody>
+                <a:bodyPr wrap="none" rtlCol="0">
+                  <a:spAutoFit/>
+                </a:bodyPr>
+                <a:lstStyle/>
+                <a:p>
+                  <a14:m>
+                    <m:oMathPara xmlns:m="http://schemas.openxmlformats.org/officeDocument/2006/math">
+                      <m:oMathParaPr>
+                        <m:jc m:val="centerGroup"/>
+                      </m:oMathParaPr>
+                      <m:oMath xmlns:m="http://schemas.openxmlformats.org/officeDocument/2006/math">
+                        <m:sSub>
+                          <m:sSubPr>
+                            <m:ctrlPr>
+                              <a:rPr lang="en-US" b="0" i="1" smtClean="0">
+                                <a:latin typeface="Cambria Math" panose="02040503050406030204" pitchFamily="18" charset="0"/>
+                              </a:rPr>
+                            </m:ctrlPr>
+                          </m:sSubPr>
+                          <m:e>
+                            <m:r>
+                              <a:rPr lang="en-US" b="0" i="1" smtClean="0">
+                                <a:latin typeface="Cambria Math" panose="02040503050406030204" pitchFamily="18" charset="0"/>
+                              </a:rPr>
+                              <m:t>𝑅</m:t>
+                            </m:r>
+                          </m:e>
+                          <m:sub>
+                            <m:r>
+                              <a:rPr lang="en-US" b="0" i="1" smtClean="0">
+                                <a:latin typeface="Cambria Math" panose="02040503050406030204" pitchFamily="18" charset="0"/>
+                              </a:rPr>
+                              <m:t>1</m:t>
+                            </m:r>
+                          </m:sub>
+                        </m:sSub>
+                      </m:oMath>
+                    </m:oMathPara>
+                  </a14:m>
+                  <a:endParaRPr lang="ca-ES" dirty="0"/>
+                </a:p>
+              </p:txBody>
+            </p:sp>
+          </mc:Choice>
+          <mc:Fallback>
+            <p:sp>
+              <p:nvSpPr>
+                <p:cNvPr id="26" name="TextBox 25">
+                  <a:extLst>
+                    <a:ext uri="{FF2B5EF4-FFF2-40B4-BE49-F238E27FC236}">
+                      <a16:creationId xmlns:a16="http://schemas.microsoft.com/office/drawing/2014/main" id="{7364F6C8-332C-4A04-BA92-D51214E7F449}"/>
+                    </a:ext>
+                  </a:extLst>
+                </p:cNvPr>
+                <p:cNvSpPr txBox="1">
+                  <a:spLocks noRot="1" noChangeAspect="1" noMove="1" noResize="1" noEditPoints="1" noAdjustHandles="1" noChangeArrowheads="1" noChangeShapeType="1" noTextEdit="1"/>
+                </p:cNvSpPr>
+                <p:nvPr/>
+              </p:nvSpPr>
+              <p:spPr>
+                <a:xfrm>
+                  <a:off x="1701271" y="1279252"/>
+                  <a:ext cx="483081" cy="369332"/>
+                </a:xfrm>
+                <a:prstGeom prst="rect">
+                  <a:avLst/>
+                </a:prstGeom>
+                <a:blipFill>
+                  <a:blip r:embed="rId4"/>
+                  <a:stretch>
+                    <a:fillRect/>
+                  </a:stretch>
+                </a:blipFill>
+              </p:spPr>
+              <p:txBody>
+                <a:bodyPr/>
+                <a:lstStyle/>
+                <a:p>
+                  <a:r>
+                    <a:rPr lang="ca-ES">
+                      <a:noFill/>
+                    </a:rPr>
+                    <a:t> </a:t>
+                  </a:r>
+                </a:p>
+              </p:txBody>
+            </p:sp>
+          </mc:Fallback>
+        </mc:AlternateContent>
+        <mc:AlternateContent xmlns:mc="http://schemas.openxmlformats.org/markup-compatibility/2006">
+          <mc:Choice xmlns:a14="http://schemas.microsoft.com/office/drawing/2010/main" Requires="a14">
+            <p:sp>
+              <p:nvSpPr>
+                <p:cNvPr id="27" name="TextBox 26">
+                  <a:extLst>
+                    <a:ext uri="{FF2B5EF4-FFF2-40B4-BE49-F238E27FC236}">
+                      <a16:creationId xmlns:a16="http://schemas.microsoft.com/office/drawing/2014/main" id="{299A1FC4-FA15-4693-BE9B-A787E4CA896E}"/>
+                    </a:ext>
+                  </a:extLst>
+                </p:cNvPr>
+                <p:cNvSpPr txBox="1"/>
+                <p:nvPr/>
+              </p:nvSpPr>
+              <p:spPr>
+                <a:xfrm>
+                  <a:off x="4439648" y="2909407"/>
+                  <a:ext cx="488402" cy="369332"/>
+                </a:xfrm>
+                <a:prstGeom prst="rect">
+                  <a:avLst/>
+                </a:prstGeom>
+                <a:noFill/>
+              </p:spPr>
+              <p:txBody>
+                <a:bodyPr wrap="none" rtlCol="0">
+                  <a:spAutoFit/>
+                </a:bodyPr>
+                <a:lstStyle/>
+                <a:p>
+                  <a14:m>
+                    <m:oMathPara xmlns:m="http://schemas.openxmlformats.org/officeDocument/2006/math">
+                      <m:oMathParaPr>
+                        <m:jc m:val="centerGroup"/>
+                      </m:oMathParaPr>
+                      <m:oMath xmlns:m="http://schemas.openxmlformats.org/officeDocument/2006/math">
+                        <m:sSub>
+                          <m:sSubPr>
+                            <m:ctrlPr>
+                              <a:rPr lang="en-US" b="0" i="1" smtClean="0">
+                                <a:latin typeface="Cambria Math" panose="02040503050406030204" pitchFamily="18" charset="0"/>
+                              </a:rPr>
+                            </m:ctrlPr>
+                          </m:sSubPr>
+                          <m:e>
+                            <m:r>
+                              <a:rPr lang="en-US" b="0" i="1" smtClean="0">
+                                <a:latin typeface="Cambria Math" panose="02040503050406030204" pitchFamily="18" charset="0"/>
+                              </a:rPr>
+                              <m:t>𝑅</m:t>
+                            </m:r>
+                          </m:e>
+                          <m:sub>
+                            <m:r>
+                              <a:rPr lang="en-US" b="0" i="1" smtClean="0">
+                                <a:latin typeface="Cambria Math" panose="02040503050406030204" pitchFamily="18" charset="0"/>
+                              </a:rPr>
+                              <m:t>2</m:t>
+                            </m:r>
+                          </m:sub>
+                        </m:sSub>
+                      </m:oMath>
+                    </m:oMathPara>
+                  </a14:m>
+                  <a:endParaRPr lang="ca-ES" dirty="0"/>
+                </a:p>
+              </p:txBody>
+            </p:sp>
+          </mc:Choice>
+          <mc:Fallback>
+            <p:sp>
+              <p:nvSpPr>
+                <p:cNvPr id="27" name="TextBox 26">
+                  <a:extLst>
+                    <a:ext uri="{FF2B5EF4-FFF2-40B4-BE49-F238E27FC236}">
+                      <a16:creationId xmlns:a16="http://schemas.microsoft.com/office/drawing/2014/main" id="{299A1FC4-FA15-4693-BE9B-A787E4CA896E}"/>
+                    </a:ext>
+                  </a:extLst>
+                </p:cNvPr>
+                <p:cNvSpPr txBox="1">
+                  <a:spLocks noRot="1" noChangeAspect="1" noMove="1" noResize="1" noEditPoints="1" noAdjustHandles="1" noChangeArrowheads="1" noChangeShapeType="1" noTextEdit="1"/>
+                </p:cNvSpPr>
+                <p:nvPr/>
+              </p:nvSpPr>
+              <p:spPr>
+                <a:xfrm>
+                  <a:off x="4439648" y="2909407"/>
+                  <a:ext cx="488402" cy="369332"/>
+                </a:xfrm>
+                <a:prstGeom prst="rect">
+                  <a:avLst/>
+                </a:prstGeom>
+                <a:blipFill>
+                  <a:blip r:embed="rId5"/>
+                  <a:stretch>
+                    <a:fillRect/>
+                  </a:stretch>
+                </a:blipFill>
+              </p:spPr>
+              <p:txBody>
+                <a:bodyPr/>
+                <a:lstStyle/>
+                <a:p>
+                  <a:r>
+                    <a:rPr lang="ca-ES">
+                      <a:noFill/>
+                    </a:rPr>
+                    <a:t> </a:t>
+                  </a:r>
+                </a:p>
+              </p:txBody>
+            </p:sp>
+          </mc:Fallback>
+        </mc:AlternateContent>
+        <p:cxnSp>
+          <p:nvCxnSpPr>
+            <p:cNvPr id="29" name="Straight Arrow Connector 28">
+              <a:extLst>
+                <a:ext uri="{FF2B5EF4-FFF2-40B4-BE49-F238E27FC236}">
+                  <a16:creationId xmlns:a16="http://schemas.microsoft.com/office/drawing/2014/main" id="{9989E6E7-19E1-4C03-A66C-0EEDC9549016}"/>
+                </a:ext>
+              </a:extLst>
+            </p:cNvPr>
+            <p:cNvCxnSpPr>
+              <a:cxnSpLocks/>
+            </p:cNvCxnSpPr>
+            <p:nvPr/>
+          </p:nvCxnSpPr>
+          <p:spPr>
+            <a:xfrm>
+              <a:off x="3139778" y="1829562"/>
+              <a:ext cx="0" cy="769054"/>
+            </a:xfrm>
+            <a:prstGeom prst="straightConnector1">
+              <a:avLst/>
+            </a:prstGeom>
+            <a:ln w="19050">
+              <a:solidFill>
+                <a:schemeClr val="tx1"/>
+              </a:solidFill>
+              <a:headEnd type="triangle" w="sm" len="sm"/>
+              <a:tailEnd type="triangle" w="sm" len="sm"/>
+            </a:ln>
+          </p:spPr>
+          <p:style>
+            <a:lnRef idx="1">
+              <a:schemeClr val="accent1"/>
+            </a:lnRef>
+            <a:fillRef idx="0">
+              <a:schemeClr val="accent1"/>
+            </a:fillRef>
+            <a:effectRef idx="0">
+              <a:schemeClr val="accent1"/>
+            </a:effectRef>
+            <a:fontRef idx="minor">
+              <a:schemeClr val="tx1"/>
+            </a:fontRef>
+          </p:style>
+        </p:cxnSp>
+        <p:cxnSp>
+          <p:nvCxnSpPr>
+            <p:cNvPr id="31" name="Straight Arrow Connector 30">
+              <a:extLst>
+                <a:ext uri="{FF2B5EF4-FFF2-40B4-BE49-F238E27FC236}">
+                  <a16:creationId xmlns:a16="http://schemas.microsoft.com/office/drawing/2014/main" id="{C58C79D6-97D4-469D-9B10-0CC572C8E25A}"/>
+                </a:ext>
+              </a:extLst>
+            </p:cNvPr>
+            <p:cNvCxnSpPr>
+              <a:cxnSpLocks/>
+            </p:cNvCxnSpPr>
+            <p:nvPr/>
+          </p:nvCxnSpPr>
+          <p:spPr>
+            <a:xfrm flipH="1">
+              <a:off x="3139800" y="2600997"/>
+              <a:ext cx="1092584" cy="0"/>
+            </a:xfrm>
+            <a:prstGeom prst="straightConnector1">
+              <a:avLst/>
+            </a:prstGeom>
+            <a:ln w="19050">
+              <a:solidFill>
+                <a:schemeClr val="tx1"/>
+              </a:solidFill>
+              <a:headEnd type="triangle" w="sm" len="sm"/>
+              <a:tailEnd type="triangle" w="sm" len="sm"/>
+            </a:ln>
+          </p:spPr>
+          <p:style>
+            <a:lnRef idx="1">
+              <a:schemeClr val="accent1"/>
+            </a:lnRef>
+            <a:fillRef idx="0">
+              <a:schemeClr val="accent1"/>
+            </a:fillRef>
+            <a:effectRef idx="0">
+              <a:schemeClr val="accent1"/>
+            </a:effectRef>
+            <a:fontRef idx="minor">
+              <a:schemeClr val="tx1"/>
+            </a:fontRef>
+          </p:style>
+        </p:cxnSp>
+        <p:sp>
+          <p:nvSpPr>
+            <p:cNvPr id="23" name="Oval 22">
+              <a:extLst>
+                <a:ext uri="{FF2B5EF4-FFF2-40B4-BE49-F238E27FC236}">
+                  <a16:creationId xmlns:a16="http://schemas.microsoft.com/office/drawing/2014/main" id="{6FA69893-42B3-447B-98F6-984EBAADD7B6}"/>
+                </a:ext>
+              </a:extLst>
+            </p:cNvPr>
+            <p:cNvSpPr/>
+            <p:nvPr/>
+          </p:nvSpPr>
+          <p:spPr>
+            <a:xfrm>
+              <a:off x="4232384" y="2580616"/>
+              <a:ext cx="36000" cy="36000"/>
+            </a:xfrm>
+            <a:prstGeom prst="ellipse">
+              <a:avLst/>
+            </a:prstGeom>
+            <a:solidFill>
+              <a:schemeClr val="tx1"/>
+            </a:solidFill>
+            <a:ln>
+              <a:solidFill>
+                <a:schemeClr val="tx1"/>
+              </a:solidFill>
+            </a:ln>
+          </p:spPr>
+          <p:style>
+            <a:lnRef idx="2">
+              <a:schemeClr val="accent1">
+                <a:shade val="50000"/>
+              </a:schemeClr>
+            </a:lnRef>
+            <a:fillRef idx="1">
+              <a:schemeClr val="accent1"/>
+            </a:fillRef>
+            <a:effectRef idx="0">
+              <a:schemeClr val="accent1"/>
+            </a:effectRef>
+            <a:fontRef idx="minor">
+              <a:schemeClr val="lt1"/>
+            </a:fontRef>
+          </p:style>
+          <p:txBody>
+            <a:bodyPr rtlCol="0" anchor="ctr"/>
+            <a:lstStyle/>
+            <a:p>
+              <a:pPr algn="ctr"/>
+              <a:endParaRPr lang="ca-ES"/>
+            </a:p>
+          </p:txBody>
+        </p:sp>
+        <mc:AlternateContent xmlns:mc="http://schemas.openxmlformats.org/markup-compatibility/2006">
+          <mc:Choice xmlns:a14="http://schemas.microsoft.com/office/drawing/2010/main" Requires="a14">
+            <p:sp>
+              <p:nvSpPr>
+                <p:cNvPr id="38" name="TextBox 37">
+                  <a:extLst>
+                    <a:ext uri="{FF2B5EF4-FFF2-40B4-BE49-F238E27FC236}">
+                      <a16:creationId xmlns:a16="http://schemas.microsoft.com/office/drawing/2014/main" id="{BF60BC3C-FD6C-487A-9ECE-B57275B9F0BB}"/>
+                    </a:ext>
+                  </a:extLst>
+                </p:cNvPr>
+                <p:cNvSpPr txBox="1"/>
+                <p:nvPr/>
+              </p:nvSpPr>
+              <p:spPr>
+                <a:xfrm>
+                  <a:off x="2811006" y="1981550"/>
+                  <a:ext cx="409663" cy="324769"/>
+                </a:xfrm>
+                <a:prstGeom prst="rect">
+                  <a:avLst/>
+                </a:prstGeom>
+                <a:noFill/>
+              </p:spPr>
+              <p:txBody>
+                <a:bodyPr wrap="none" rtlCol="0">
+                  <a:spAutoFit/>
+                </a:bodyPr>
+                <a:lstStyle/>
+                <a:p>
+                  <a14:m>
+                    <m:oMathPara xmlns:m="http://schemas.openxmlformats.org/officeDocument/2006/math">
+                      <m:oMathParaPr>
+                        <m:jc m:val="centerGroup"/>
+                      </m:oMathParaPr>
+                      <m:oMath xmlns:m="http://schemas.openxmlformats.org/officeDocument/2006/math">
+                        <m:sSub>
+                          <m:sSubPr>
+                            <m:ctrlPr>
+                              <a:rPr lang="en-US" sz="1400" b="0" i="1" smtClean="0">
+                                <a:latin typeface="Cambria Math" panose="02040503050406030204" pitchFamily="18" charset="0"/>
+                              </a:rPr>
+                            </m:ctrlPr>
+                          </m:sSubPr>
+                          <m:e>
+                            <m:r>
+                              <a:rPr lang="en-US" sz="1400" b="0" i="1" smtClean="0">
+                                <a:latin typeface="Cambria Math" panose="02040503050406030204" pitchFamily="18" charset="0"/>
+                              </a:rPr>
+                              <m:t>𝛿</m:t>
+                            </m:r>
+                          </m:e>
+                          <m:sub>
+                            <m:r>
+                              <a:rPr lang="en-US" sz="1400" b="0" i="1" smtClean="0">
+                                <a:latin typeface="Cambria Math" panose="02040503050406030204" pitchFamily="18" charset="0"/>
+                              </a:rPr>
+                              <m:t>𝑦</m:t>
+                            </m:r>
+                          </m:sub>
+                        </m:sSub>
+                      </m:oMath>
+                    </m:oMathPara>
+                  </a14:m>
+                  <a:endParaRPr lang="ca-ES" sz="1400" dirty="0"/>
+                </a:p>
+              </p:txBody>
+            </p:sp>
+          </mc:Choice>
+          <mc:Fallback>
+            <p:sp>
+              <p:nvSpPr>
+                <p:cNvPr id="38" name="TextBox 37">
+                  <a:extLst>
+                    <a:ext uri="{FF2B5EF4-FFF2-40B4-BE49-F238E27FC236}">
+                      <a16:creationId xmlns:a16="http://schemas.microsoft.com/office/drawing/2014/main" id="{BF60BC3C-FD6C-487A-9ECE-B57275B9F0BB}"/>
+                    </a:ext>
+                  </a:extLst>
+                </p:cNvPr>
+                <p:cNvSpPr txBox="1">
+                  <a:spLocks noRot="1" noChangeAspect="1" noMove="1" noResize="1" noEditPoints="1" noAdjustHandles="1" noChangeArrowheads="1" noChangeShapeType="1" noTextEdit="1"/>
+                </p:cNvSpPr>
+                <p:nvPr/>
+              </p:nvSpPr>
+              <p:spPr>
+                <a:xfrm>
+                  <a:off x="2811006" y="1981550"/>
+                  <a:ext cx="409663" cy="324769"/>
+                </a:xfrm>
+                <a:prstGeom prst="rect">
+                  <a:avLst/>
+                </a:prstGeom>
+                <a:blipFill>
+                  <a:blip r:embed="rId6"/>
+                  <a:stretch>
+                    <a:fillRect/>
+                  </a:stretch>
+                </a:blipFill>
+              </p:spPr>
+              <p:txBody>
+                <a:bodyPr/>
+                <a:lstStyle/>
+                <a:p>
+                  <a:r>
+                    <a:rPr lang="ca-ES">
+                      <a:noFill/>
+                    </a:rPr>
+                    <a:t> </a:t>
+                  </a:r>
+                </a:p>
+              </p:txBody>
+            </p:sp>
+          </mc:Fallback>
+        </mc:AlternateContent>
+        <mc:AlternateContent xmlns:mc="http://schemas.openxmlformats.org/markup-compatibility/2006">
+          <mc:Choice xmlns:a14="http://schemas.microsoft.com/office/drawing/2010/main" Requires="a14">
+            <p:sp>
+              <p:nvSpPr>
+                <p:cNvPr id="39" name="TextBox 38">
+                  <a:extLst>
+                    <a:ext uri="{FF2B5EF4-FFF2-40B4-BE49-F238E27FC236}">
+                      <a16:creationId xmlns:a16="http://schemas.microsoft.com/office/drawing/2014/main" id="{8D4547EB-1C12-49E3-9B39-812BD8A06069}"/>
+                    </a:ext>
+                  </a:extLst>
+                </p:cNvPr>
+                <p:cNvSpPr txBox="1"/>
+                <p:nvPr/>
+              </p:nvSpPr>
+              <p:spPr>
+                <a:xfrm>
+                  <a:off x="3567327" y="2545567"/>
+                  <a:ext cx="403572" cy="307777"/>
+                </a:xfrm>
+                <a:prstGeom prst="rect">
+                  <a:avLst/>
+                </a:prstGeom>
+                <a:noFill/>
+              </p:spPr>
+              <p:txBody>
+                <a:bodyPr wrap="none" rtlCol="0">
+                  <a:spAutoFit/>
+                </a:bodyPr>
+                <a:lstStyle/>
+                <a:p>
+                  <a14:m>
+                    <m:oMathPara xmlns:m="http://schemas.openxmlformats.org/officeDocument/2006/math">
+                      <m:oMathParaPr>
+                        <m:jc m:val="centerGroup"/>
+                      </m:oMathParaPr>
+                      <m:oMath xmlns:m="http://schemas.openxmlformats.org/officeDocument/2006/math">
+                        <m:sSub>
+                          <m:sSubPr>
+                            <m:ctrlPr>
+                              <a:rPr lang="en-US" sz="1400" b="0" i="1" smtClean="0">
+                                <a:latin typeface="Cambria Math" panose="02040503050406030204" pitchFamily="18" charset="0"/>
+                              </a:rPr>
+                            </m:ctrlPr>
+                          </m:sSubPr>
+                          <m:e>
+                            <m:r>
+                              <a:rPr lang="en-US" sz="1400" b="0" i="1" smtClean="0">
+                                <a:latin typeface="Cambria Math" panose="02040503050406030204" pitchFamily="18" charset="0"/>
+                              </a:rPr>
+                              <m:t>𝛿</m:t>
+                            </m:r>
+                          </m:e>
+                          <m:sub>
+                            <m:r>
+                              <a:rPr lang="en-US" sz="1400" b="0" i="1" smtClean="0">
+                                <a:latin typeface="Cambria Math" panose="02040503050406030204" pitchFamily="18" charset="0"/>
+                              </a:rPr>
+                              <m:t>𝑥</m:t>
+                            </m:r>
+                          </m:sub>
+                        </m:sSub>
+                      </m:oMath>
+                    </m:oMathPara>
+                  </a14:m>
+                  <a:endParaRPr lang="ca-ES" sz="1400" dirty="0"/>
+                </a:p>
+              </p:txBody>
+            </p:sp>
+          </mc:Choice>
+          <mc:Fallback>
+            <p:sp>
+              <p:nvSpPr>
+                <p:cNvPr id="39" name="TextBox 38">
+                  <a:extLst>
+                    <a:ext uri="{FF2B5EF4-FFF2-40B4-BE49-F238E27FC236}">
+                      <a16:creationId xmlns:a16="http://schemas.microsoft.com/office/drawing/2014/main" id="{8D4547EB-1C12-49E3-9B39-812BD8A06069}"/>
+                    </a:ext>
+                  </a:extLst>
+                </p:cNvPr>
+                <p:cNvSpPr txBox="1">
+                  <a:spLocks noRot="1" noChangeAspect="1" noMove="1" noResize="1" noEditPoints="1" noAdjustHandles="1" noChangeArrowheads="1" noChangeShapeType="1" noTextEdit="1"/>
+                </p:cNvSpPr>
+                <p:nvPr/>
+              </p:nvSpPr>
+              <p:spPr>
+                <a:xfrm>
+                  <a:off x="3567327" y="2545567"/>
+                  <a:ext cx="403572" cy="307777"/>
+                </a:xfrm>
+                <a:prstGeom prst="rect">
+                  <a:avLst/>
+                </a:prstGeom>
+                <a:blipFill>
+                  <a:blip r:embed="rId7"/>
+                  <a:stretch>
+                    <a:fillRect/>
+                  </a:stretch>
+                </a:blipFill>
+              </p:spPr>
+              <p:txBody>
+                <a:bodyPr/>
+                <a:lstStyle/>
+                <a:p>
+                  <a:r>
+                    <a:rPr lang="ca-ES">
+                      <a:noFill/>
+                    </a:rPr>
+                    <a:t> </a:t>
+                  </a:r>
+                </a:p>
+              </p:txBody>
+            </p:sp>
+          </mc:Fallback>
+        </mc:AlternateContent>
+        <p:cxnSp>
+          <p:nvCxnSpPr>
+            <p:cNvPr id="40" name="Straight Arrow Connector 39">
+              <a:extLst>
+                <a:ext uri="{FF2B5EF4-FFF2-40B4-BE49-F238E27FC236}">
+                  <a16:creationId xmlns:a16="http://schemas.microsoft.com/office/drawing/2014/main" id="{B9E2C8A8-0871-4EAF-8D25-9BF1C5108529}"/>
+                </a:ext>
+              </a:extLst>
+            </p:cNvPr>
+            <p:cNvCxnSpPr>
+              <a:cxnSpLocks/>
+            </p:cNvCxnSpPr>
+            <p:nvPr/>
+          </p:nvCxnSpPr>
+          <p:spPr>
+            <a:xfrm>
+              <a:off x="4685662" y="1913942"/>
+              <a:ext cx="0" cy="439359"/>
+            </a:xfrm>
+            <a:prstGeom prst="straightConnector1">
+              <a:avLst/>
+            </a:prstGeom>
+            <a:ln w="19050">
+              <a:solidFill>
+                <a:schemeClr val="tx1"/>
+              </a:solidFill>
+              <a:headEnd type="triangle" w="sm" len="sm"/>
+              <a:tailEnd type="triangle" w="sm" len="sm"/>
+            </a:ln>
+          </p:spPr>
+          <p:style>
+            <a:lnRef idx="1">
+              <a:schemeClr val="accent1"/>
+            </a:lnRef>
+            <a:fillRef idx="0">
+              <a:schemeClr val="accent1"/>
+            </a:fillRef>
+            <a:effectRef idx="0">
+              <a:schemeClr val="accent1"/>
+            </a:effectRef>
+            <a:fontRef idx="minor">
+              <a:schemeClr val="tx1"/>
+            </a:fontRef>
+          </p:style>
+        </p:cxnSp>
+        <mc:AlternateContent xmlns:mc="http://schemas.openxmlformats.org/markup-compatibility/2006">
+          <mc:Choice xmlns:a14="http://schemas.microsoft.com/office/drawing/2010/main" Requires="a14">
+            <p:sp>
+              <p:nvSpPr>
+                <p:cNvPr id="43" name="TextBox 42">
+                  <a:extLst>
+                    <a:ext uri="{FF2B5EF4-FFF2-40B4-BE49-F238E27FC236}">
+                      <a16:creationId xmlns:a16="http://schemas.microsoft.com/office/drawing/2014/main" id="{D662C508-7014-4112-AD37-39AE02D7B75D}"/>
+                    </a:ext>
+                  </a:extLst>
+                </p:cNvPr>
+                <p:cNvSpPr txBox="1"/>
+                <p:nvPr/>
+              </p:nvSpPr>
+              <p:spPr>
+                <a:xfrm>
+                  <a:off x="4603215" y="1987443"/>
+                  <a:ext cx="330988" cy="307777"/>
+                </a:xfrm>
+                <a:prstGeom prst="rect">
+                  <a:avLst/>
+                </a:prstGeom>
+                <a:noFill/>
+              </p:spPr>
+              <p:txBody>
+                <a:bodyPr wrap="none" rtlCol="0">
+                  <a:spAutoFit/>
+                </a:bodyPr>
+                <a:lstStyle/>
+                <a:p>
+                  <a14:m>
+                    <m:oMathPara xmlns:m="http://schemas.openxmlformats.org/officeDocument/2006/math">
+                      <m:oMathParaPr>
+                        <m:jc m:val="centerGroup"/>
+                      </m:oMathParaPr>
+                      <m:oMath xmlns:m="http://schemas.openxmlformats.org/officeDocument/2006/math">
+                        <m:r>
+                          <a:rPr lang="en-US" sz="1400" b="0" i="1" smtClean="0">
+                            <a:latin typeface="Cambria Math" panose="02040503050406030204" pitchFamily="18" charset="0"/>
+                          </a:rPr>
+                          <m:t>𝜃</m:t>
+                        </m:r>
+                      </m:oMath>
+                    </m:oMathPara>
+                  </a14:m>
+                  <a:endParaRPr lang="ca-ES" sz="1400" dirty="0"/>
+                </a:p>
+              </p:txBody>
+            </p:sp>
+          </mc:Choice>
+          <mc:Fallback>
+            <p:sp>
+              <p:nvSpPr>
+                <p:cNvPr id="43" name="TextBox 42">
+                  <a:extLst>
+                    <a:ext uri="{FF2B5EF4-FFF2-40B4-BE49-F238E27FC236}">
+                      <a16:creationId xmlns:a16="http://schemas.microsoft.com/office/drawing/2014/main" id="{D662C508-7014-4112-AD37-39AE02D7B75D}"/>
+                    </a:ext>
+                  </a:extLst>
+                </p:cNvPr>
+                <p:cNvSpPr txBox="1">
+                  <a:spLocks noRot="1" noChangeAspect="1" noMove="1" noResize="1" noEditPoints="1" noAdjustHandles="1" noChangeArrowheads="1" noChangeShapeType="1" noTextEdit="1"/>
+                </p:cNvSpPr>
+                <p:nvPr/>
+              </p:nvSpPr>
+              <p:spPr>
+                <a:xfrm>
+                  <a:off x="4603215" y="1987443"/>
+                  <a:ext cx="330988" cy="307777"/>
+                </a:xfrm>
+                <a:prstGeom prst="rect">
+                  <a:avLst/>
+                </a:prstGeom>
+                <a:blipFill>
+                  <a:blip r:embed="rId8"/>
+                  <a:stretch>
+                    <a:fillRect/>
+                  </a:stretch>
+                </a:blipFill>
+              </p:spPr>
+              <p:txBody>
+                <a:bodyPr/>
+                <a:lstStyle/>
+                <a:p>
+                  <a:r>
+                    <a:rPr lang="ca-ES">
+                      <a:noFill/>
+                    </a:rPr>
+                    <a:t> </a:t>
+                  </a:r>
+                </a:p>
+              </p:txBody>
+            </p:sp>
+          </mc:Fallback>
+        </mc:AlternateContent>
+      </p:grpSp>
+    </p:spTree>
+    <p:extLst>
+      <p:ext uri="{BB962C8B-B14F-4D97-AF65-F5344CB8AC3E}">
+        <p14:creationId xmlns:p14="http://schemas.microsoft.com/office/powerpoint/2010/main" val="2926874626"/>
+      </p:ext>
+    </p:extLst>
+  </p:cSld>
+  <p:clrMapOvr>
+    <a:masterClrMapping/>
+  </p:clrMapOvr>
+</p:sld>
+</file>
+
+<file path=ppt/slides/slide3.xml><?xml version="1.0" encoding="utf-8"?>
+<p:sld xmlns:a="http://schemas.openxmlformats.org/drawingml/2006/main" xmlns:r="http://schemas.openxmlformats.org/officeDocument/2006/relationships" xmlns:p="http://schemas.openxmlformats.org/presentationml/2006/main">
+  <p:cSld>
+    <p:spTree>
+      <p:nvGrpSpPr>
+        <p:cNvPr id="1" name=""/>
+        <p:cNvGrpSpPr/>
+        <p:nvPr/>
+      </p:nvGrpSpPr>
+      <p:grpSpPr>
+        <a:xfrm>
+          <a:off x="0" y="0"/>
+          <a:ext cx="0" cy="0"/>
+          <a:chOff x="0" y="0"/>
+          <a:chExt cx="0" cy="0"/>
+        </a:xfrm>
+      </p:grpSpPr>
       <p:grpSp>
         <p:nvGrpSpPr>
           <p:cNvPr id="46" name="Group 45">
@@ -13523,7 +15030,7 @@
 </p:sld>
 </file>
 
-<file path=ppt/slides/slide3.xml><?xml version="1.0" encoding="utf-8"?>
+<file path=ppt/slides/slide4.xml><?xml version="1.0" encoding="utf-8"?>
 <p:sld xmlns:a="http://schemas.openxmlformats.org/drawingml/2006/main" xmlns:r="http://schemas.openxmlformats.org/officeDocument/2006/relationships" xmlns:p="http://schemas.openxmlformats.org/presentationml/2006/main">
   <p:cSld>
     <p:spTree>
@@ -15083,7 +16590,7 @@
 </p:sld>
 </file>
 
-<file path=ppt/slides/slide4.xml><?xml version="1.0" encoding="utf-8"?>
+<file path=ppt/slides/slide5.xml><?xml version="1.0" encoding="utf-8"?>
 <p:sld xmlns:a="http://schemas.openxmlformats.org/drawingml/2006/main" xmlns:r="http://schemas.openxmlformats.org/officeDocument/2006/relationships" xmlns:p="http://schemas.openxmlformats.org/presentationml/2006/main">
   <p:cSld>
     <p:spTree>
@@ -15161,7 +16668,7 @@
           <a:p>
             <a:fld id="{B6F15528-21DE-4FAA-801E-634DDDAF4B2B}" type="slidenum">
               <a:rPr lang="en-US" smtClean="0"/>
-              <a:t>4</a:t>
+              <a:t>5</a:t>
             </a:fld>
             <a:endParaRPr lang="en-US"/>
           </a:p>
@@ -17574,7 +19081,7 @@
 </p:sld>
 </file>
 
-<file path=ppt/slides/slide5.xml><?xml version="1.0" encoding="utf-8"?>
+<file path=ppt/slides/slide6.xml><?xml version="1.0" encoding="utf-8"?>
 <p:sld xmlns:a="http://schemas.openxmlformats.org/drawingml/2006/main" xmlns:r="http://schemas.openxmlformats.org/officeDocument/2006/relationships" xmlns:p="http://schemas.openxmlformats.org/presentationml/2006/main">
   <p:cSld>
     <p:spTree>
@@ -17670,7 +19177,7 @@
           <a:p>
             <a:fld id="{B6F15528-21DE-4FAA-801E-634DDDAF4B2B}" type="slidenum">
               <a:rPr lang="en-US" smtClean="0"/>
-              <a:t>5</a:t>
+              <a:t>6</a:t>
             </a:fld>
             <a:endParaRPr lang="en-US"/>
           </a:p>
@@ -19783,7 +21290,7 @@
 </p:sld>
 </file>
 
-<file path=ppt/slides/slide6.xml><?xml version="1.0" encoding="utf-8"?>
+<file path=ppt/slides/slide7.xml><?xml version="1.0" encoding="utf-8"?>
 <p:sld xmlns:a="http://schemas.openxmlformats.org/drawingml/2006/main" xmlns:r="http://schemas.openxmlformats.org/officeDocument/2006/relationships" xmlns:p="http://schemas.openxmlformats.org/presentationml/2006/main">
   <p:cSld>
     <p:spTree>
@@ -19861,7 +21368,7 @@
           <a:p>
             <a:fld id="{B6F15528-21DE-4FAA-801E-634DDDAF4B2B}" type="slidenum">
               <a:rPr lang="en-US" smtClean="0"/>
-              <a:t>6</a:t>
+              <a:t>7</a:t>
             </a:fld>
             <a:endParaRPr lang="en-US"/>
           </a:p>
@@ -21107,7 +22614,7 @@
 </p:sld>
 </file>
 
-<file path=ppt/slides/slide7.xml><?xml version="1.0" encoding="utf-8"?>
+<file path=ppt/slides/slide8.xml><?xml version="1.0" encoding="utf-8"?>
 <p:sld xmlns:a="http://schemas.openxmlformats.org/drawingml/2006/main" xmlns:r="http://schemas.openxmlformats.org/officeDocument/2006/relationships" xmlns:p="http://schemas.openxmlformats.org/presentationml/2006/main">
   <p:cSld>
     <p:spTree>
@@ -21185,7 +22692,7 @@
           <a:p>
             <a:fld id="{B6F15528-21DE-4FAA-801E-634DDDAF4B2B}" type="slidenum">
               <a:rPr lang="en-US" smtClean="0"/>
-              <a:t>7</a:t>
+              <a:t>8</a:t>
             </a:fld>
             <a:endParaRPr lang="en-US"/>
           </a:p>
@@ -21865,7 +23372,7 @@
 </p:sld>
 </file>
 
-<file path=ppt/slides/slide8.xml><?xml version="1.0" encoding="utf-8"?>
+<file path=ppt/slides/slide9.xml><?xml version="1.0" encoding="utf-8"?>
 <p:sld xmlns:a="http://schemas.openxmlformats.org/drawingml/2006/main" xmlns:r="http://schemas.openxmlformats.org/officeDocument/2006/relationships" xmlns:p="http://schemas.openxmlformats.org/presentationml/2006/main">
   <p:cSld>
     <p:spTree>
@@ -21961,7 +23468,7 @@
           <a:p>
             <a:fld id="{B6F15528-21DE-4FAA-801E-634DDDAF4B2B}" type="slidenum">
               <a:rPr lang="en-US" smtClean="0"/>
-              <a:t>8</a:t>
+              <a:t>9</a:t>
             </a:fld>
             <a:endParaRPr lang="en-US"/>
           </a:p>
